--- a/docs/ppt/git_module_03.pptx
+++ b/docs/ppt/git_module_03.pptx
@@ -454,7 +454,7 @@
                 <a:latin typeface="Century Gothic" pitchFamily="34" charset="0"/>
               </a:rPr>
               <a:pPr/>
-              <a:t>25/12/2017</a:t>
+              <a:t>31/12/2017</a:t>
             </a:fld>
             <a:endParaRPr lang="fr-FR">
               <a:latin typeface="Century Gothic" pitchFamily="34" charset="0"/>
@@ -634,7 +634,7 @@
             <a:fld id="{FDCDEFE6-5B54-4838-86E6-97123BEF1300}" type="datetimeFigureOut">
               <a:rPr lang="fr-FR" smtClean="0"/>
               <a:pPr/>
-              <a:t>25/12/2017</a:t>
+              <a:t>31/12/2017</a:t>
             </a:fld>
             <a:endParaRPr lang="fr-FR"/>
           </a:p>
@@ -952,16 +952,34 @@
           <a:lstStyle/>
           <a:p>
             <a:r>
-              <a:rPr lang="fr-FR" sz="1200" kern="1200" dirty="0" smtClean="0">
-                <a:solidFill>
-                  <a:schemeClr val="tx1"/>
-                </a:solidFill>
-                <a:effectLst/>
-                <a:latin typeface="Century Gothic" pitchFamily="34" charset="0"/>
-                <a:ea typeface="+mn-ea"/>
-                <a:cs typeface="+mn-cs"/>
-              </a:rPr>
-              <a:t>git_module03_lab01</a:t>
+              <a:rPr lang="fr-FR" dirty="0" smtClean="0"/>
+              <a:t>Git est un oignon</a:t>
+            </a:r>
+            <a:r>
+              <a:rPr lang="fr-FR" baseline="0" dirty="0" smtClean="0"/>
+              <a:t> et on vient de voir les branches, les </a:t>
+            </a:r>
+            <a:r>
+              <a:rPr lang="fr-FR" baseline="0" dirty="0" err="1" smtClean="0"/>
+              <a:t>merges</a:t>
+            </a:r>
+            <a:r>
+              <a:rPr lang="fr-FR" baseline="0" dirty="0" smtClean="0"/>
+              <a:t>…</a:t>
+            </a:r>
+          </a:p>
+          <a:p>
+            <a:r>
+              <a:rPr lang="fr-FR" baseline="0" dirty="0" smtClean="0"/>
+              <a:t>Il nous reste quelques fonctionnalités à explorer, et en particulier, le </a:t>
+            </a:r>
+            <a:r>
+              <a:rPr lang="fr-FR" baseline="0" dirty="0" err="1" smtClean="0"/>
+              <a:t>rebase</a:t>
+            </a:r>
+            <a:r>
+              <a:rPr lang="fr-FR" baseline="0" dirty="0" smtClean="0"/>
+              <a:t>, qui est moins courant dans les SCM que les 2 précédents.</a:t>
             </a:r>
             <a:endParaRPr lang="fr-FR" dirty="0"/>
           </a:p>
@@ -985,7 +1003,7 @@
             <a:fld id="{903BB967-652B-44E3-AC85-B50B589029DD}" type="slidenum">
               <a:rPr lang="fr-FR" smtClean="0"/>
               <a:pPr/>
-              <a:t>2</a:t>
+              <a:t>1</a:t>
             </a:fld>
             <a:endParaRPr lang="fr-FR"/>
           </a:p>
@@ -994,7 +1012,7 @@
     </p:spTree>
     <p:extLst>
       <p:ext uri="{BB962C8B-B14F-4D97-AF65-F5344CB8AC3E}">
-        <p14:creationId xmlns:p14="http://schemas.microsoft.com/office/powerpoint/2010/main" val="1133982766"/>
+        <p14:creationId xmlns:p14="http://schemas.microsoft.com/office/powerpoint/2010/main" val="3549931962"/>
       </p:ext>
     </p:extLst>
   </p:cSld>
@@ -1048,48 +1066,19 @@
           <a:bodyPr/>
           <a:lstStyle/>
           <a:p>
-            <a:pPr marL="0" marR="0" lvl="0" indent="0" algn="l" defTabSz="914400" rtl="0" eaLnBrk="1" fontAlgn="auto" latinLnBrk="0" hangingPunct="1">
-              <a:lnSpc>
-                <a:spcPct val="100000"/>
-              </a:lnSpc>
-              <a:spcBef>
-                <a:spcPts val="0"/>
-              </a:spcBef>
-              <a:spcAft>
-                <a:spcPts val="0"/>
-              </a:spcAft>
-              <a:buClrTx/>
-              <a:buSzTx/>
-              <a:buFontTx/>
-              <a:buNone/>
-              <a:tabLst/>
-              <a:defRPr/>
-            </a:pPr>
             <a:r>
               <a:rPr lang="fr-FR" dirty="0" smtClean="0"/>
-              <a:t>Pourquoi</a:t>
+              <a:t>Que se passe t-il pour ces deux </a:t>
+            </a:r>
+            <a:r>
+              <a:rPr lang="fr-FR" dirty="0" err="1" smtClean="0"/>
+              <a:t>commits</a:t>
             </a:r>
             <a:r>
               <a:rPr lang="fr-FR" baseline="0" dirty="0" smtClean="0"/>
-              <a:t> </a:t>
-            </a:r>
-            <a:r>
-              <a:rPr lang="fr-FR" baseline="0" dirty="0" err="1" smtClean="0"/>
-              <a:t>rebase</a:t>
-            </a:r>
-            <a:r>
-              <a:rPr lang="fr-FR" baseline="0" dirty="0" smtClean="0"/>
-              <a:t> existe si on a déjà le </a:t>
-            </a:r>
-            <a:r>
-              <a:rPr lang="fr-FR" baseline="0" dirty="0" err="1" smtClean="0"/>
-              <a:t>merge</a:t>
-            </a:r>
-            <a:r>
-              <a:rPr lang="fr-FR" baseline="0" dirty="0" smtClean="0"/>
-              <a:t> ?</a:t>
-            </a:r>
-            <a:endParaRPr lang="fr-FR" dirty="0" smtClean="0"/>
+              <a:t> ? Ils ne sont référencés nulle part et seront supprimé par le GC</a:t>
+            </a:r>
+            <a:endParaRPr lang="fr-FR" dirty="0"/>
           </a:p>
         </p:txBody>
       </p:sp>
@@ -1111,7 +1100,7 @@
             <a:fld id="{903BB967-652B-44E3-AC85-B50B589029DD}" type="slidenum">
               <a:rPr lang="fr-FR" smtClean="0"/>
               <a:pPr/>
-              <a:t>16</a:t>
+              <a:t>11</a:t>
             </a:fld>
             <a:endParaRPr lang="fr-FR"/>
           </a:p>
@@ -1120,7 +1109,7 @@
     </p:spTree>
     <p:extLst>
       <p:ext uri="{BB962C8B-B14F-4D97-AF65-F5344CB8AC3E}">
-        <p14:creationId xmlns:p14="http://schemas.microsoft.com/office/powerpoint/2010/main" val="4103736604"/>
+        <p14:creationId xmlns:p14="http://schemas.microsoft.com/office/powerpoint/2010/main" val="4177700248"/>
       </p:ext>
     </p:extLst>
   </p:cSld>
@@ -1193,11 +1182,27 @@
             </a:pPr>
             <a:r>
               <a:rPr lang="fr-FR" dirty="0" smtClean="0"/>
-              <a:t>L’historique</a:t>
+              <a:t>Pourquoi</a:t>
             </a:r>
             <a:r>
               <a:rPr lang="fr-FR" baseline="0" dirty="0" smtClean="0"/>
-              <a:t> apparait plus linéaire et plus compréhensible</a:t>
+              <a:t> </a:t>
+            </a:r>
+            <a:r>
+              <a:rPr lang="fr-FR" baseline="0" dirty="0" err="1" smtClean="0"/>
+              <a:t>rebase</a:t>
+            </a:r>
+            <a:r>
+              <a:rPr lang="fr-FR" baseline="0" dirty="0" smtClean="0"/>
+              <a:t> existe si on a déjà le </a:t>
+            </a:r>
+            <a:r>
+              <a:rPr lang="fr-FR" baseline="0" dirty="0" err="1" smtClean="0"/>
+              <a:t>merge</a:t>
+            </a:r>
+            <a:r>
+              <a:rPr lang="fr-FR" baseline="0" dirty="0" smtClean="0"/>
+              <a:t> ?</a:t>
             </a:r>
             <a:endParaRPr lang="fr-FR" dirty="0" smtClean="0"/>
           </a:p>
@@ -1221,7 +1226,7 @@
             <a:fld id="{903BB967-652B-44E3-AC85-B50B589029DD}" type="slidenum">
               <a:rPr lang="fr-FR" smtClean="0"/>
               <a:pPr/>
-              <a:t>17</a:t>
+              <a:t>13</a:t>
             </a:fld>
             <a:endParaRPr lang="fr-FR"/>
           </a:p>
@@ -1230,7 +1235,7 @@
     </p:spTree>
     <p:extLst>
       <p:ext uri="{BB962C8B-B14F-4D97-AF65-F5344CB8AC3E}">
-        <p14:creationId xmlns:p14="http://schemas.microsoft.com/office/powerpoint/2010/main" val="257787547"/>
+        <p14:creationId xmlns:p14="http://schemas.microsoft.com/office/powerpoint/2010/main" val="1094608924"/>
       </p:ext>
     </p:extLst>
   </p:cSld>
@@ -1285,16 +1290,26 @@
           <a:lstStyle/>
           <a:p>
             <a:r>
-              <a:rPr lang="fr-FR" dirty="0" err="1" smtClean="0"/>
-              <a:t>Rebase</a:t>
-            </a:r>
-            <a:r>
               <a:rPr lang="fr-FR" dirty="0" smtClean="0"/>
-              <a:t> crée de nouveaux</a:t>
+              <a:t>Conserve</a:t>
             </a:r>
             <a:r>
               <a:rPr lang="fr-FR" baseline="0" dirty="0" smtClean="0"/>
-              <a:t> </a:t>
+              <a:t> l’historique. En cas de conflit, le commit final inclut ces changements,</a:t>
+            </a:r>
+          </a:p>
+          <a:p>
+            <a:r>
+              <a:rPr lang="fr-FR" baseline="0" dirty="0" smtClean="0"/>
+              <a:t>Démo : montrer un projet complexe dans </a:t>
+            </a:r>
+            <a:r>
+              <a:rPr lang="fr-FR" baseline="0" dirty="0" err="1" smtClean="0"/>
+              <a:t>SourceTree</a:t>
+            </a:r>
+            <a:r>
+              <a:rPr lang="fr-FR" baseline="0" dirty="0" smtClean="0"/>
+              <a:t> pour voir l’historique et les différents </a:t>
             </a:r>
             <a:r>
               <a:rPr lang="fr-FR" baseline="0" dirty="0" err="1" smtClean="0"/>
@@ -1302,19 +1317,8 @@
             </a:r>
             <a:r>
               <a:rPr lang="fr-FR" baseline="0" dirty="0" smtClean="0"/>
-              <a:t> et réécrit l’historique pour qu’elle apparaisse plus fluide.</a:t>
-            </a:r>
-          </a:p>
-          <a:p>
-            <a:r>
-              <a:rPr lang="fr-FR" baseline="0" dirty="0" err="1" smtClean="0"/>
-              <a:t>It’s</a:t>
-            </a:r>
-            <a:r>
-              <a:rPr lang="fr-FR" baseline="0" dirty="0" smtClean="0"/>
-              <a:t> a lie!</a:t>
-            </a:r>
-            <a:endParaRPr lang="fr-FR" dirty="0"/>
+              <a:t> dans les branches. Montrer un git log en ligne de commande pour montrer l’impression que l’historique apparait comme linéaire.</a:t>
+            </a:r>
           </a:p>
         </p:txBody>
       </p:sp>
@@ -1336,7 +1340,7 @@
             <a:fld id="{903BB967-652B-44E3-AC85-B50B589029DD}" type="slidenum">
               <a:rPr lang="fr-FR" smtClean="0"/>
               <a:pPr/>
-              <a:t>18</a:t>
+              <a:t>14</a:t>
             </a:fld>
             <a:endParaRPr lang="fr-FR"/>
           </a:p>
@@ -1345,7 +1349,7 @@
     </p:spTree>
     <p:extLst>
       <p:ext uri="{BB962C8B-B14F-4D97-AF65-F5344CB8AC3E}">
-        <p14:creationId xmlns:p14="http://schemas.microsoft.com/office/powerpoint/2010/main" val="2193474659"/>
+        <p14:creationId xmlns:p14="http://schemas.microsoft.com/office/powerpoint/2010/main" val="1898537182"/>
       </p:ext>
     </p:extLst>
   </p:cSld>
@@ -1399,63 +1403,19 @@
           <a:bodyPr/>
           <a:lstStyle/>
           <a:p>
-            <a:pPr marL="0" marR="0" lvl="0" indent="0" algn="l" defTabSz="914400" rtl="0" eaLnBrk="1" fontAlgn="auto" latinLnBrk="0" hangingPunct="1">
-              <a:lnSpc>
-                <a:spcPct val="100000"/>
-              </a:lnSpc>
-              <a:spcBef>
-                <a:spcPts val="0"/>
-              </a:spcBef>
-              <a:spcAft>
-                <a:spcPts val="0"/>
-              </a:spcAft>
-              <a:buClrTx/>
-              <a:buSzTx/>
-              <a:buFontTx/>
-              <a:buNone/>
-              <a:tabLst/>
-              <a:defRPr/>
-            </a:pPr>
             <a:r>
               <a:rPr lang="fr-FR" dirty="0" smtClean="0"/>
-              <a:t>On a l’impression que les </a:t>
+              <a:t>Les </a:t>
             </a:r>
             <a:r>
               <a:rPr lang="fr-FR" dirty="0" err="1" smtClean="0"/>
-              <a:t>commits</a:t>
-            </a:r>
-            <a:r>
-              <a:rPr lang="fr-FR" dirty="0" smtClean="0"/>
-              <a:t> en</a:t>
+              <a:t>merges</a:t>
             </a:r>
             <a:r>
               <a:rPr lang="fr-FR" baseline="0" dirty="0" smtClean="0"/>
-              <a:t> jaune ont été créés avant ceux en bleus, ce qui n’est pas forcément le cas !</a:t>
-            </a:r>
-          </a:p>
-          <a:p>
-            <a:pPr marL="0" marR="0" lvl="0" indent="0" algn="l" defTabSz="914400" rtl="0" eaLnBrk="1" fontAlgn="auto" latinLnBrk="0" hangingPunct="1">
-              <a:lnSpc>
-                <a:spcPct val="100000"/>
-              </a:lnSpc>
-              <a:spcBef>
-                <a:spcPts val="0"/>
-              </a:spcBef>
-              <a:spcAft>
-                <a:spcPts val="0"/>
-              </a:spcAft>
-              <a:buClrTx/>
-              <a:buSzTx/>
-              <a:buFontTx/>
-              <a:buNone/>
-              <a:tabLst/>
-              <a:defRPr/>
-            </a:pPr>
-            <a:r>
-              <a:rPr lang="fr-FR" baseline="0" dirty="0" smtClean="0"/>
-              <a:t>Un scénario où ça peut poser problème : voir le module 4</a:t>
-            </a:r>
-            <a:endParaRPr lang="fr-FR" dirty="0" smtClean="0"/>
+              <a:t> ne mentent jamais !</a:t>
+            </a:r>
+            <a:endParaRPr lang="fr-FR" dirty="0"/>
           </a:p>
         </p:txBody>
       </p:sp>
@@ -1477,7 +1437,7 @@
             <a:fld id="{903BB967-652B-44E3-AC85-B50B589029DD}" type="slidenum">
               <a:rPr lang="fr-FR" smtClean="0"/>
               <a:pPr/>
-              <a:t>19</a:t>
+              <a:t>15</a:t>
             </a:fld>
             <a:endParaRPr lang="fr-FR"/>
           </a:p>
@@ -1486,7 +1446,7 @@
     </p:spTree>
     <p:extLst>
       <p:ext uri="{BB962C8B-B14F-4D97-AF65-F5344CB8AC3E}">
-        <p14:creationId xmlns:p14="http://schemas.microsoft.com/office/powerpoint/2010/main" val="777307233"/>
+        <p14:creationId xmlns:p14="http://schemas.microsoft.com/office/powerpoint/2010/main" val="3840757462"/>
       </p:ext>
     </p:extLst>
   </p:cSld>
@@ -1540,19 +1500,24 @@
           <a:bodyPr/>
           <a:lstStyle/>
           <a:p>
-            <a:r>
-              <a:rPr lang="fr-FR" dirty="0" err="1" smtClean="0"/>
-              <a:t>Rebase</a:t>
-            </a:r>
-            <a:r>
-              <a:rPr lang="fr-FR" dirty="0" smtClean="0"/>
-              <a:t> est utile</a:t>
-            </a:r>
-            <a:r>
-              <a:rPr lang="fr-FR" baseline="0" dirty="0" smtClean="0"/>
-              <a:t> et puissant, mais à utiliser quand on sait ce qu’on fait et quand on connait les effets secondaires</a:t>
-            </a:r>
-            <a:endParaRPr lang="fr-FR" dirty="0"/>
+            <a:pPr marL="0" marR="0" lvl="0" indent="0" algn="l" defTabSz="914400" rtl="0" eaLnBrk="1" fontAlgn="auto" latinLnBrk="0" hangingPunct="1">
+              <a:lnSpc>
+                <a:spcPct val="100000"/>
+              </a:lnSpc>
+              <a:spcBef>
+                <a:spcPts val="0"/>
+              </a:spcBef>
+              <a:spcAft>
+                <a:spcPts val="0"/>
+              </a:spcAft>
+              <a:buClrTx/>
+              <a:buSzTx/>
+              <a:buFontTx/>
+              <a:buNone/>
+              <a:tabLst/>
+              <a:defRPr/>
+            </a:pPr>
+            <a:endParaRPr lang="fr-FR" dirty="0" smtClean="0"/>
           </a:p>
         </p:txBody>
       </p:sp>
@@ -1574,7 +1539,7 @@
             <a:fld id="{903BB967-652B-44E3-AC85-B50B589029DD}" type="slidenum">
               <a:rPr lang="fr-FR" smtClean="0"/>
               <a:pPr/>
-              <a:t>20</a:t>
+              <a:t>16</a:t>
             </a:fld>
             <a:endParaRPr lang="fr-FR"/>
           </a:p>
@@ -1583,7 +1548,7 @@
     </p:spTree>
     <p:extLst>
       <p:ext uri="{BB962C8B-B14F-4D97-AF65-F5344CB8AC3E}">
-        <p14:creationId xmlns:p14="http://schemas.microsoft.com/office/powerpoint/2010/main" val="3667230230"/>
+        <p14:creationId xmlns:p14="http://schemas.microsoft.com/office/powerpoint/2010/main" val="4103736604"/>
       </p:ext>
     </p:extLst>
   </p:cSld>
@@ -1637,23 +1602,35 @@
           <a:bodyPr/>
           <a:lstStyle/>
           <a:p>
+            <a:pPr marL="0" marR="0" lvl="0" indent="0" algn="l" defTabSz="914400" rtl="0" eaLnBrk="1" fontAlgn="auto" latinLnBrk="0" hangingPunct="1">
+              <a:lnSpc>
+                <a:spcPct val="100000"/>
+              </a:lnSpc>
+              <a:spcBef>
+                <a:spcPts val="0"/>
+              </a:spcBef>
+              <a:spcAft>
+                <a:spcPts val="0"/>
+              </a:spcAft>
+              <a:buClrTx/>
+              <a:buSzTx/>
+              <a:buFontTx/>
+              <a:buNone/>
+              <a:tabLst/>
+              <a:defRPr/>
+            </a:pPr>
             <a:r>
               <a:rPr lang="fr-FR" dirty="0" smtClean="0"/>
-              <a:t>En comparaison, un </a:t>
-            </a:r>
-            <a:r>
-              <a:rPr lang="fr-FR" dirty="0" err="1" smtClean="0"/>
-              <a:t>annotated</a:t>
-            </a:r>
-            <a:r>
-              <a:rPr lang="fr-FR" dirty="0" smtClean="0"/>
-              <a:t>-tag est stocké comme un</a:t>
+              <a:t>L’historique</a:t>
             </a:r>
             <a:r>
               <a:rPr lang="fr-FR" baseline="0" dirty="0" smtClean="0"/>
-              <a:t> objet à part entière, avec son propre SHA1</a:t>
-            </a:r>
-            <a:endParaRPr lang="fr-FR" dirty="0"/>
+              <a:t> apparait plus linéaire et plus </a:t>
+            </a:r>
+            <a:r>
+              <a:rPr lang="fr-FR" baseline="0" dirty="0" smtClean="0"/>
+              <a:t>compréhensible</a:t>
+            </a:r>
           </a:p>
         </p:txBody>
       </p:sp>
@@ -1675,7 +1652,7 @@
             <a:fld id="{903BB967-652B-44E3-AC85-B50B589029DD}" type="slidenum">
               <a:rPr lang="fr-FR" smtClean="0"/>
               <a:pPr/>
-              <a:t>22</a:t>
+              <a:t>17</a:t>
             </a:fld>
             <a:endParaRPr lang="fr-FR"/>
           </a:p>
@@ -1684,7 +1661,505 @@
     </p:spTree>
     <p:extLst>
       <p:ext uri="{BB962C8B-B14F-4D97-AF65-F5344CB8AC3E}">
-        <p14:creationId xmlns:p14="http://schemas.microsoft.com/office/powerpoint/2010/main" val="1222682832"/>
+        <p14:creationId xmlns:p14="http://schemas.microsoft.com/office/powerpoint/2010/main" val="257787547"/>
+      </p:ext>
+    </p:extLst>
+  </p:cSld>
+  <p:clrMapOvr>
+    <a:masterClrMapping/>
+  </p:clrMapOvr>
+</p:notes>
+</file>
+
+<file path=ppt/notesSlides/notesSlide16.xml><?xml version="1.0" encoding="utf-8"?>
+<p:notes xmlns:a="http://schemas.openxmlformats.org/drawingml/2006/main" xmlns:r="http://schemas.openxmlformats.org/officeDocument/2006/relationships" xmlns:p="http://schemas.openxmlformats.org/presentationml/2006/main">
+  <p:cSld>
+    <p:spTree>
+      <p:nvGrpSpPr>
+        <p:cNvPr id="1" name=""/>
+        <p:cNvGrpSpPr/>
+        <p:nvPr/>
+      </p:nvGrpSpPr>
+      <p:grpSpPr>
+        <a:xfrm>
+          <a:off x="0" y="0"/>
+          <a:ext cx="0" cy="0"/>
+          <a:chOff x="0" y="0"/>
+          <a:chExt cx="0" cy="0"/>
+        </a:xfrm>
+      </p:grpSpPr>
+      <p:sp>
+        <p:nvSpPr>
+          <p:cNvPr id="2" name="Slide Image Placeholder 1"/>
+          <p:cNvSpPr>
+            <a:spLocks noGrp="1" noRot="1" noChangeAspect="1"/>
+          </p:cNvSpPr>
+          <p:nvPr>
+            <p:ph type="sldImg"/>
+          </p:nvPr>
+        </p:nvSpPr>
+        <p:spPr/>
+      </p:sp>
+      <p:sp>
+        <p:nvSpPr>
+          <p:cNvPr id="3" name="Notes Placeholder 2"/>
+          <p:cNvSpPr>
+            <a:spLocks noGrp="1"/>
+          </p:cNvSpPr>
+          <p:nvPr>
+            <p:ph type="body" idx="1"/>
+          </p:nvPr>
+        </p:nvSpPr>
+        <p:spPr/>
+        <p:txBody>
+          <a:bodyPr/>
+          <a:lstStyle/>
+          <a:p>
+            <a:r>
+              <a:rPr lang="fr-FR" dirty="0" err="1" smtClean="0"/>
+              <a:t>Rebase</a:t>
+            </a:r>
+            <a:r>
+              <a:rPr lang="fr-FR" dirty="0" smtClean="0"/>
+              <a:t> crée de nouveaux</a:t>
+            </a:r>
+            <a:r>
+              <a:rPr lang="fr-FR" baseline="0" dirty="0" smtClean="0"/>
+              <a:t> </a:t>
+            </a:r>
+            <a:r>
+              <a:rPr lang="fr-FR" baseline="0" dirty="0" err="1" smtClean="0"/>
+              <a:t>commits</a:t>
+            </a:r>
+            <a:r>
+              <a:rPr lang="fr-FR" baseline="0" dirty="0" smtClean="0"/>
+              <a:t> et réécrit l’historique pour qu’elle apparaisse plus fluide.</a:t>
+            </a:r>
+          </a:p>
+          <a:p>
+            <a:r>
+              <a:rPr lang="fr-FR" baseline="0" dirty="0" smtClean="0"/>
+              <a:t>L’historique est recrée, c’est un mensonge !</a:t>
+            </a:r>
+            <a:endParaRPr lang="fr-FR" dirty="0"/>
+          </a:p>
+        </p:txBody>
+      </p:sp>
+      <p:sp>
+        <p:nvSpPr>
+          <p:cNvPr id="4" name="Slide Number Placeholder 3"/>
+          <p:cNvSpPr>
+            <a:spLocks noGrp="1"/>
+          </p:cNvSpPr>
+          <p:nvPr>
+            <p:ph type="sldNum" sz="quarter" idx="10"/>
+          </p:nvPr>
+        </p:nvSpPr>
+        <p:spPr/>
+        <p:txBody>
+          <a:bodyPr/>
+          <a:lstStyle/>
+          <a:p>
+            <a:fld id="{903BB967-652B-44E3-AC85-B50B589029DD}" type="slidenum">
+              <a:rPr lang="fr-FR" smtClean="0"/>
+              <a:pPr/>
+              <a:t>18</a:t>
+            </a:fld>
+            <a:endParaRPr lang="fr-FR"/>
+          </a:p>
+        </p:txBody>
+      </p:sp>
+    </p:spTree>
+    <p:extLst>
+      <p:ext uri="{BB962C8B-B14F-4D97-AF65-F5344CB8AC3E}">
+        <p14:creationId xmlns:p14="http://schemas.microsoft.com/office/powerpoint/2010/main" val="2193474659"/>
+      </p:ext>
+    </p:extLst>
+  </p:cSld>
+  <p:clrMapOvr>
+    <a:masterClrMapping/>
+  </p:clrMapOvr>
+</p:notes>
+</file>
+
+<file path=ppt/notesSlides/notesSlide17.xml><?xml version="1.0" encoding="utf-8"?>
+<p:notes xmlns:a="http://schemas.openxmlformats.org/drawingml/2006/main" xmlns:r="http://schemas.openxmlformats.org/officeDocument/2006/relationships" xmlns:p="http://schemas.openxmlformats.org/presentationml/2006/main">
+  <p:cSld>
+    <p:spTree>
+      <p:nvGrpSpPr>
+        <p:cNvPr id="1" name=""/>
+        <p:cNvGrpSpPr/>
+        <p:nvPr/>
+      </p:nvGrpSpPr>
+      <p:grpSpPr>
+        <a:xfrm>
+          <a:off x="0" y="0"/>
+          <a:ext cx="0" cy="0"/>
+          <a:chOff x="0" y="0"/>
+          <a:chExt cx="0" cy="0"/>
+        </a:xfrm>
+      </p:grpSpPr>
+      <p:sp>
+        <p:nvSpPr>
+          <p:cNvPr id="2" name="Slide Image Placeholder 1"/>
+          <p:cNvSpPr>
+            <a:spLocks noGrp="1" noRot="1" noChangeAspect="1"/>
+          </p:cNvSpPr>
+          <p:nvPr>
+            <p:ph type="sldImg"/>
+          </p:nvPr>
+        </p:nvSpPr>
+        <p:spPr/>
+      </p:sp>
+      <p:sp>
+        <p:nvSpPr>
+          <p:cNvPr id="3" name="Notes Placeholder 2"/>
+          <p:cNvSpPr>
+            <a:spLocks noGrp="1"/>
+          </p:cNvSpPr>
+          <p:nvPr>
+            <p:ph type="body" idx="1"/>
+          </p:nvPr>
+        </p:nvSpPr>
+        <p:spPr/>
+        <p:txBody>
+          <a:bodyPr/>
+          <a:lstStyle/>
+          <a:p>
+            <a:pPr marL="0" marR="0" lvl="0" indent="0" algn="l" defTabSz="914400" rtl="0" eaLnBrk="1" fontAlgn="auto" latinLnBrk="0" hangingPunct="1">
+              <a:lnSpc>
+                <a:spcPct val="100000"/>
+              </a:lnSpc>
+              <a:spcBef>
+                <a:spcPts val="0"/>
+              </a:spcBef>
+              <a:spcAft>
+                <a:spcPts val="0"/>
+              </a:spcAft>
+              <a:buClrTx/>
+              <a:buSzTx/>
+              <a:buFontTx/>
+              <a:buNone/>
+              <a:tabLst/>
+              <a:defRPr/>
+            </a:pPr>
+            <a:r>
+              <a:rPr lang="fr-FR" dirty="0" smtClean="0"/>
+              <a:t>On a l’impression que les </a:t>
+            </a:r>
+            <a:r>
+              <a:rPr lang="fr-FR" dirty="0" err="1" smtClean="0"/>
+              <a:t>commits</a:t>
+            </a:r>
+            <a:r>
+              <a:rPr lang="fr-FR" dirty="0" smtClean="0"/>
+              <a:t> en</a:t>
+            </a:r>
+            <a:r>
+              <a:rPr lang="fr-FR" baseline="0" dirty="0" smtClean="0"/>
+              <a:t> jaune ont été créés avant ceux en bleus, ce qui n’est pas forcément le cas !</a:t>
+            </a:r>
+          </a:p>
+          <a:p>
+            <a:pPr marL="0" marR="0" lvl="0" indent="0" algn="l" defTabSz="914400" rtl="0" eaLnBrk="1" fontAlgn="auto" latinLnBrk="0" hangingPunct="1">
+              <a:lnSpc>
+                <a:spcPct val="100000"/>
+              </a:lnSpc>
+              <a:spcBef>
+                <a:spcPts val="0"/>
+              </a:spcBef>
+              <a:spcAft>
+                <a:spcPts val="0"/>
+              </a:spcAft>
+              <a:buClrTx/>
+              <a:buSzTx/>
+              <a:buFontTx/>
+              <a:buNone/>
+              <a:tabLst/>
+              <a:defRPr/>
+            </a:pPr>
+            <a:r>
+              <a:rPr lang="fr-FR" baseline="0" dirty="0" smtClean="0"/>
+              <a:t>Un scénario où ça peut poser problème : voir le module 4</a:t>
+            </a:r>
+            <a:endParaRPr lang="fr-FR" dirty="0" smtClean="0"/>
+          </a:p>
+        </p:txBody>
+      </p:sp>
+      <p:sp>
+        <p:nvSpPr>
+          <p:cNvPr id="4" name="Slide Number Placeholder 3"/>
+          <p:cNvSpPr>
+            <a:spLocks noGrp="1"/>
+          </p:cNvSpPr>
+          <p:nvPr>
+            <p:ph type="sldNum" sz="quarter" idx="10"/>
+          </p:nvPr>
+        </p:nvSpPr>
+        <p:spPr/>
+        <p:txBody>
+          <a:bodyPr/>
+          <a:lstStyle/>
+          <a:p>
+            <a:fld id="{903BB967-652B-44E3-AC85-B50B589029DD}" type="slidenum">
+              <a:rPr lang="fr-FR" smtClean="0"/>
+              <a:pPr/>
+              <a:t>19</a:t>
+            </a:fld>
+            <a:endParaRPr lang="fr-FR"/>
+          </a:p>
+        </p:txBody>
+      </p:sp>
+    </p:spTree>
+    <p:extLst>
+      <p:ext uri="{BB962C8B-B14F-4D97-AF65-F5344CB8AC3E}">
+        <p14:creationId xmlns:p14="http://schemas.microsoft.com/office/powerpoint/2010/main" val="777307233"/>
+      </p:ext>
+    </p:extLst>
+  </p:cSld>
+  <p:clrMapOvr>
+    <a:masterClrMapping/>
+  </p:clrMapOvr>
+</p:notes>
+</file>
+
+<file path=ppt/notesSlides/notesSlide18.xml><?xml version="1.0" encoding="utf-8"?>
+<p:notes xmlns:a="http://schemas.openxmlformats.org/drawingml/2006/main" xmlns:r="http://schemas.openxmlformats.org/officeDocument/2006/relationships" xmlns:p="http://schemas.openxmlformats.org/presentationml/2006/main">
+  <p:cSld>
+    <p:spTree>
+      <p:nvGrpSpPr>
+        <p:cNvPr id="1" name=""/>
+        <p:cNvGrpSpPr/>
+        <p:nvPr/>
+      </p:nvGrpSpPr>
+      <p:grpSpPr>
+        <a:xfrm>
+          <a:off x="0" y="0"/>
+          <a:ext cx="0" cy="0"/>
+          <a:chOff x="0" y="0"/>
+          <a:chExt cx="0" cy="0"/>
+        </a:xfrm>
+      </p:grpSpPr>
+      <p:sp>
+        <p:nvSpPr>
+          <p:cNvPr id="2" name="Slide Image Placeholder 1"/>
+          <p:cNvSpPr>
+            <a:spLocks noGrp="1" noRot="1" noChangeAspect="1"/>
+          </p:cNvSpPr>
+          <p:nvPr>
+            <p:ph type="sldImg"/>
+          </p:nvPr>
+        </p:nvSpPr>
+        <p:spPr/>
+      </p:sp>
+      <p:sp>
+        <p:nvSpPr>
+          <p:cNvPr id="3" name="Notes Placeholder 2"/>
+          <p:cNvSpPr>
+            <a:spLocks noGrp="1"/>
+          </p:cNvSpPr>
+          <p:nvPr>
+            <p:ph type="body" idx="1"/>
+          </p:nvPr>
+        </p:nvSpPr>
+        <p:spPr/>
+        <p:txBody>
+          <a:bodyPr/>
+          <a:lstStyle/>
+          <a:p>
+            <a:r>
+              <a:rPr lang="fr-FR" dirty="0" err="1" smtClean="0"/>
+              <a:t>Rebase</a:t>
+            </a:r>
+            <a:r>
+              <a:rPr lang="fr-FR" dirty="0" smtClean="0"/>
+              <a:t> est utile</a:t>
+            </a:r>
+            <a:r>
+              <a:rPr lang="fr-FR" baseline="0" dirty="0" smtClean="0"/>
+              <a:t> et puissant, mais à utiliser quand on sait ce qu’on fait et quand on connait les effets secondaires</a:t>
+            </a:r>
+            <a:endParaRPr lang="fr-FR" dirty="0"/>
+          </a:p>
+        </p:txBody>
+      </p:sp>
+      <p:sp>
+        <p:nvSpPr>
+          <p:cNvPr id="4" name="Slide Number Placeholder 3"/>
+          <p:cNvSpPr>
+            <a:spLocks noGrp="1"/>
+          </p:cNvSpPr>
+          <p:nvPr>
+            <p:ph type="sldNum" sz="quarter" idx="10"/>
+          </p:nvPr>
+        </p:nvSpPr>
+        <p:spPr/>
+        <p:txBody>
+          <a:bodyPr/>
+          <a:lstStyle/>
+          <a:p>
+            <a:fld id="{903BB967-652B-44E3-AC85-B50B589029DD}" type="slidenum">
+              <a:rPr lang="fr-FR" smtClean="0"/>
+              <a:pPr/>
+              <a:t>20</a:t>
+            </a:fld>
+            <a:endParaRPr lang="fr-FR"/>
+          </a:p>
+        </p:txBody>
+      </p:sp>
+    </p:spTree>
+    <p:extLst>
+      <p:ext uri="{BB962C8B-B14F-4D97-AF65-F5344CB8AC3E}">
+        <p14:creationId xmlns:p14="http://schemas.microsoft.com/office/powerpoint/2010/main" val="3667230230"/>
+      </p:ext>
+    </p:extLst>
+  </p:cSld>
+  <p:clrMapOvr>
+    <a:masterClrMapping/>
+  </p:clrMapOvr>
+</p:notes>
+</file>
+
+<file path=ppt/notesSlides/notesSlide19.xml><?xml version="1.0" encoding="utf-8"?>
+<p:notes xmlns:a="http://schemas.openxmlformats.org/drawingml/2006/main" xmlns:r="http://schemas.openxmlformats.org/officeDocument/2006/relationships" xmlns:p="http://schemas.openxmlformats.org/presentationml/2006/main">
+  <p:cSld>
+    <p:spTree>
+      <p:nvGrpSpPr>
+        <p:cNvPr id="1" name=""/>
+        <p:cNvGrpSpPr/>
+        <p:nvPr/>
+      </p:nvGrpSpPr>
+      <p:grpSpPr>
+        <a:xfrm>
+          <a:off x="0" y="0"/>
+          <a:ext cx="0" cy="0"/>
+          <a:chOff x="0" y="0"/>
+          <a:chExt cx="0" cy="0"/>
+        </a:xfrm>
+      </p:grpSpPr>
+      <p:sp>
+        <p:nvSpPr>
+          <p:cNvPr id="2" name="Slide Image Placeholder 1"/>
+          <p:cNvSpPr>
+            <a:spLocks noGrp="1" noRot="1" noChangeAspect="1"/>
+          </p:cNvSpPr>
+          <p:nvPr>
+            <p:ph type="sldImg"/>
+          </p:nvPr>
+        </p:nvSpPr>
+        <p:spPr/>
+      </p:sp>
+      <p:sp>
+        <p:nvSpPr>
+          <p:cNvPr id="3" name="Notes Placeholder 2"/>
+          <p:cNvSpPr>
+            <a:spLocks noGrp="1"/>
+          </p:cNvSpPr>
+          <p:nvPr>
+            <p:ph type="body" idx="1"/>
+          </p:nvPr>
+        </p:nvSpPr>
+        <p:spPr/>
+        <p:txBody>
+          <a:bodyPr/>
+          <a:lstStyle/>
+          <a:p>
+            <a:r>
+              <a:rPr lang="fr-FR" dirty="0" smtClean="0"/>
+              <a:t>Il nous reste 1 fonctionnalité</a:t>
+            </a:r>
+            <a:r>
+              <a:rPr lang="fr-FR" baseline="0" dirty="0" smtClean="0"/>
+              <a:t> à voir pour terminer ce module : les tags</a:t>
+            </a:r>
+          </a:p>
+          <a:p>
+            <a:pPr marL="171450" indent="-171450">
+              <a:buFont typeface="Arial" panose="020B0604020202020204" pitchFamily="34" charset="0"/>
+              <a:buChar char="•"/>
+            </a:pPr>
+            <a:r>
+              <a:rPr lang="fr-FR" baseline="0" dirty="0" err="1" smtClean="0"/>
+              <a:t>Annotated</a:t>
+            </a:r>
+            <a:r>
+              <a:rPr lang="fr-FR" baseline="0" dirty="0" smtClean="0"/>
+              <a:t> tags (déjà vu)</a:t>
+            </a:r>
+          </a:p>
+          <a:p>
+            <a:pPr marL="171450" indent="-171450">
+              <a:buFont typeface="Arial" panose="020B0604020202020204" pitchFamily="34" charset="0"/>
+              <a:buChar char="•"/>
+            </a:pPr>
+            <a:r>
+              <a:rPr lang="fr-FR" baseline="0" dirty="0" smtClean="0"/>
+              <a:t>non-</a:t>
+            </a:r>
+            <a:r>
+              <a:rPr lang="fr-FR" baseline="0" dirty="0" err="1" smtClean="0"/>
+              <a:t>annotated</a:t>
+            </a:r>
+            <a:r>
+              <a:rPr lang="fr-FR" baseline="0" dirty="0" smtClean="0"/>
+              <a:t> ou </a:t>
+            </a:r>
+            <a:r>
+              <a:rPr lang="fr-FR" baseline="0" dirty="0" err="1" smtClean="0"/>
+              <a:t>lightweight</a:t>
+            </a:r>
+            <a:r>
+              <a:rPr lang="fr-FR" baseline="0" dirty="0" smtClean="0"/>
+              <a:t> tags</a:t>
+            </a:r>
+          </a:p>
+          <a:p>
+            <a:r>
+              <a:rPr lang="fr-FR" sz="1200" kern="1200" dirty="0" smtClean="0">
+                <a:solidFill>
+                  <a:schemeClr val="tx1"/>
+                </a:solidFill>
+                <a:effectLst/>
+                <a:latin typeface="Century Gothic" pitchFamily="34" charset="0"/>
+                <a:ea typeface="+mn-ea"/>
+                <a:cs typeface="+mn-cs"/>
+              </a:rPr>
+              <a:t>git_module03_lab02, d’entrée</a:t>
+            </a:r>
+          </a:p>
+          <a:p>
+            <a:endParaRPr lang="fr-FR" dirty="0"/>
+          </a:p>
+        </p:txBody>
+      </p:sp>
+      <p:sp>
+        <p:nvSpPr>
+          <p:cNvPr id="4" name="Slide Number Placeholder 3"/>
+          <p:cNvSpPr>
+            <a:spLocks noGrp="1"/>
+          </p:cNvSpPr>
+          <p:nvPr>
+            <p:ph type="sldNum" sz="quarter" idx="10"/>
+          </p:nvPr>
+        </p:nvSpPr>
+        <p:spPr/>
+        <p:txBody>
+          <a:bodyPr/>
+          <a:lstStyle/>
+          <a:p>
+            <a:fld id="{903BB967-652B-44E3-AC85-B50B589029DD}" type="slidenum">
+              <a:rPr lang="fr-FR" smtClean="0"/>
+              <a:pPr/>
+              <a:t>21</a:t>
+            </a:fld>
+            <a:endParaRPr lang="fr-FR"/>
+          </a:p>
+        </p:txBody>
+      </p:sp>
+    </p:spTree>
+    <p:extLst>
+      <p:ext uri="{BB962C8B-B14F-4D97-AF65-F5344CB8AC3E}">
+        <p14:creationId xmlns:p14="http://schemas.microsoft.com/office/powerpoint/2010/main" val="440662058"/>
       </p:ext>
     </p:extLst>
   </p:cSld>
@@ -1739,12 +2214,176 @@
           <a:lstStyle/>
           <a:p>
             <a:r>
-              <a:rPr lang="fr-FR" dirty="0" smtClean="0"/>
-              <a:t>Retour à la</a:t>
-            </a:r>
-            <a:r>
-              <a:rPr lang="fr-FR" baseline="0" dirty="0" smtClean="0"/>
-              <a:t> démo à la fin du slide</a:t>
+              <a:rPr lang="fr-FR" sz="1200" kern="1200" dirty="0" smtClean="0">
+                <a:solidFill>
+                  <a:schemeClr val="tx1"/>
+                </a:solidFill>
+                <a:effectLst/>
+                <a:latin typeface="Century Gothic" pitchFamily="34" charset="0"/>
+                <a:ea typeface="+mn-ea"/>
+                <a:cs typeface="+mn-cs"/>
+              </a:rPr>
+              <a:t>On a fait quelques </a:t>
+            </a:r>
+            <a:r>
+              <a:rPr lang="fr-FR" sz="1200" kern="1200" dirty="0" err="1" smtClean="0">
+                <a:solidFill>
+                  <a:schemeClr val="tx1"/>
+                </a:solidFill>
+                <a:effectLst/>
+                <a:latin typeface="Century Gothic" pitchFamily="34" charset="0"/>
+                <a:ea typeface="+mn-ea"/>
+                <a:cs typeface="+mn-cs"/>
+              </a:rPr>
+              <a:t>modif</a:t>
+            </a:r>
+            <a:r>
+              <a:rPr lang="fr-FR" sz="1200" kern="1200" baseline="0" dirty="0" err="1" smtClean="0">
+                <a:solidFill>
+                  <a:schemeClr val="tx1"/>
+                </a:solidFill>
+                <a:effectLst/>
+                <a:latin typeface="Century Gothic" pitchFamily="34" charset="0"/>
+                <a:ea typeface="+mn-ea"/>
+                <a:cs typeface="+mn-cs"/>
+              </a:rPr>
+              <a:t>s</a:t>
+            </a:r>
+            <a:r>
+              <a:rPr lang="fr-FR" sz="1200" kern="1200" baseline="0" dirty="0" smtClean="0">
+                <a:solidFill>
+                  <a:schemeClr val="tx1"/>
+                </a:solidFill>
+                <a:effectLst/>
+                <a:latin typeface="Century Gothic" pitchFamily="34" charset="0"/>
+                <a:ea typeface="+mn-ea"/>
+                <a:cs typeface="+mn-cs"/>
+              </a:rPr>
+              <a:t> depuis le module précédent, notamment l’ajout d’une branche spaghetti…</a:t>
+            </a:r>
+            <a:endParaRPr lang="fr-FR" sz="1200" kern="1200" dirty="0" smtClean="0">
+              <a:solidFill>
+                <a:schemeClr val="tx1"/>
+              </a:solidFill>
+              <a:effectLst/>
+              <a:latin typeface="Century Gothic" pitchFamily="34" charset="0"/>
+              <a:ea typeface="+mn-ea"/>
+              <a:cs typeface="+mn-cs"/>
+            </a:endParaRPr>
+          </a:p>
+          <a:p>
+            <a:r>
+              <a:rPr lang="fr-FR" sz="1200" kern="1200" dirty="0" smtClean="0">
+                <a:solidFill>
+                  <a:schemeClr val="tx1"/>
+                </a:solidFill>
+                <a:effectLst/>
+                <a:latin typeface="Century Gothic" pitchFamily="34" charset="0"/>
+                <a:ea typeface="+mn-ea"/>
+                <a:cs typeface="+mn-cs"/>
+              </a:rPr>
+              <a:t>git_module03_lab01</a:t>
+            </a:r>
+          </a:p>
+          <a:p>
+            <a:r>
+              <a:rPr lang="fr-FR" sz="1200" kern="1200" dirty="0" smtClean="0">
+                <a:solidFill>
+                  <a:schemeClr val="tx1"/>
+                </a:solidFill>
+                <a:effectLst/>
+                <a:latin typeface="Century Gothic" pitchFamily="34" charset="0"/>
+                <a:ea typeface="+mn-ea"/>
+                <a:cs typeface="+mn-cs"/>
+              </a:rPr>
+              <a:t>Maintenant</a:t>
+            </a:r>
+            <a:r>
+              <a:rPr lang="fr-FR" sz="1200" kern="1200" baseline="0" dirty="0" smtClean="0">
+                <a:solidFill>
+                  <a:schemeClr val="tx1"/>
+                </a:solidFill>
+                <a:effectLst/>
+                <a:latin typeface="Century Gothic" pitchFamily="34" charset="0"/>
+                <a:ea typeface="+mn-ea"/>
+                <a:cs typeface="+mn-cs"/>
+              </a:rPr>
+              <a:t> on veut rassembler le contenu des 2 branches : 2 solutions </a:t>
+            </a:r>
+          </a:p>
+          <a:p>
+            <a:pPr marL="171450" indent="-171450">
+              <a:buFont typeface="Arial" panose="020B0604020202020204" pitchFamily="34" charset="0"/>
+              <a:buChar char="•"/>
+            </a:pPr>
+            <a:r>
+              <a:rPr lang="fr-FR" sz="1200" kern="1200" baseline="0" dirty="0" err="1" smtClean="0">
+                <a:solidFill>
+                  <a:schemeClr val="tx1"/>
+                </a:solidFill>
+                <a:effectLst/>
+                <a:latin typeface="Century Gothic" pitchFamily="34" charset="0"/>
+                <a:ea typeface="+mn-ea"/>
+                <a:cs typeface="+mn-cs"/>
+              </a:rPr>
+              <a:t>Merge</a:t>
+            </a:r>
+            <a:r>
+              <a:rPr lang="fr-FR" sz="1200" kern="1200" baseline="0" dirty="0" smtClean="0">
+                <a:solidFill>
+                  <a:schemeClr val="tx1"/>
+                </a:solidFill>
+                <a:effectLst/>
+                <a:latin typeface="Century Gothic" pitchFamily="34" charset="0"/>
+                <a:ea typeface="+mn-ea"/>
+                <a:cs typeface="+mn-cs"/>
+              </a:rPr>
+              <a:t> qu’on connait déjà</a:t>
+            </a:r>
+          </a:p>
+          <a:p>
+            <a:pPr marL="171450" indent="-171450">
+              <a:buFont typeface="Arial" panose="020B0604020202020204" pitchFamily="34" charset="0"/>
+              <a:buChar char="•"/>
+            </a:pPr>
+            <a:r>
+              <a:rPr lang="fr-FR" sz="1200" kern="1200" baseline="0" dirty="0" err="1" smtClean="0">
+                <a:solidFill>
+                  <a:schemeClr val="tx1"/>
+                </a:solidFill>
+                <a:effectLst/>
+                <a:latin typeface="Century Gothic" pitchFamily="34" charset="0"/>
+                <a:ea typeface="+mn-ea"/>
+                <a:cs typeface="+mn-cs"/>
+              </a:rPr>
+              <a:t>Rebse</a:t>
+            </a:r>
+            <a:endParaRPr lang="fr-FR" sz="1200" kern="1200" baseline="0" dirty="0" smtClean="0">
+              <a:solidFill>
+                <a:schemeClr val="tx1"/>
+              </a:solidFill>
+              <a:effectLst/>
+              <a:latin typeface="Century Gothic" pitchFamily="34" charset="0"/>
+              <a:ea typeface="+mn-ea"/>
+              <a:cs typeface="+mn-cs"/>
+            </a:endParaRPr>
+          </a:p>
+          <a:p>
+            <a:pPr marL="0" indent="0">
+              <a:buFont typeface="Arial" panose="020B0604020202020204" pitchFamily="34" charset="0"/>
+              <a:buNone/>
+            </a:pPr>
+            <a:r>
+              <a:rPr lang="fr-FR" sz="1200" kern="1200" baseline="0" dirty="0" smtClean="0">
+                <a:solidFill>
+                  <a:schemeClr val="tx1"/>
+                </a:solidFill>
+                <a:effectLst/>
+                <a:latin typeface="Century Gothic" pitchFamily="34" charset="0"/>
+                <a:ea typeface="+mn-ea"/>
+                <a:cs typeface="+mn-cs"/>
+              </a:rPr>
+              <a:t>Slide suivant</a:t>
             </a:r>
             <a:endParaRPr lang="fr-FR" dirty="0"/>
           </a:p>
@@ -1768,7 +2407,7 @@
             <a:fld id="{903BB967-652B-44E3-AC85-B50B589029DD}" type="slidenum">
               <a:rPr lang="fr-FR" smtClean="0"/>
               <a:pPr/>
-              <a:t>4</a:t>
+              <a:t>2</a:t>
             </a:fld>
             <a:endParaRPr lang="fr-FR"/>
           </a:p>
@@ -1777,7 +2416,310 @@
     </p:spTree>
     <p:extLst>
       <p:ext uri="{BB962C8B-B14F-4D97-AF65-F5344CB8AC3E}">
-        <p14:creationId xmlns:p14="http://schemas.microsoft.com/office/powerpoint/2010/main" val="3906420834"/>
+        <p14:creationId xmlns:p14="http://schemas.microsoft.com/office/powerpoint/2010/main" val="1133982766"/>
+      </p:ext>
+    </p:extLst>
+  </p:cSld>
+  <p:clrMapOvr>
+    <a:masterClrMapping/>
+  </p:clrMapOvr>
+</p:notes>
+</file>
+
+<file path=ppt/notesSlides/notesSlide20.xml><?xml version="1.0" encoding="utf-8"?>
+<p:notes xmlns:a="http://schemas.openxmlformats.org/drawingml/2006/main" xmlns:r="http://schemas.openxmlformats.org/officeDocument/2006/relationships" xmlns:p="http://schemas.openxmlformats.org/presentationml/2006/main">
+  <p:cSld>
+    <p:spTree>
+      <p:nvGrpSpPr>
+        <p:cNvPr id="1" name=""/>
+        <p:cNvGrpSpPr/>
+        <p:nvPr/>
+      </p:nvGrpSpPr>
+      <p:grpSpPr>
+        <a:xfrm>
+          <a:off x="0" y="0"/>
+          <a:ext cx="0" cy="0"/>
+          <a:chOff x="0" y="0"/>
+          <a:chExt cx="0" cy="0"/>
+        </a:xfrm>
+      </p:grpSpPr>
+      <p:sp>
+        <p:nvSpPr>
+          <p:cNvPr id="2" name="Slide Image Placeholder 1"/>
+          <p:cNvSpPr>
+            <a:spLocks noGrp="1" noRot="1" noChangeAspect="1"/>
+          </p:cNvSpPr>
+          <p:nvPr>
+            <p:ph type="sldImg"/>
+          </p:nvPr>
+        </p:nvSpPr>
+        <p:spPr/>
+      </p:sp>
+      <p:sp>
+        <p:nvSpPr>
+          <p:cNvPr id="3" name="Notes Placeholder 2"/>
+          <p:cNvSpPr>
+            <a:spLocks noGrp="1"/>
+          </p:cNvSpPr>
+          <p:nvPr>
+            <p:ph type="body" idx="1"/>
+          </p:nvPr>
+        </p:nvSpPr>
+        <p:spPr/>
+        <p:txBody>
+          <a:bodyPr/>
+          <a:lstStyle/>
+          <a:p>
+            <a:r>
+              <a:rPr lang="fr-FR" dirty="0" smtClean="0"/>
+              <a:t>En comparaison, un </a:t>
+            </a:r>
+            <a:r>
+              <a:rPr lang="fr-FR" dirty="0" err="1" smtClean="0"/>
+              <a:t>annotated</a:t>
+            </a:r>
+            <a:r>
+              <a:rPr lang="fr-FR" dirty="0" smtClean="0"/>
+              <a:t>-tag est stocké comme un</a:t>
+            </a:r>
+            <a:r>
+              <a:rPr lang="fr-FR" baseline="0" dirty="0" smtClean="0"/>
+              <a:t> objet à part entière, avec son propre SHA1</a:t>
+            </a:r>
+            <a:endParaRPr lang="fr-FR" dirty="0"/>
+          </a:p>
+        </p:txBody>
+      </p:sp>
+      <p:sp>
+        <p:nvSpPr>
+          <p:cNvPr id="4" name="Slide Number Placeholder 3"/>
+          <p:cNvSpPr>
+            <a:spLocks noGrp="1"/>
+          </p:cNvSpPr>
+          <p:nvPr>
+            <p:ph type="sldNum" sz="quarter" idx="10"/>
+          </p:nvPr>
+        </p:nvSpPr>
+        <p:spPr/>
+        <p:txBody>
+          <a:bodyPr/>
+          <a:lstStyle/>
+          <a:p>
+            <a:fld id="{903BB967-652B-44E3-AC85-B50B589029DD}" type="slidenum">
+              <a:rPr lang="fr-FR" smtClean="0"/>
+              <a:pPr/>
+              <a:t>22</a:t>
+            </a:fld>
+            <a:endParaRPr lang="fr-FR"/>
+          </a:p>
+        </p:txBody>
+      </p:sp>
+    </p:spTree>
+    <p:extLst>
+      <p:ext uri="{BB962C8B-B14F-4D97-AF65-F5344CB8AC3E}">
+        <p14:creationId xmlns:p14="http://schemas.microsoft.com/office/powerpoint/2010/main" val="1222682832"/>
+      </p:ext>
+    </p:extLst>
+  </p:cSld>
+  <p:clrMapOvr>
+    <a:masterClrMapping/>
+  </p:clrMapOvr>
+</p:notes>
+</file>
+
+<file path=ppt/notesSlides/notesSlide21.xml><?xml version="1.0" encoding="utf-8"?>
+<p:notes xmlns:a="http://schemas.openxmlformats.org/drawingml/2006/main" xmlns:r="http://schemas.openxmlformats.org/officeDocument/2006/relationships" xmlns:p="http://schemas.openxmlformats.org/presentationml/2006/main">
+  <p:cSld>
+    <p:spTree>
+      <p:nvGrpSpPr>
+        <p:cNvPr id="1" name=""/>
+        <p:cNvGrpSpPr/>
+        <p:nvPr/>
+      </p:nvGrpSpPr>
+      <p:grpSpPr>
+        <a:xfrm>
+          <a:off x="0" y="0"/>
+          <a:ext cx="0" cy="0"/>
+          <a:chOff x="0" y="0"/>
+          <a:chExt cx="0" cy="0"/>
+        </a:xfrm>
+      </p:grpSpPr>
+      <p:sp>
+        <p:nvSpPr>
+          <p:cNvPr id="2" name="Slide Image Placeholder 1"/>
+          <p:cNvSpPr>
+            <a:spLocks noGrp="1" noRot="1" noChangeAspect="1"/>
+          </p:cNvSpPr>
+          <p:nvPr>
+            <p:ph type="sldImg"/>
+          </p:nvPr>
+        </p:nvSpPr>
+        <p:spPr/>
+      </p:sp>
+      <p:sp>
+        <p:nvSpPr>
+          <p:cNvPr id="3" name="Notes Placeholder 2"/>
+          <p:cNvSpPr>
+            <a:spLocks noGrp="1"/>
+          </p:cNvSpPr>
+          <p:nvPr>
+            <p:ph type="body" idx="1"/>
+          </p:nvPr>
+        </p:nvSpPr>
+        <p:spPr/>
+        <p:txBody>
+          <a:bodyPr/>
+          <a:lstStyle/>
+          <a:p>
+            <a:r>
+              <a:rPr lang="fr-FR" dirty="0" smtClean="0"/>
+              <a:t>Branches, </a:t>
+            </a:r>
+            <a:r>
+              <a:rPr lang="fr-FR" dirty="0" err="1" smtClean="0"/>
+              <a:t>merges</a:t>
+            </a:r>
+            <a:r>
+              <a:rPr lang="fr-FR" dirty="0" smtClean="0"/>
+              <a:t>, </a:t>
+            </a:r>
+            <a:r>
+              <a:rPr lang="fr-FR" dirty="0" err="1" smtClean="0"/>
+              <a:t>rebases</a:t>
+            </a:r>
+            <a:r>
+              <a:rPr lang="fr-FR" dirty="0" smtClean="0"/>
+              <a:t>, tags transforment un gestionnaire de contenu comme Git en</a:t>
+            </a:r>
+            <a:r>
+              <a:rPr lang="fr-FR" baseline="0" dirty="0" smtClean="0"/>
+              <a:t> un SCM</a:t>
+            </a:r>
+            <a:endParaRPr lang="fr-FR" dirty="0"/>
+          </a:p>
+        </p:txBody>
+      </p:sp>
+      <p:sp>
+        <p:nvSpPr>
+          <p:cNvPr id="4" name="Slide Number Placeholder 3"/>
+          <p:cNvSpPr>
+            <a:spLocks noGrp="1"/>
+          </p:cNvSpPr>
+          <p:nvPr>
+            <p:ph type="sldNum" sz="quarter" idx="10"/>
+          </p:nvPr>
+        </p:nvSpPr>
+        <p:spPr/>
+        <p:txBody>
+          <a:bodyPr/>
+          <a:lstStyle/>
+          <a:p>
+            <a:fld id="{903BB967-652B-44E3-AC85-B50B589029DD}" type="slidenum">
+              <a:rPr lang="fr-FR" smtClean="0"/>
+              <a:pPr/>
+              <a:t>23</a:t>
+            </a:fld>
+            <a:endParaRPr lang="fr-FR"/>
+          </a:p>
+        </p:txBody>
+      </p:sp>
+    </p:spTree>
+    <p:extLst>
+      <p:ext uri="{BB962C8B-B14F-4D97-AF65-F5344CB8AC3E}">
+        <p14:creationId xmlns:p14="http://schemas.microsoft.com/office/powerpoint/2010/main" val="1153771893"/>
+      </p:ext>
+    </p:extLst>
+  </p:cSld>
+  <p:clrMapOvr>
+    <a:masterClrMapping/>
+  </p:clrMapOvr>
+</p:notes>
+</file>
+
+<file path=ppt/notesSlides/notesSlide22.xml><?xml version="1.0" encoding="utf-8"?>
+<p:notes xmlns:a="http://schemas.openxmlformats.org/drawingml/2006/main" xmlns:r="http://schemas.openxmlformats.org/officeDocument/2006/relationships" xmlns:p="http://schemas.openxmlformats.org/presentationml/2006/main">
+  <p:cSld>
+    <p:spTree>
+      <p:nvGrpSpPr>
+        <p:cNvPr id="1" name=""/>
+        <p:cNvGrpSpPr/>
+        <p:nvPr/>
+      </p:nvGrpSpPr>
+      <p:grpSpPr>
+        <a:xfrm>
+          <a:off x="0" y="0"/>
+          <a:ext cx="0" cy="0"/>
+          <a:chOff x="0" y="0"/>
+          <a:chExt cx="0" cy="0"/>
+        </a:xfrm>
+      </p:grpSpPr>
+      <p:sp>
+        <p:nvSpPr>
+          <p:cNvPr id="2" name="Slide Image Placeholder 1"/>
+          <p:cNvSpPr>
+            <a:spLocks noGrp="1" noRot="1" noChangeAspect="1"/>
+          </p:cNvSpPr>
+          <p:nvPr>
+            <p:ph type="sldImg"/>
+          </p:nvPr>
+        </p:nvSpPr>
+        <p:spPr/>
+      </p:sp>
+      <p:sp>
+        <p:nvSpPr>
+          <p:cNvPr id="3" name="Notes Placeholder 2"/>
+          <p:cNvSpPr>
+            <a:spLocks noGrp="1"/>
+          </p:cNvSpPr>
+          <p:nvPr>
+            <p:ph type="body" idx="1"/>
+          </p:nvPr>
+        </p:nvSpPr>
+        <p:spPr/>
+        <p:txBody>
+          <a:bodyPr/>
+          <a:lstStyle/>
+          <a:p>
+            <a:r>
+              <a:rPr lang="fr-FR" dirty="0" smtClean="0"/>
+              <a:t>Il nous reste à voir la dernière couche de notre oignon : le </a:t>
+            </a:r>
+            <a:r>
+              <a:rPr lang="fr-FR" smtClean="0"/>
+              <a:t>mode distribué</a:t>
+            </a:r>
+            <a:endParaRPr lang="fr-FR" dirty="0"/>
+          </a:p>
+        </p:txBody>
+      </p:sp>
+      <p:sp>
+        <p:nvSpPr>
+          <p:cNvPr id="4" name="Slide Number Placeholder 3"/>
+          <p:cNvSpPr>
+            <a:spLocks noGrp="1"/>
+          </p:cNvSpPr>
+          <p:nvPr>
+            <p:ph type="sldNum" sz="quarter" idx="10"/>
+          </p:nvPr>
+        </p:nvSpPr>
+        <p:spPr/>
+        <p:txBody>
+          <a:bodyPr/>
+          <a:lstStyle/>
+          <a:p>
+            <a:fld id="{903BB967-652B-44E3-AC85-B50B589029DD}" type="slidenum">
+              <a:rPr lang="fr-FR" smtClean="0"/>
+              <a:pPr/>
+              <a:t>24</a:t>
+            </a:fld>
+            <a:endParaRPr lang="fr-FR"/>
+          </a:p>
+        </p:txBody>
+      </p:sp>
+    </p:spTree>
+    <p:extLst>
+      <p:ext uri="{BB962C8B-B14F-4D97-AF65-F5344CB8AC3E}">
+        <p14:creationId xmlns:p14="http://schemas.microsoft.com/office/powerpoint/2010/main" val="1483417023"/>
       </p:ext>
     </p:extLst>
   </p:cSld>
@@ -1833,12 +2775,38 @@
           <a:p>
             <a:r>
               <a:rPr lang="fr-FR" dirty="0" smtClean="0"/>
-              <a:t>Expliquer</a:t>
+              <a:t>On est sur spaghetti</a:t>
             </a:r>
             <a:r>
               <a:rPr lang="fr-FR" baseline="0" dirty="0" smtClean="0"/>
-              <a:t> qu’on ne peut pas « détacher » un commit parce que c’est un objet dans la base, immuable et que son SHA1 serait modifié</a:t>
-            </a:r>
+              <a:t>. On </a:t>
+            </a:r>
+            <a:r>
+              <a:rPr lang="fr-FR" b="1" i="1" u="sng" baseline="0" dirty="0" smtClean="0"/>
+              <a:t>pourrait</a:t>
+            </a:r>
+            <a:r>
+              <a:rPr lang="fr-FR" baseline="0" dirty="0" smtClean="0"/>
+              <a:t> taper git </a:t>
+            </a:r>
+            <a:r>
+              <a:rPr lang="fr-FR" baseline="0" dirty="0" err="1" smtClean="0"/>
+              <a:t>branch</a:t>
+            </a:r>
+            <a:r>
+              <a:rPr lang="fr-FR" baseline="0" dirty="0" smtClean="0"/>
+              <a:t> master pour </a:t>
+            </a:r>
+            <a:r>
+              <a:rPr lang="fr-FR" baseline="0" dirty="0" err="1" smtClean="0"/>
+              <a:t>merger</a:t>
+            </a:r>
+            <a:r>
+              <a:rPr lang="fr-FR" baseline="0" dirty="0" smtClean="0"/>
+              <a:t>.</a:t>
+            </a:r>
+          </a:p>
+          <a:p>
             <a:endParaRPr lang="fr-FR" dirty="0"/>
           </a:p>
         </p:txBody>
@@ -1861,7 +2829,7 @@
             <a:fld id="{903BB967-652B-44E3-AC85-B50B589029DD}" type="slidenum">
               <a:rPr lang="fr-FR" smtClean="0"/>
               <a:pPr/>
-              <a:t>8</a:t>
+              <a:t>3</a:t>
             </a:fld>
             <a:endParaRPr lang="fr-FR"/>
           </a:p>
@@ -1870,7 +2838,7 @@
     </p:spTree>
     <p:extLst>
       <p:ext uri="{BB962C8B-B14F-4D97-AF65-F5344CB8AC3E}">
-        <p14:creationId xmlns:p14="http://schemas.microsoft.com/office/powerpoint/2010/main" val="2511176037"/>
+        <p14:creationId xmlns:p14="http://schemas.microsoft.com/office/powerpoint/2010/main" val="896840749"/>
       </p:ext>
     </p:extLst>
   </p:cSld>
@@ -1926,17 +2894,19 @@
           <a:p>
             <a:r>
               <a:rPr lang="fr-FR" dirty="0" smtClean="0"/>
-              <a:t>Si on change</a:t>
+              <a:t>On va laisser tomber le</a:t>
             </a:r>
             <a:r>
               <a:rPr lang="fr-FR" baseline="0" dirty="0" smtClean="0"/>
-              <a:t> parent du premier commit, il faut changer son SHA1. Si on change son SHA1, le contenu et le SHA1 du second commit doivent changer également,</a:t>
-            </a:r>
-          </a:p>
-          <a:p>
+              <a:t> </a:t>
+            </a:r>
+            <a:r>
+              <a:rPr lang="fr-FR" baseline="0" dirty="0" err="1" smtClean="0"/>
+              <a:t>merge</a:t>
+            </a:r>
             <a:r>
               <a:rPr lang="fr-FR" baseline="0" dirty="0" smtClean="0"/>
-              <a:t>Conclusion : lors d’un </a:t>
+              <a:t> et tenter un </a:t>
             </a:r>
             <a:r>
               <a:rPr lang="fr-FR" baseline="0" dirty="0" err="1" smtClean="0"/>
@@ -1944,23 +2914,113 @@
             </a:r>
             <a:r>
               <a:rPr lang="fr-FR" baseline="0" dirty="0" smtClean="0"/>
-              <a:t>, les </a:t>
+              <a:t>…</a:t>
+            </a:r>
+          </a:p>
+          <a:p>
+            <a:r>
+              <a:rPr lang="fr-FR" baseline="0" dirty="0" smtClean="0"/>
+              <a:t>Retour au </a:t>
+            </a:r>
+            <a:r>
+              <a:rPr lang="fr-FR" baseline="0" dirty="0" err="1" smtClean="0"/>
+              <a:t>lab</a:t>
+            </a:r>
+            <a:r>
+              <a:rPr lang="fr-FR" baseline="0" dirty="0" smtClean="0"/>
+              <a:t>, </a:t>
+            </a:r>
+            <a:r>
+              <a:rPr lang="fr-FR" baseline="0" dirty="0" err="1" smtClean="0"/>
+              <a:t>bullet</a:t>
+            </a:r>
+            <a:r>
+              <a:rPr lang="fr-FR" baseline="0" dirty="0" smtClean="0"/>
+              <a:t> 8</a:t>
+            </a:r>
+            <a:endParaRPr lang="fr-FR" dirty="0" smtClean="0"/>
+          </a:p>
+          <a:p>
+            <a:pPr marL="0" indent="0">
+              <a:buFont typeface="Arial" panose="020B0604020202020204" pitchFamily="34" charset="0"/>
+              <a:buNone/>
+            </a:pPr>
+            <a:r>
+              <a:rPr lang="fr-FR" dirty="0" smtClean="0"/>
+              <a:t>Puis explication du</a:t>
+            </a:r>
+            <a:r>
+              <a:rPr lang="fr-FR" baseline="0" dirty="0" smtClean="0"/>
+              <a:t> fonctionnement :</a:t>
+            </a:r>
+          </a:p>
+          <a:p>
+            <a:pPr marL="171450" indent="-171450">
+              <a:buFont typeface="Arial" panose="020B0604020202020204" pitchFamily="34" charset="0"/>
+              <a:buChar char="•"/>
+            </a:pPr>
+            <a:r>
+              <a:rPr lang="fr-FR" baseline="0" dirty="0" smtClean="0"/>
+              <a:t>On détache les 2 </a:t>
             </a:r>
             <a:r>
               <a:rPr lang="fr-FR" baseline="0" dirty="0" err="1" smtClean="0"/>
               <a:t>commits</a:t>
             </a:r>
+            <a:endParaRPr lang="fr-FR" baseline="0" dirty="0" smtClean="0"/>
+          </a:p>
+          <a:p>
+            <a:pPr marL="171450" indent="-171450">
+              <a:buFont typeface="Arial" panose="020B0604020202020204" pitchFamily="34" charset="0"/>
+              <a:buChar char="•"/>
+            </a:pPr>
             <a:r>
               <a:rPr lang="fr-FR" baseline="0" dirty="0" smtClean="0"/>
-              <a:t> « </a:t>
+              <a:t>On les attache à la branche master (on change leur base, d’où </a:t>
             </a:r>
             <a:r>
               <a:rPr lang="fr-FR" baseline="0" dirty="0" err="1" smtClean="0"/>
-              <a:t>rebasés</a:t>
+              <a:t>rebase</a:t>
             </a:r>
             <a:r>
               <a:rPr lang="fr-FR" baseline="0" dirty="0" smtClean="0"/>
-              <a:t> » ont un nouveau parent, un nouveau SHA1, et donc ce sont des nouveaux objets</a:t>
+              <a:t>)</a:t>
+            </a:r>
+          </a:p>
+          <a:p>
+            <a:pPr marL="171450" indent="-171450">
+              <a:buFont typeface="Arial" panose="020B0604020202020204" pitchFamily="34" charset="0"/>
+              <a:buChar char="•"/>
+            </a:pPr>
+            <a:r>
+              <a:rPr lang="fr-FR" baseline="0" dirty="0" smtClean="0"/>
+              <a:t>On fait pointer la branche courante sur le dernier commit</a:t>
+            </a:r>
+          </a:p>
+          <a:p>
+            <a:pPr marL="0" indent="0">
+              <a:buFont typeface="Arial" panose="020B0604020202020204" pitchFamily="34" charset="0"/>
+              <a:buNone/>
+            </a:pPr>
+            <a:r>
+              <a:rPr lang="fr-FR" baseline="0" dirty="0" smtClean="0"/>
+              <a:t>Retour au </a:t>
+            </a:r>
+            <a:r>
+              <a:rPr lang="fr-FR" baseline="0" dirty="0" err="1" smtClean="0"/>
+              <a:t>lab</a:t>
+            </a:r>
+            <a:r>
+              <a:rPr lang="fr-FR" baseline="0" dirty="0" smtClean="0"/>
+              <a:t>, </a:t>
+            </a:r>
+            <a:r>
+              <a:rPr lang="fr-FR" baseline="0" dirty="0" err="1" smtClean="0"/>
+              <a:t>bullet</a:t>
+            </a:r>
+            <a:r>
+              <a:rPr lang="fr-FR" baseline="0" dirty="0" smtClean="0"/>
+              <a:t> 10</a:t>
             </a:r>
             <a:endParaRPr lang="fr-FR" dirty="0"/>
           </a:p>
@@ -1984,7 +3044,7 @@
             <a:fld id="{903BB967-652B-44E3-AC85-B50B589029DD}" type="slidenum">
               <a:rPr lang="fr-FR" smtClean="0"/>
               <a:pPr/>
-              <a:t>9</a:t>
+              <a:t>4</a:t>
             </a:fld>
             <a:endParaRPr lang="fr-FR"/>
           </a:p>
@@ -1993,7 +3053,7 @@
     </p:spTree>
     <p:extLst>
       <p:ext uri="{BB962C8B-B14F-4D97-AF65-F5344CB8AC3E}">
-        <p14:creationId xmlns:p14="http://schemas.microsoft.com/office/powerpoint/2010/main" val="542697183"/>
+        <p14:creationId xmlns:p14="http://schemas.microsoft.com/office/powerpoint/2010/main" val="3906420834"/>
       </p:ext>
     </p:extLst>
   </p:cSld>
@@ -2049,57 +3109,27 @@
           <a:p>
             <a:r>
               <a:rPr lang="fr-FR" dirty="0" smtClean="0"/>
-              <a:t>De</a:t>
+              <a:t>Explication</a:t>
             </a:r>
             <a:r>
               <a:rPr lang="fr-FR" baseline="0" dirty="0" smtClean="0"/>
-              <a:t> nouveaux </a:t>
+              <a:t> de ce qu’on a fait au </a:t>
             </a:r>
             <a:r>
               <a:rPr lang="fr-FR" baseline="0" dirty="0" err="1" smtClean="0"/>
-              <a:t>commits</a:t>
+              <a:t>lab</a:t>
             </a:r>
             <a:r>
               <a:rPr lang="fr-FR" baseline="0" dirty="0" smtClean="0"/>
-              <a:t> sont créés, copiés à partir des commit à </a:t>
+              <a:t> : </a:t>
             </a:r>
             <a:r>
               <a:rPr lang="fr-FR" baseline="0" dirty="0" err="1" smtClean="0"/>
-              <a:t>rebase</a:t>
+              <a:t>checkout</a:t>
             </a:r>
             <a:r>
               <a:rPr lang="fr-FR" baseline="0" dirty="0" smtClean="0"/>
-              <a:t>, en modifiant le parent, avec un nouveau SHA1.</a:t>
-            </a:r>
-          </a:p>
-          <a:p>
-            <a:r>
-              <a:rPr lang="fr-FR" baseline="0" dirty="0" smtClean="0"/>
-              <a:t>Pour terminer git déplace la branche (</a:t>
-            </a:r>
-            <a:r>
-              <a:rPr lang="fr-FR" baseline="0" dirty="0" err="1" smtClean="0"/>
-              <a:t>ref</a:t>
-            </a:r>
-            <a:r>
-              <a:rPr lang="fr-FR" baseline="0" dirty="0" smtClean="0"/>
-              <a:t>) et laisse les anciens </a:t>
-            </a:r>
-            <a:r>
-              <a:rPr lang="fr-FR" baseline="0" dirty="0" err="1" smtClean="0"/>
-              <a:t>commits</a:t>
-            </a:r>
-            <a:r>
-              <a:rPr lang="fr-FR" baseline="0" dirty="0" smtClean="0"/>
-              <a:t> (</a:t>
-            </a:r>
-            <a:r>
-              <a:rPr lang="fr-FR" baseline="0" dirty="0" err="1" smtClean="0"/>
-              <a:t>unreachable</a:t>
-            </a:r>
-            <a:r>
-              <a:rPr lang="fr-FR" baseline="0" dirty="0" smtClean="0"/>
-              <a:t>)</a:t>
+              <a:t> master</a:t>
             </a:r>
             <a:endParaRPr lang="fr-FR" dirty="0"/>
           </a:p>
@@ -2123,7 +3153,7 @@
             <a:fld id="{903BB967-652B-44E3-AC85-B50B589029DD}" type="slidenum">
               <a:rPr lang="fr-FR" smtClean="0"/>
               <a:pPr/>
-              <a:t>10</a:t>
+              <a:t>5</a:t>
             </a:fld>
             <a:endParaRPr lang="fr-FR"/>
           </a:p>
@@ -2132,7 +3162,7 @@
     </p:spTree>
     <p:extLst>
       <p:ext uri="{BB962C8B-B14F-4D97-AF65-F5344CB8AC3E}">
-        <p14:creationId xmlns:p14="http://schemas.microsoft.com/office/powerpoint/2010/main" val="707808947"/>
+        <p14:creationId xmlns:p14="http://schemas.microsoft.com/office/powerpoint/2010/main" val="2700194298"/>
       </p:ext>
     </p:extLst>
   </p:cSld>
@@ -2188,15 +3218,41 @@
           <a:p>
             <a:r>
               <a:rPr lang="fr-FR" dirty="0" smtClean="0"/>
-              <a:t>Que se passe t-il pour ces deux </a:t>
-            </a:r>
-            <a:r>
-              <a:rPr lang="fr-FR" dirty="0" err="1" smtClean="0"/>
-              <a:t>commits</a:t>
+              <a:t>On a</a:t>
             </a:r>
             <a:r>
               <a:rPr lang="fr-FR" baseline="0" dirty="0" smtClean="0"/>
-              <a:t> ? Ils ne sont référencés nulle part et seront supprimé par le GC</a:t>
+              <a:t> ensuite </a:t>
+            </a:r>
+            <a:r>
+              <a:rPr lang="fr-FR" baseline="0" dirty="0" err="1" smtClean="0"/>
+              <a:t>rebase</a:t>
+            </a:r>
+            <a:r>
+              <a:rPr lang="fr-FR" baseline="0" dirty="0" smtClean="0"/>
+              <a:t> spaghetti sur master.</a:t>
+            </a:r>
+          </a:p>
+          <a:p>
+            <a:r>
+              <a:rPr lang="fr-FR" baseline="0" dirty="0" smtClean="0"/>
+              <a:t>On retourne au </a:t>
+            </a:r>
+            <a:r>
+              <a:rPr lang="fr-FR" baseline="0" dirty="0" err="1" smtClean="0"/>
+              <a:t>lab</a:t>
+            </a:r>
+            <a:r>
+              <a:rPr lang="fr-FR" baseline="0" dirty="0" smtClean="0"/>
+              <a:t>, </a:t>
+            </a:r>
+            <a:r>
+              <a:rPr lang="fr-FR" baseline="0" dirty="0" err="1" smtClean="0"/>
+              <a:t>bullet</a:t>
+            </a:r>
+            <a:r>
+              <a:rPr lang="fr-FR" baseline="0" dirty="0" smtClean="0"/>
+              <a:t> 1</a:t>
             </a:r>
             <a:endParaRPr lang="fr-FR" dirty="0"/>
           </a:p>
@@ -2220,7 +3276,7 @@
             <a:fld id="{903BB967-652B-44E3-AC85-B50B589029DD}" type="slidenum">
               <a:rPr lang="fr-FR" smtClean="0"/>
               <a:pPr/>
-              <a:t>11</a:t>
+              <a:t>6</a:t>
             </a:fld>
             <a:endParaRPr lang="fr-FR"/>
           </a:p>
@@ -2229,7 +3285,7 @@
     </p:spTree>
     <p:extLst>
       <p:ext uri="{BB962C8B-B14F-4D97-AF65-F5344CB8AC3E}">
-        <p14:creationId xmlns:p14="http://schemas.microsoft.com/office/powerpoint/2010/main" val="4177700248"/>
+        <p14:creationId xmlns:p14="http://schemas.microsoft.com/office/powerpoint/2010/main" val="3083763798"/>
       </p:ext>
     </p:extLst>
   </p:cSld>
@@ -2283,48 +3339,30 @@
           <a:bodyPr/>
           <a:lstStyle/>
           <a:p>
-            <a:pPr marL="0" marR="0" lvl="0" indent="0" algn="l" defTabSz="914400" rtl="0" eaLnBrk="1" fontAlgn="auto" latinLnBrk="0" hangingPunct="1">
-              <a:lnSpc>
-                <a:spcPct val="100000"/>
-              </a:lnSpc>
-              <a:spcBef>
-                <a:spcPts val="0"/>
-              </a:spcBef>
-              <a:spcAft>
-                <a:spcPts val="0"/>
-              </a:spcAft>
-              <a:buClrTx/>
-              <a:buSzTx/>
-              <a:buFontTx/>
-              <a:buNone/>
-              <a:tabLst/>
-              <a:defRPr/>
-            </a:pPr>
             <a:r>
               <a:rPr lang="fr-FR" dirty="0" smtClean="0"/>
-              <a:t>Pourquoi</a:t>
+              <a:t>Ça a l’air simple,</a:t>
+            </a:r>
+            <a:r>
+              <a:rPr lang="fr-FR" baseline="0" dirty="0" smtClean="0"/>
+              <a:t> mais on va aller dans le détail : </a:t>
+            </a:r>
+            <a:endParaRPr lang="fr-FR" dirty="0" smtClean="0"/>
+          </a:p>
+          <a:p>
+            <a:r>
+              <a:rPr lang="fr-FR" dirty="0" smtClean="0"/>
+              <a:t>Expliquer</a:t>
             </a:r>
             <a:r>
               <a:rPr lang="fr-FR" baseline="0" dirty="0" smtClean="0"/>
               <a:t> </a:t>
             </a:r>
             <a:r>
-              <a:rPr lang="fr-FR" baseline="0" dirty="0" err="1" smtClean="0"/>
-              <a:t>rebase</a:t>
-            </a:r>
-            <a:r>
               <a:rPr lang="fr-FR" baseline="0" dirty="0" smtClean="0"/>
-              <a:t> existe si on a déjà le </a:t>
-            </a:r>
-            <a:r>
-              <a:rPr lang="fr-FR" baseline="0" dirty="0" err="1" smtClean="0"/>
-              <a:t>merge</a:t>
-            </a:r>
-            <a:r>
-              <a:rPr lang="fr-FR" baseline="0" dirty="0" smtClean="0"/>
-              <a:t> ?</a:t>
-            </a:r>
-            <a:endParaRPr lang="fr-FR" dirty="0" smtClean="0"/>
+              <a:t>qu’on ne peut pas « détacher » un commit parce que c’est un objet dans la base, immuable et que son SHA1 serait modifié</a:t>
+            </a:r>
+            <a:endParaRPr lang="fr-FR" dirty="0"/>
           </a:p>
         </p:txBody>
       </p:sp>
@@ -2346,7 +3384,7 @@
             <a:fld id="{903BB967-652B-44E3-AC85-B50B589029DD}" type="slidenum">
               <a:rPr lang="fr-FR" smtClean="0"/>
               <a:pPr/>
-              <a:t>13</a:t>
+              <a:t>8</a:t>
             </a:fld>
             <a:endParaRPr lang="fr-FR"/>
           </a:p>
@@ -2355,7 +3393,7 @@
     </p:spTree>
     <p:extLst>
       <p:ext uri="{BB962C8B-B14F-4D97-AF65-F5344CB8AC3E}">
-        <p14:creationId xmlns:p14="http://schemas.microsoft.com/office/powerpoint/2010/main" val="1094608924"/>
+        <p14:creationId xmlns:p14="http://schemas.microsoft.com/office/powerpoint/2010/main" val="2511176037"/>
       </p:ext>
     </p:extLst>
   </p:cSld>
@@ -2411,25 +3449,30 @@
           <a:p>
             <a:r>
               <a:rPr lang="fr-FR" dirty="0" smtClean="0"/>
-              <a:t>Conserve</a:t>
+              <a:t>Si on change</a:t>
             </a:r>
             <a:r>
               <a:rPr lang="fr-FR" baseline="0" dirty="0" smtClean="0"/>
-              <a:t> l’historique. En cas de conflit, le commit final inclut ces changements,</a:t>
-            </a:r>
-          </a:p>
-          <a:p>
+              <a:t> parent du premier commit, il faut changer son SHA1. Si on change son SHA1, le contenu et le SHA1 du second commit doivent changer </a:t>
+            </a:r>
             <a:r>
               <a:rPr lang="fr-FR" baseline="0" dirty="0" smtClean="0"/>
-              <a:t>Démo : montrer un projet complexe dans </a:t>
+              <a:t>également.</a:t>
+            </a:r>
+            <a:endParaRPr lang="fr-FR" baseline="0" dirty="0" smtClean="0"/>
+          </a:p>
+          <a:p>
+            <a:r>
+              <a:rPr lang="fr-FR" baseline="0" dirty="0" smtClean="0"/>
+              <a:t>Conclusion : lors d’un </a:t>
             </a:r>
             <a:r>
               <a:rPr lang="fr-FR" baseline="0" dirty="0" err="1" smtClean="0"/>
-              <a:t>SourceTree</a:t>
+              <a:t>rebase</a:t>
             </a:r>
             <a:r>
               <a:rPr lang="fr-FR" baseline="0" dirty="0" smtClean="0"/>
-              <a:t> pour voir l’historique et les différents </a:t>
+              <a:t>, les </a:t>
             </a:r>
             <a:r>
               <a:rPr lang="fr-FR" baseline="0" dirty="0" err="1" smtClean="0"/>
@@ -2437,8 +3480,17 @@
             </a:r>
             <a:r>
               <a:rPr lang="fr-FR" baseline="0" dirty="0" smtClean="0"/>
-              <a:t> dans les branches. Montrer un git log en ligne de commande pour montrer l’impression que l’historique apparait comme linéaire.</a:t>
-            </a:r>
+              <a:t> « </a:t>
+            </a:r>
+            <a:r>
+              <a:rPr lang="fr-FR" baseline="0" dirty="0" err="1" smtClean="0"/>
+              <a:t>rebasés</a:t>
+            </a:r>
+            <a:r>
+              <a:rPr lang="fr-FR" baseline="0" dirty="0" smtClean="0"/>
+              <a:t> » ont un nouveau parent, un nouveau SHA1, et donc ce sont des nouveaux objets</a:t>
+            </a:r>
+            <a:endParaRPr lang="fr-FR" dirty="0"/>
           </a:p>
         </p:txBody>
       </p:sp>
@@ -2460,7 +3512,7 @@
             <a:fld id="{903BB967-652B-44E3-AC85-B50B589029DD}" type="slidenum">
               <a:rPr lang="fr-FR" smtClean="0"/>
               <a:pPr/>
-              <a:t>14</a:t>
+              <a:t>9</a:t>
             </a:fld>
             <a:endParaRPr lang="fr-FR"/>
           </a:p>
@@ -2469,7 +3521,7 @@
     </p:spTree>
     <p:extLst>
       <p:ext uri="{BB962C8B-B14F-4D97-AF65-F5344CB8AC3E}">
-        <p14:creationId xmlns:p14="http://schemas.microsoft.com/office/powerpoint/2010/main" val="1898537182"/>
+        <p14:creationId xmlns:p14="http://schemas.microsoft.com/office/powerpoint/2010/main" val="542697183"/>
       </p:ext>
     </p:extLst>
   </p:cSld>
@@ -2524,20 +3576,58 @@
           <a:lstStyle/>
           <a:p>
             <a:r>
-              <a:rPr lang="fr-FR" dirty="0" err="1" smtClean="0"/>
-              <a:t>Merges</a:t>
+              <a:rPr lang="fr-FR" dirty="0" smtClean="0"/>
+              <a:t>De</a:t>
             </a:r>
             <a:r>
               <a:rPr lang="fr-FR" baseline="0" dirty="0" smtClean="0"/>
-              <a:t> </a:t>
+              <a:t> nouveaux </a:t>
             </a:r>
             <a:r>
               <a:rPr lang="fr-FR" baseline="0" dirty="0" err="1" smtClean="0"/>
-              <a:t>never</a:t>
+              <a:t>commits</a:t>
             </a:r>
             <a:r>
               <a:rPr lang="fr-FR" baseline="0" dirty="0" smtClean="0"/>
-              <a:t> lie</a:t>
+              <a:t> sont créés, copiés à partir des commit à </a:t>
+            </a:r>
+            <a:r>
+              <a:rPr lang="fr-FR" baseline="0" dirty="0" err="1" smtClean="0"/>
+              <a:t>rebase</a:t>
+            </a:r>
+            <a:r>
+              <a:rPr lang="fr-FR" baseline="0" dirty="0" smtClean="0"/>
+              <a:t>, en modifiant le parent, avec un nouveau SHA1.</a:t>
+            </a:r>
+          </a:p>
+          <a:p>
+            <a:r>
+              <a:rPr lang="fr-FR" baseline="0" dirty="0" smtClean="0"/>
+              <a:t>Pour terminer git déplace la branche (</a:t>
+            </a:r>
+            <a:r>
+              <a:rPr lang="fr-FR" baseline="0" dirty="0" err="1" smtClean="0"/>
+              <a:t>ref</a:t>
+            </a:r>
+            <a:r>
+              <a:rPr lang="fr-FR" baseline="0" dirty="0" smtClean="0"/>
+              <a:t>) et laisse les anciens </a:t>
+            </a:r>
+            <a:r>
+              <a:rPr lang="fr-FR" baseline="0" dirty="0" err="1" smtClean="0"/>
+              <a:t>commits</a:t>
+            </a:r>
+            <a:r>
+              <a:rPr lang="fr-FR" baseline="0" dirty="0" smtClean="0"/>
+              <a:t> (</a:t>
+            </a:r>
+            <a:r>
+              <a:rPr lang="fr-FR" baseline="0" dirty="0" err="1" smtClean="0"/>
+              <a:t>unreachable</a:t>
+            </a:r>
+            <a:r>
+              <a:rPr lang="fr-FR" baseline="0" dirty="0" smtClean="0"/>
+              <a:t>)</a:t>
             </a:r>
             <a:endParaRPr lang="fr-FR" dirty="0"/>
           </a:p>
@@ -2561,7 +3651,7 @@
             <a:fld id="{903BB967-652B-44E3-AC85-B50B589029DD}" type="slidenum">
               <a:rPr lang="fr-FR" smtClean="0"/>
               <a:pPr/>
-              <a:t>15</a:t>
+              <a:t>10</a:t>
             </a:fld>
             <a:endParaRPr lang="fr-FR"/>
           </a:p>
@@ -2570,7 +3660,7 @@
     </p:spTree>
     <p:extLst>
       <p:ext uri="{BB962C8B-B14F-4D97-AF65-F5344CB8AC3E}">
-        <p14:creationId xmlns:p14="http://schemas.microsoft.com/office/powerpoint/2010/main" val="3840757462"/>
+        <p14:creationId xmlns:p14="http://schemas.microsoft.com/office/powerpoint/2010/main" val="707808947"/>
       </p:ext>
     </p:extLst>
   </p:cSld>
@@ -8686,7 +9776,7 @@
           <a:graphicData uri="http://schemas.openxmlformats.org/presentationml/2006/ole">
             <mc:AlternateContent xmlns:mc="http://schemas.openxmlformats.org/markup-compatibility/2006">
               <mc:Choice xmlns:v="urn:schemas-microsoft-com:vml" Requires="v">
-                <p:oleObj spid="_x0000_s6557" name="Diapositive think-cell" r:id="rId6" imgW="270" imgH="270" progId="TCLayout.ActiveDocument.1">
+                <p:oleObj spid="_x0000_s6564" name="Diapositive think-cell" r:id="rId6" imgW="270" imgH="270" progId="TCLayout.ActiveDocument.1">
                   <p:embed/>
                 </p:oleObj>
               </mc:Choice>
@@ -9435,7 +10525,7 @@
           <a:graphicData uri="http://schemas.openxmlformats.org/presentationml/2006/ole">
             <mc:AlternateContent xmlns:mc="http://schemas.openxmlformats.org/markup-compatibility/2006">
               <mc:Choice xmlns:v="urn:schemas-microsoft-com:vml" Requires="v">
-                <p:oleObj spid="_x0000_s6072" name="Diapositive think-cell" r:id="rId6" imgW="270" imgH="270" progId="TCLayout.ActiveDocument.1">
+                <p:oleObj spid="_x0000_s6079" name="Diapositive think-cell" r:id="rId6" imgW="270" imgH="270" progId="TCLayout.ActiveDocument.1">
                   <p:embed/>
                 </p:oleObj>
               </mc:Choice>
@@ -10802,7 +11892,7 @@
           <p:cNvPr id="2" name="Title 1">
             <a:extLst>
               <a:ext uri="{FF2B5EF4-FFF2-40B4-BE49-F238E27FC236}">
-                <a16:creationId xmlns:a16="http://schemas.microsoft.com/office/drawing/2014/main" xmlns="" id="{78456FD7-BB91-4376-9F54-57A4192F7D9C}"/>
+                <a16:creationId xmlns="" xmlns:a16="http://schemas.microsoft.com/office/drawing/2014/main" id="{78456FD7-BB91-4376-9F54-57A4192F7D9C}"/>
               </a:ext>
             </a:extLst>
           </p:cNvPr>
@@ -10835,7 +11925,7 @@
           <p:cNvPr id="3" name="Text Placeholder 2">
             <a:extLst>
               <a:ext uri="{FF2B5EF4-FFF2-40B4-BE49-F238E27FC236}">
-                <a16:creationId xmlns:a16="http://schemas.microsoft.com/office/drawing/2014/main" xmlns="" id="{352C0768-302F-4A6A-A9FF-BED7B68BC517}"/>
+                <a16:creationId xmlns="" xmlns:a16="http://schemas.microsoft.com/office/drawing/2014/main" id="{352C0768-302F-4A6A-A9FF-BED7B68BC517}"/>
               </a:ext>
             </a:extLst>
           </p:cNvPr>
@@ -10982,7 +12072,7 @@
           <p:cNvPr id="53" name="Oval 52">
             <a:extLst>
               <a:ext uri="{FF2B5EF4-FFF2-40B4-BE49-F238E27FC236}">
-                <a16:creationId xmlns:a16="http://schemas.microsoft.com/office/drawing/2014/main" xmlns="" id="{A8539DB9-3193-446D-AAD0-3F53798A7C20}"/>
+                <a16:creationId xmlns="" xmlns:a16="http://schemas.microsoft.com/office/drawing/2014/main" id="{A8539DB9-3193-446D-AAD0-3F53798A7C20}"/>
               </a:ext>
             </a:extLst>
           </p:cNvPr>
@@ -11038,7 +12128,7 @@
           <p:cNvPr id="54" name="Straight Arrow Connector 53">
             <a:extLst>
               <a:ext uri="{FF2B5EF4-FFF2-40B4-BE49-F238E27FC236}">
-                <a16:creationId xmlns:a16="http://schemas.microsoft.com/office/drawing/2014/main" xmlns="" id="{AEF8D433-30C4-4661-9F69-97B852EC189C}"/>
+                <a16:creationId xmlns="" xmlns:a16="http://schemas.microsoft.com/office/drawing/2014/main" id="{AEF8D433-30C4-4661-9F69-97B852EC189C}"/>
               </a:ext>
             </a:extLst>
           </p:cNvPr>
@@ -11083,7 +12173,7 @@
           <p:cNvPr id="55" name="TextBox 54">
             <a:extLst>
               <a:ext uri="{FF2B5EF4-FFF2-40B4-BE49-F238E27FC236}">
-                <a16:creationId xmlns:a16="http://schemas.microsoft.com/office/drawing/2014/main" xmlns="" id="{40A89D73-78E9-43D5-9346-924EA4FB08C8}"/>
+                <a16:creationId xmlns="" xmlns:a16="http://schemas.microsoft.com/office/drawing/2014/main" id="{40A89D73-78E9-43D5-9346-924EA4FB08C8}"/>
               </a:ext>
             </a:extLst>
           </p:cNvPr>
@@ -11125,7 +12215,7 @@
           <p:cNvPr id="56" name="Oval 55">
             <a:extLst>
               <a:ext uri="{FF2B5EF4-FFF2-40B4-BE49-F238E27FC236}">
-                <a16:creationId xmlns:a16="http://schemas.microsoft.com/office/drawing/2014/main" xmlns="" id="{78555CA8-3ABD-481D-8773-85321E6D94BC}"/>
+                <a16:creationId xmlns="" xmlns:a16="http://schemas.microsoft.com/office/drawing/2014/main" id="{78555CA8-3ABD-481D-8773-85321E6D94BC}"/>
               </a:ext>
             </a:extLst>
           </p:cNvPr>
@@ -11181,7 +12271,7 @@
           <p:cNvPr id="57" name="Straight Arrow Connector 56">
             <a:extLst>
               <a:ext uri="{FF2B5EF4-FFF2-40B4-BE49-F238E27FC236}">
-                <a16:creationId xmlns:a16="http://schemas.microsoft.com/office/drawing/2014/main" xmlns="" id="{A47DAD0E-84A7-48D4-BBEA-C8FA08AF368E}"/>
+                <a16:creationId xmlns="" xmlns:a16="http://schemas.microsoft.com/office/drawing/2014/main" id="{A47DAD0E-84A7-48D4-BBEA-C8FA08AF368E}"/>
               </a:ext>
             </a:extLst>
           </p:cNvPr>
@@ -11227,7 +12317,7 @@
           <p:cNvPr id="58" name="Oval 57">
             <a:extLst>
               <a:ext uri="{FF2B5EF4-FFF2-40B4-BE49-F238E27FC236}">
-                <a16:creationId xmlns:a16="http://schemas.microsoft.com/office/drawing/2014/main" xmlns="" id="{78555CA8-3ABD-481D-8773-85321E6D94BC}"/>
+                <a16:creationId xmlns="" xmlns:a16="http://schemas.microsoft.com/office/drawing/2014/main" id="{78555CA8-3ABD-481D-8773-85321E6D94BC}"/>
               </a:ext>
             </a:extLst>
           </p:cNvPr>
@@ -11283,7 +12373,7 @@
           <p:cNvPr id="59" name="Straight Arrow Connector 58">
             <a:extLst>
               <a:ext uri="{FF2B5EF4-FFF2-40B4-BE49-F238E27FC236}">
-                <a16:creationId xmlns:a16="http://schemas.microsoft.com/office/drawing/2014/main" xmlns="" id="{A47DAD0E-84A7-48D4-BBEA-C8FA08AF368E}"/>
+                <a16:creationId xmlns="" xmlns:a16="http://schemas.microsoft.com/office/drawing/2014/main" id="{A47DAD0E-84A7-48D4-BBEA-C8FA08AF368E}"/>
               </a:ext>
             </a:extLst>
           </p:cNvPr>
@@ -11329,7 +12419,7 @@
           <p:cNvPr id="60" name="Oval 59">
             <a:extLst>
               <a:ext uri="{FF2B5EF4-FFF2-40B4-BE49-F238E27FC236}">
-                <a16:creationId xmlns:a16="http://schemas.microsoft.com/office/drawing/2014/main" xmlns="" id="{78555CA8-3ABD-481D-8773-85321E6D94BC}"/>
+                <a16:creationId xmlns="" xmlns:a16="http://schemas.microsoft.com/office/drawing/2014/main" id="{78555CA8-3ABD-481D-8773-85321E6D94BC}"/>
               </a:ext>
             </a:extLst>
           </p:cNvPr>
@@ -11385,7 +12475,7 @@
           <p:cNvPr id="61" name="Straight Arrow Connector 60">
             <a:extLst>
               <a:ext uri="{FF2B5EF4-FFF2-40B4-BE49-F238E27FC236}">
-                <a16:creationId xmlns:a16="http://schemas.microsoft.com/office/drawing/2014/main" xmlns="" id="{A47DAD0E-84A7-48D4-BBEA-C8FA08AF368E}"/>
+                <a16:creationId xmlns="" xmlns:a16="http://schemas.microsoft.com/office/drawing/2014/main" id="{A47DAD0E-84A7-48D4-BBEA-C8FA08AF368E}"/>
               </a:ext>
             </a:extLst>
           </p:cNvPr>
@@ -11431,7 +12521,7 @@
           <p:cNvPr id="62" name="Oval 61">
             <a:extLst>
               <a:ext uri="{FF2B5EF4-FFF2-40B4-BE49-F238E27FC236}">
-                <a16:creationId xmlns:a16="http://schemas.microsoft.com/office/drawing/2014/main" xmlns="" id="{78555CA8-3ABD-481D-8773-85321E6D94BC}"/>
+                <a16:creationId xmlns="" xmlns:a16="http://schemas.microsoft.com/office/drawing/2014/main" id="{78555CA8-3ABD-481D-8773-85321E6D94BC}"/>
               </a:ext>
             </a:extLst>
           </p:cNvPr>
@@ -11487,7 +12577,7 @@
           <p:cNvPr id="63" name="Straight Arrow Connector 62">
             <a:extLst>
               <a:ext uri="{FF2B5EF4-FFF2-40B4-BE49-F238E27FC236}">
-                <a16:creationId xmlns:a16="http://schemas.microsoft.com/office/drawing/2014/main" xmlns="" id="{A47DAD0E-84A7-48D4-BBEA-C8FA08AF368E}"/>
+                <a16:creationId xmlns="" xmlns:a16="http://schemas.microsoft.com/office/drawing/2014/main" id="{A47DAD0E-84A7-48D4-BBEA-C8FA08AF368E}"/>
               </a:ext>
             </a:extLst>
           </p:cNvPr>
@@ -11533,7 +12623,7 @@
           <p:cNvPr id="65" name="Arrow: Down 33">
             <a:extLst>
               <a:ext uri="{FF2B5EF4-FFF2-40B4-BE49-F238E27FC236}">
-                <a16:creationId xmlns:a16="http://schemas.microsoft.com/office/drawing/2014/main" xmlns="" id="{1AED9871-5657-4FA9-8E6F-74E2BB2236B3}"/>
+                <a16:creationId xmlns="" xmlns:a16="http://schemas.microsoft.com/office/drawing/2014/main" id="{1AED9871-5657-4FA9-8E6F-74E2BB2236B3}"/>
               </a:ext>
             </a:extLst>
           </p:cNvPr>
@@ -11605,7 +12695,7 @@
           <p:cNvPr id="66" name="Oval 65">
             <a:extLst>
               <a:ext uri="{FF2B5EF4-FFF2-40B4-BE49-F238E27FC236}">
-                <a16:creationId xmlns:a16="http://schemas.microsoft.com/office/drawing/2014/main" xmlns="" id="{78555CA8-3ABD-481D-8773-85321E6D94BC}"/>
+                <a16:creationId xmlns="" xmlns:a16="http://schemas.microsoft.com/office/drawing/2014/main" id="{78555CA8-3ABD-481D-8773-85321E6D94BC}"/>
               </a:ext>
             </a:extLst>
           </p:cNvPr>
@@ -11661,7 +12751,7 @@
           <p:cNvPr id="67" name="Straight Arrow Connector 66">
             <a:extLst>
               <a:ext uri="{FF2B5EF4-FFF2-40B4-BE49-F238E27FC236}">
-                <a16:creationId xmlns:a16="http://schemas.microsoft.com/office/drawing/2014/main" xmlns="" id="{A47DAD0E-84A7-48D4-BBEA-C8FA08AF368E}"/>
+                <a16:creationId xmlns="" xmlns:a16="http://schemas.microsoft.com/office/drawing/2014/main" id="{A47DAD0E-84A7-48D4-BBEA-C8FA08AF368E}"/>
               </a:ext>
             </a:extLst>
           </p:cNvPr>
@@ -11707,7 +12797,7 @@
           <p:cNvPr id="68" name="Oval 67">
             <a:extLst>
               <a:ext uri="{FF2B5EF4-FFF2-40B4-BE49-F238E27FC236}">
-                <a16:creationId xmlns:a16="http://schemas.microsoft.com/office/drawing/2014/main" xmlns="" id="{78555CA8-3ABD-481D-8773-85321E6D94BC}"/>
+                <a16:creationId xmlns="" xmlns:a16="http://schemas.microsoft.com/office/drawing/2014/main" id="{78555CA8-3ABD-481D-8773-85321E6D94BC}"/>
               </a:ext>
             </a:extLst>
           </p:cNvPr>
@@ -11763,7 +12853,7 @@
           <p:cNvPr id="69" name="Straight Arrow Connector 68">
             <a:extLst>
               <a:ext uri="{FF2B5EF4-FFF2-40B4-BE49-F238E27FC236}">
-                <a16:creationId xmlns:a16="http://schemas.microsoft.com/office/drawing/2014/main" xmlns="" id="{A47DAD0E-84A7-48D4-BBEA-C8FA08AF368E}"/>
+                <a16:creationId xmlns="" xmlns:a16="http://schemas.microsoft.com/office/drawing/2014/main" id="{A47DAD0E-84A7-48D4-BBEA-C8FA08AF368E}"/>
               </a:ext>
             </a:extLst>
           </p:cNvPr>
@@ -11809,7 +12899,7 @@
           <p:cNvPr id="71" name="Arrow: Down 33">
             <a:extLst>
               <a:ext uri="{FF2B5EF4-FFF2-40B4-BE49-F238E27FC236}">
-                <a16:creationId xmlns:a16="http://schemas.microsoft.com/office/drawing/2014/main" xmlns="" id="{1AED9871-5657-4FA9-8E6F-74E2BB2236B3}"/>
+                <a16:creationId xmlns="" xmlns:a16="http://schemas.microsoft.com/office/drawing/2014/main" id="{1AED9871-5657-4FA9-8E6F-74E2BB2236B3}"/>
               </a:ext>
             </a:extLst>
           </p:cNvPr>
@@ -11881,7 +12971,7 @@
           <p:cNvPr id="22" name="Oval 21">
             <a:extLst>
               <a:ext uri="{FF2B5EF4-FFF2-40B4-BE49-F238E27FC236}">
-                <a16:creationId xmlns:a16="http://schemas.microsoft.com/office/drawing/2014/main" xmlns="" id="{70018B8E-C8EA-4592-B666-4DD6915C2DAF}"/>
+                <a16:creationId xmlns="" xmlns:a16="http://schemas.microsoft.com/office/drawing/2014/main" id="{70018B8E-C8EA-4592-B666-4DD6915C2DAF}"/>
               </a:ext>
             </a:extLst>
           </p:cNvPr>
@@ -11939,7 +13029,7 @@
           <p:cNvPr id="25" name="Oval 24">
             <a:extLst>
               <a:ext uri="{FF2B5EF4-FFF2-40B4-BE49-F238E27FC236}">
-                <a16:creationId xmlns:a16="http://schemas.microsoft.com/office/drawing/2014/main" xmlns="" id="{70018B8E-C8EA-4592-B666-4DD6915C2DAF}"/>
+                <a16:creationId xmlns="" xmlns:a16="http://schemas.microsoft.com/office/drawing/2014/main" id="{70018B8E-C8EA-4592-B666-4DD6915C2DAF}"/>
               </a:ext>
             </a:extLst>
           </p:cNvPr>
@@ -11997,7 +13087,7 @@
           <p:cNvPr id="24" name="Oval 23">
             <a:extLst>
               <a:ext uri="{FF2B5EF4-FFF2-40B4-BE49-F238E27FC236}">
-                <a16:creationId xmlns:a16="http://schemas.microsoft.com/office/drawing/2014/main" xmlns="" id="{70018B8E-C8EA-4592-B666-4DD6915C2DAF}"/>
+                <a16:creationId xmlns="" xmlns:a16="http://schemas.microsoft.com/office/drawing/2014/main" id="{70018B8E-C8EA-4592-B666-4DD6915C2DAF}"/>
               </a:ext>
             </a:extLst>
           </p:cNvPr>
@@ -12055,7 +13145,7 @@
           <p:cNvPr id="26" name="Oval 25">
             <a:extLst>
               <a:ext uri="{FF2B5EF4-FFF2-40B4-BE49-F238E27FC236}">
-                <a16:creationId xmlns:a16="http://schemas.microsoft.com/office/drawing/2014/main" xmlns="" id="{70018B8E-C8EA-4592-B666-4DD6915C2DAF}"/>
+                <a16:creationId xmlns="" xmlns:a16="http://schemas.microsoft.com/office/drawing/2014/main" id="{70018B8E-C8EA-4592-B666-4DD6915C2DAF}"/>
               </a:ext>
             </a:extLst>
           </p:cNvPr>
@@ -12888,7 +13978,7 @@
           <p:cNvPr id="53" name="Oval 52">
             <a:extLst>
               <a:ext uri="{FF2B5EF4-FFF2-40B4-BE49-F238E27FC236}">
-                <a16:creationId xmlns:a16="http://schemas.microsoft.com/office/drawing/2014/main" xmlns="" id="{A8539DB9-3193-446D-AAD0-3F53798A7C20}"/>
+                <a16:creationId xmlns="" xmlns:a16="http://schemas.microsoft.com/office/drawing/2014/main" id="{A8539DB9-3193-446D-AAD0-3F53798A7C20}"/>
               </a:ext>
             </a:extLst>
           </p:cNvPr>
@@ -12944,7 +14034,7 @@
           <p:cNvPr id="54" name="Straight Arrow Connector 53">
             <a:extLst>
               <a:ext uri="{FF2B5EF4-FFF2-40B4-BE49-F238E27FC236}">
-                <a16:creationId xmlns:a16="http://schemas.microsoft.com/office/drawing/2014/main" xmlns="" id="{AEF8D433-30C4-4661-9F69-97B852EC189C}"/>
+                <a16:creationId xmlns="" xmlns:a16="http://schemas.microsoft.com/office/drawing/2014/main" id="{AEF8D433-30C4-4661-9F69-97B852EC189C}"/>
               </a:ext>
             </a:extLst>
           </p:cNvPr>
@@ -12989,7 +14079,7 @@
           <p:cNvPr id="55" name="TextBox 54">
             <a:extLst>
               <a:ext uri="{FF2B5EF4-FFF2-40B4-BE49-F238E27FC236}">
-                <a16:creationId xmlns:a16="http://schemas.microsoft.com/office/drawing/2014/main" xmlns="" id="{40A89D73-78E9-43D5-9346-924EA4FB08C8}"/>
+                <a16:creationId xmlns="" xmlns:a16="http://schemas.microsoft.com/office/drawing/2014/main" id="{40A89D73-78E9-43D5-9346-924EA4FB08C8}"/>
               </a:ext>
             </a:extLst>
           </p:cNvPr>
@@ -13031,7 +14121,7 @@
           <p:cNvPr id="56" name="Oval 55">
             <a:extLst>
               <a:ext uri="{FF2B5EF4-FFF2-40B4-BE49-F238E27FC236}">
-                <a16:creationId xmlns:a16="http://schemas.microsoft.com/office/drawing/2014/main" xmlns="" id="{78555CA8-3ABD-481D-8773-85321E6D94BC}"/>
+                <a16:creationId xmlns="" xmlns:a16="http://schemas.microsoft.com/office/drawing/2014/main" id="{78555CA8-3ABD-481D-8773-85321E6D94BC}"/>
               </a:ext>
             </a:extLst>
           </p:cNvPr>
@@ -13087,7 +14177,7 @@
           <p:cNvPr id="57" name="Straight Arrow Connector 56">
             <a:extLst>
               <a:ext uri="{FF2B5EF4-FFF2-40B4-BE49-F238E27FC236}">
-                <a16:creationId xmlns:a16="http://schemas.microsoft.com/office/drawing/2014/main" xmlns="" id="{A47DAD0E-84A7-48D4-BBEA-C8FA08AF368E}"/>
+                <a16:creationId xmlns="" xmlns:a16="http://schemas.microsoft.com/office/drawing/2014/main" id="{A47DAD0E-84A7-48D4-BBEA-C8FA08AF368E}"/>
               </a:ext>
             </a:extLst>
           </p:cNvPr>
@@ -13133,7 +14223,7 @@
           <p:cNvPr id="58" name="Oval 57">
             <a:extLst>
               <a:ext uri="{FF2B5EF4-FFF2-40B4-BE49-F238E27FC236}">
-                <a16:creationId xmlns:a16="http://schemas.microsoft.com/office/drawing/2014/main" xmlns="" id="{78555CA8-3ABD-481D-8773-85321E6D94BC}"/>
+                <a16:creationId xmlns="" xmlns:a16="http://schemas.microsoft.com/office/drawing/2014/main" id="{78555CA8-3ABD-481D-8773-85321E6D94BC}"/>
               </a:ext>
             </a:extLst>
           </p:cNvPr>
@@ -13189,7 +14279,7 @@
           <p:cNvPr id="59" name="Straight Arrow Connector 58">
             <a:extLst>
               <a:ext uri="{FF2B5EF4-FFF2-40B4-BE49-F238E27FC236}">
-                <a16:creationId xmlns:a16="http://schemas.microsoft.com/office/drawing/2014/main" xmlns="" id="{A47DAD0E-84A7-48D4-BBEA-C8FA08AF368E}"/>
+                <a16:creationId xmlns="" xmlns:a16="http://schemas.microsoft.com/office/drawing/2014/main" id="{A47DAD0E-84A7-48D4-BBEA-C8FA08AF368E}"/>
               </a:ext>
             </a:extLst>
           </p:cNvPr>
@@ -13235,7 +14325,7 @@
           <p:cNvPr id="60" name="Oval 59">
             <a:extLst>
               <a:ext uri="{FF2B5EF4-FFF2-40B4-BE49-F238E27FC236}">
-                <a16:creationId xmlns:a16="http://schemas.microsoft.com/office/drawing/2014/main" xmlns="" id="{78555CA8-3ABD-481D-8773-85321E6D94BC}"/>
+                <a16:creationId xmlns="" xmlns:a16="http://schemas.microsoft.com/office/drawing/2014/main" id="{78555CA8-3ABD-481D-8773-85321E6D94BC}"/>
               </a:ext>
             </a:extLst>
           </p:cNvPr>
@@ -13291,7 +14381,7 @@
           <p:cNvPr id="61" name="Straight Arrow Connector 60">
             <a:extLst>
               <a:ext uri="{FF2B5EF4-FFF2-40B4-BE49-F238E27FC236}">
-                <a16:creationId xmlns:a16="http://schemas.microsoft.com/office/drawing/2014/main" xmlns="" id="{A47DAD0E-84A7-48D4-BBEA-C8FA08AF368E}"/>
+                <a16:creationId xmlns="" xmlns:a16="http://schemas.microsoft.com/office/drawing/2014/main" id="{A47DAD0E-84A7-48D4-BBEA-C8FA08AF368E}"/>
               </a:ext>
             </a:extLst>
           </p:cNvPr>
@@ -13337,7 +14427,7 @@
           <p:cNvPr id="62" name="Oval 61">
             <a:extLst>
               <a:ext uri="{FF2B5EF4-FFF2-40B4-BE49-F238E27FC236}">
-                <a16:creationId xmlns:a16="http://schemas.microsoft.com/office/drawing/2014/main" xmlns="" id="{78555CA8-3ABD-481D-8773-85321E6D94BC}"/>
+                <a16:creationId xmlns="" xmlns:a16="http://schemas.microsoft.com/office/drawing/2014/main" id="{78555CA8-3ABD-481D-8773-85321E6D94BC}"/>
               </a:ext>
             </a:extLst>
           </p:cNvPr>
@@ -13393,7 +14483,7 @@
           <p:cNvPr id="63" name="Straight Arrow Connector 62">
             <a:extLst>
               <a:ext uri="{FF2B5EF4-FFF2-40B4-BE49-F238E27FC236}">
-                <a16:creationId xmlns:a16="http://schemas.microsoft.com/office/drawing/2014/main" xmlns="" id="{A47DAD0E-84A7-48D4-BBEA-C8FA08AF368E}"/>
+                <a16:creationId xmlns="" xmlns:a16="http://schemas.microsoft.com/office/drawing/2014/main" id="{A47DAD0E-84A7-48D4-BBEA-C8FA08AF368E}"/>
               </a:ext>
             </a:extLst>
           </p:cNvPr>
@@ -13439,7 +14529,7 @@
           <p:cNvPr id="66" name="Oval 65">
             <a:extLst>
               <a:ext uri="{FF2B5EF4-FFF2-40B4-BE49-F238E27FC236}">
-                <a16:creationId xmlns:a16="http://schemas.microsoft.com/office/drawing/2014/main" xmlns="" id="{78555CA8-3ABD-481D-8773-85321E6D94BC}"/>
+                <a16:creationId xmlns="" xmlns:a16="http://schemas.microsoft.com/office/drawing/2014/main" id="{78555CA8-3ABD-481D-8773-85321E6D94BC}"/>
               </a:ext>
             </a:extLst>
           </p:cNvPr>
@@ -13495,7 +14585,7 @@
           <p:cNvPr id="67" name="Straight Arrow Connector 66">
             <a:extLst>
               <a:ext uri="{FF2B5EF4-FFF2-40B4-BE49-F238E27FC236}">
-                <a16:creationId xmlns:a16="http://schemas.microsoft.com/office/drawing/2014/main" xmlns="" id="{A47DAD0E-84A7-48D4-BBEA-C8FA08AF368E}"/>
+                <a16:creationId xmlns="" xmlns:a16="http://schemas.microsoft.com/office/drawing/2014/main" id="{A47DAD0E-84A7-48D4-BBEA-C8FA08AF368E}"/>
               </a:ext>
             </a:extLst>
           </p:cNvPr>
@@ -13541,7 +14631,7 @@
           <p:cNvPr id="68" name="Oval 67">
             <a:extLst>
               <a:ext uri="{FF2B5EF4-FFF2-40B4-BE49-F238E27FC236}">
-                <a16:creationId xmlns:a16="http://schemas.microsoft.com/office/drawing/2014/main" xmlns="" id="{78555CA8-3ABD-481D-8773-85321E6D94BC}"/>
+                <a16:creationId xmlns="" xmlns:a16="http://schemas.microsoft.com/office/drawing/2014/main" id="{78555CA8-3ABD-481D-8773-85321E6D94BC}"/>
               </a:ext>
             </a:extLst>
           </p:cNvPr>
@@ -13597,7 +14687,7 @@
           <p:cNvPr id="69" name="Straight Arrow Connector 68">
             <a:extLst>
               <a:ext uri="{FF2B5EF4-FFF2-40B4-BE49-F238E27FC236}">
-                <a16:creationId xmlns:a16="http://schemas.microsoft.com/office/drawing/2014/main" xmlns="" id="{A47DAD0E-84A7-48D4-BBEA-C8FA08AF368E}"/>
+                <a16:creationId xmlns="" xmlns:a16="http://schemas.microsoft.com/office/drawing/2014/main" id="{A47DAD0E-84A7-48D4-BBEA-C8FA08AF368E}"/>
               </a:ext>
             </a:extLst>
           </p:cNvPr>
@@ -13643,7 +14733,7 @@
           <p:cNvPr id="71" name="Arrow: Down 33">
             <a:extLst>
               <a:ext uri="{FF2B5EF4-FFF2-40B4-BE49-F238E27FC236}">
-                <a16:creationId xmlns:a16="http://schemas.microsoft.com/office/drawing/2014/main" xmlns="" id="{1AED9871-5657-4FA9-8E6F-74E2BB2236B3}"/>
+                <a16:creationId xmlns="" xmlns:a16="http://schemas.microsoft.com/office/drawing/2014/main" id="{1AED9871-5657-4FA9-8E6F-74E2BB2236B3}"/>
               </a:ext>
             </a:extLst>
           </p:cNvPr>
@@ -13715,7 +14805,7 @@
           <p:cNvPr id="22" name="Oval 21">
             <a:extLst>
               <a:ext uri="{FF2B5EF4-FFF2-40B4-BE49-F238E27FC236}">
-                <a16:creationId xmlns:a16="http://schemas.microsoft.com/office/drawing/2014/main" xmlns="" id="{70018B8E-C8EA-4592-B666-4DD6915C2DAF}"/>
+                <a16:creationId xmlns="" xmlns:a16="http://schemas.microsoft.com/office/drawing/2014/main" id="{70018B8E-C8EA-4592-B666-4DD6915C2DAF}"/>
               </a:ext>
             </a:extLst>
           </p:cNvPr>
@@ -13773,7 +14863,7 @@
           <p:cNvPr id="25" name="Oval 24">
             <a:extLst>
               <a:ext uri="{FF2B5EF4-FFF2-40B4-BE49-F238E27FC236}">
-                <a16:creationId xmlns:a16="http://schemas.microsoft.com/office/drawing/2014/main" xmlns="" id="{70018B8E-C8EA-4592-B666-4DD6915C2DAF}"/>
+                <a16:creationId xmlns="" xmlns:a16="http://schemas.microsoft.com/office/drawing/2014/main" id="{70018B8E-C8EA-4592-B666-4DD6915C2DAF}"/>
               </a:ext>
             </a:extLst>
           </p:cNvPr>
@@ -14218,7 +15308,7 @@
           <p:cNvPr id="2" name="Title 1">
             <a:extLst>
               <a:ext uri="{FF2B5EF4-FFF2-40B4-BE49-F238E27FC236}">
-                <a16:creationId xmlns:a16="http://schemas.microsoft.com/office/drawing/2014/main" xmlns="" id="{C14F0455-9ED9-4652-8FD6-9C284BE2F092}"/>
+                <a16:creationId xmlns="" xmlns:a16="http://schemas.microsoft.com/office/drawing/2014/main" id="{C14F0455-9ED9-4652-8FD6-9C284BE2F092}"/>
               </a:ext>
             </a:extLst>
           </p:cNvPr>
@@ -14258,7 +15348,7 @@
           <p:cNvPr id="3" name="Text Placeholder 2">
             <a:extLst>
               <a:ext uri="{FF2B5EF4-FFF2-40B4-BE49-F238E27FC236}">
-                <a16:creationId xmlns:a16="http://schemas.microsoft.com/office/drawing/2014/main" xmlns="" id="{8136025E-6B8D-4575-9E2B-B0AAB8CAC233}"/>
+                <a16:creationId xmlns="" xmlns:a16="http://schemas.microsoft.com/office/drawing/2014/main" id="{8136025E-6B8D-4575-9E2B-B0AAB8CAC233}"/>
               </a:ext>
             </a:extLst>
           </p:cNvPr>
@@ -14415,7 +15505,7 @@
             <p:cNvPr id="24" name="Oval 23">
               <a:extLst>
                 <a:ext uri="{FF2B5EF4-FFF2-40B4-BE49-F238E27FC236}">
-                  <a16:creationId xmlns:a16="http://schemas.microsoft.com/office/drawing/2014/main" xmlns="" id="{A8539DB9-3193-446D-AAD0-3F53798A7C20}"/>
+                  <a16:creationId xmlns="" xmlns:a16="http://schemas.microsoft.com/office/drawing/2014/main" id="{A8539DB9-3193-446D-AAD0-3F53798A7C20}"/>
                 </a:ext>
               </a:extLst>
             </p:cNvPr>
@@ -14471,7 +15561,7 @@
             <p:cNvPr id="26" name="Straight Arrow Connector 25">
               <a:extLst>
                 <a:ext uri="{FF2B5EF4-FFF2-40B4-BE49-F238E27FC236}">
-                  <a16:creationId xmlns:a16="http://schemas.microsoft.com/office/drawing/2014/main" xmlns="" id="{AEF8D433-30C4-4661-9F69-97B852EC189C}"/>
+                  <a16:creationId xmlns="" xmlns:a16="http://schemas.microsoft.com/office/drawing/2014/main" id="{AEF8D433-30C4-4661-9F69-97B852EC189C}"/>
                 </a:ext>
               </a:extLst>
             </p:cNvPr>
@@ -14516,7 +15606,7 @@
             <p:cNvPr id="27" name="TextBox 26">
               <a:extLst>
                 <a:ext uri="{FF2B5EF4-FFF2-40B4-BE49-F238E27FC236}">
-                  <a16:creationId xmlns:a16="http://schemas.microsoft.com/office/drawing/2014/main" xmlns="" id="{40A89D73-78E9-43D5-9346-924EA4FB08C8}"/>
+                  <a16:creationId xmlns="" xmlns:a16="http://schemas.microsoft.com/office/drawing/2014/main" id="{40A89D73-78E9-43D5-9346-924EA4FB08C8}"/>
                 </a:ext>
               </a:extLst>
             </p:cNvPr>
@@ -14558,7 +15648,7 @@
             <p:cNvPr id="28" name="Oval 27">
               <a:extLst>
                 <a:ext uri="{FF2B5EF4-FFF2-40B4-BE49-F238E27FC236}">
-                  <a16:creationId xmlns:a16="http://schemas.microsoft.com/office/drawing/2014/main" xmlns="" id="{78555CA8-3ABD-481D-8773-85321E6D94BC}"/>
+                  <a16:creationId xmlns="" xmlns:a16="http://schemas.microsoft.com/office/drawing/2014/main" id="{78555CA8-3ABD-481D-8773-85321E6D94BC}"/>
                 </a:ext>
               </a:extLst>
             </p:cNvPr>
@@ -14614,7 +15704,7 @@
             <p:cNvPr id="29" name="Straight Arrow Connector 28">
               <a:extLst>
                 <a:ext uri="{FF2B5EF4-FFF2-40B4-BE49-F238E27FC236}">
-                  <a16:creationId xmlns:a16="http://schemas.microsoft.com/office/drawing/2014/main" xmlns="" id="{A47DAD0E-84A7-48D4-BBEA-C8FA08AF368E}"/>
+                  <a16:creationId xmlns="" xmlns:a16="http://schemas.microsoft.com/office/drawing/2014/main" id="{A47DAD0E-84A7-48D4-BBEA-C8FA08AF368E}"/>
                 </a:ext>
               </a:extLst>
             </p:cNvPr>
@@ -14660,7 +15750,7 @@
             <p:cNvPr id="30" name="Oval 29">
               <a:extLst>
                 <a:ext uri="{FF2B5EF4-FFF2-40B4-BE49-F238E27FC236}">
-                  <a16:creationId xmlns:a16="http://schemas.microsoft.com/office/drawing/2014/main" xmlns="" id="{78555CA8-3ABD-481D-8773-85321E6D94BC}"/>
+                  <a16:creationId xmlns="" xmlns:a16="http://schemas.microsoft.com/office/drawing/2014/main" id="{78555CA8-3ABD-481D-8773-85321E6D94BC}"/>
                 </a:ext>
               </a:extLst>
             </p:cNvPr>
@@ -14716,7 +15806,7 @@
             <p:cNvPr id="31" name="Straight Arrow Connector 30">
               <a:extLst>
                 <a:ext uri="{FF2B5EF4-FFF2-40B4-BE49-F238E27FC236}">
-                  <a16:creationId xmlns:a16="http://schemas.microsoft.com/office/drawing/2014/main" xmlns="" id="{A47DAD0E-84A7-48D4-BBEA-C8FA08AF368E}"/>
+                  <a16:creationId xmlns="" xmlns:a16="http://schemas.microsoft.com/office/drawing/2014/main" id="{A47DAD0E-84A7-48D4-BBEA-C8FA08AF368E}"/>
                 </a:ext>
               </a:extLst>
             </p:cNvPr>
@@ -14762,7 +15852,7 @@
             <p:cNvPr id="32" name="Oval 31">
               <a:extLst>
                 <a:ext uri="{FF2B5EF4-FFF2-40B4-BE49-F238E27FC236}">
-                  <a16:creationId xmlns:a16="http://schemas.microsoft.com/office/drawing/2014/main" xmlns="" id="{78555CA8-3ABD-481D-8773-85321E6D94BC}"/>
+                  <a16:creationId xmlns="" xmlns:a16="http://schemas.microsoft.com/office/drawing/2014/main" id="{78555CA8-3ABD-481D-8773-85321E6D94BC}"/>
                 </a:ext>
               </a:extLst>
             </p:cNvPr>
@@ -14818,7 +15908,7 @@
             <p:cNvPr id="33" name="Straight Arrow Connector 32">
               <a:extLst>
                 <a:ext uri="{FF2B5EF4-FFF2-40B4-BE49-F238E27FC236}">
-                  <a16:creationId xmlns:a16="http://schemas.microsoft.com/office/drawing/2014/main" xmlns="" id="{A47DAD0E-84A7-48D4-BBEA-C8FA08AF368E}"/>
+                  <a16:creationId xmlns="" xmlns:a16="http://schemas.microsoft.com/office/drawing/2014/main" id="{A47DAD0E-84A7-48D4-BBEA-C8FA08AF368E}"/>
                 </a:ext>
               </a:extLst>
             </p:cNvPr>
@@ -14864,7 +15954,7 @@
             <p:cNvPr id="34" name="Oval 33">
               <a:extLst>
                 <a:ext uri="{FF2B5EF4-FFF2-40B4-BE49-F238E27FC236}">
-                  <a16:creationId xmlns:a16="http://schemas.microsoft.com/office/drawing/2014/main" xmlns="" id="{78555CA8-3ABD-481D-8773-85321E6D94BC}"/>
+                  <a16:creationId xmlns="" xmlns:a16="http://schemas.microsoft.com/office/drawing/2014/main" id="{78555CA8-3ABD-481D-8773-85321E6D94BC}"/>
                 </a:ext>
               </a:extLst>
             </p:cNvPr>
@@ -14920,7 +16010,7 @@
             <p:cNvPr id="35" name="Straight Arrow Connector 34">
               <a:extLst>
                 <a:ext uri="{FF2B5EF4-FFF2-40B4-BE49-F238E27FC236}">
-                  <a16:creationId xmlns:a16="http://schemas.microsoft.com/office/drawing/2014/main" xmlns="" id="{A47DAD0E-84A7-48D4-BBEA-C8FA08AF368E}"/>
+                  <a16:creationId xmlns="" xmlns:a16="http://schemas.microsoft.com/office/drawing/2014/main" id="{A47DAD0E-84A7-48D4-BBEA-C8FA08AF368E}"/>
                 </a:ext>
               </a:extLst>
             </p:cNvPr>
@@ -14966,7 +16056,7 @@
             <p:cNvPr id="36" name="Oval 35">
               <a:extLst>
                 <a:ext uri="{FF2B5EF4-FFF2-40B4-BE49-F238E27FC236}">
-                  <a16:creationId xmlns:a16="http://schemas.microsoft.com/office/drawing/2014/main" xmlns="" id="{78555CA8-3ABD-481D-8773-85321E6D94BC}"/>
+                  <a16:creationId xmlns="" xmlns:a16="http://schemas.microsoft.com/office/drawing/2014/main" id="{78555CA8-3ABD-481D-8773-85321E6D94BC}"/>
                 </a:ext>
               </a:extLst>
             </p:cNvPr>
@@ -15022,7 +16112,7 @@
             <p:cNvPr id="37" name="Straight Arrow Connector 36">
               <a:extLst>
                 <a:ext uri="{FF2B5EF4-FFF2-40B4-BE49-F238E27FC236}">
-                  <a16:creationId xmlns:a16="http://schemas.microsoft.com/office/drawing/2014/main" xmlns="" id="{A47DAD0E-84A7-48D4-BBEA-C8FA08AF368E}"/>
+                  <a16:creationId xmlns="" xmlns:a16="http://schemas.microsoft.com/office/drawing/2014/main" id="{A47DAD0E-84A7-48D4-BBEA-C8FA08AF368E}"/>
                 </a:ext>
               </a:extLst>
             </p:cNvPr>
@@ -15068,7 +16158,7 @@
             <p:cNvPr id="38" name="Straight Arrow Connector 37">
               <a:extLst>
                 <a:ext uri="{FF2B5EF4-FFF2-40B4-BE49-F238E27FC236}">
-                  <a16:creationId xmlns:a16="http://schemas.microsoft.com/office/drawing/2014/main" xmlns="" id="{A47DAD0E-84A7-48D4-BBEA-C8FA08AF368E}"/>
+                  <a16:creationId xmlns="" xmlns:a16="http://schemas.microsoft.com/office/drawing/2014/main" id="{A47DAD0E-84A7-48D4-BBEA-C8FA08AF368E}"/>
                 </a:ext>
               </a:extLst>
             </p:cNvPr>
@@ -15129,7 +16219,7 @@
             <p:cNvPr id="40" name="Oval 39">
               <a:extLst>
                 <a:ext uri="{FF2B5EF4-FFF2-40B4-BE49-F238E27FC236}">
-                  <a16:creationId xmlns:a16="http://schemas.microsoft.com/office/drawing/2014/main" xmlns="" id="{A8539DB9-3193-446D-AAD0-3F53798A7C20}"/>
+                  <a16:creationId xmlns="" xmlns:a16="http://schemas.microsoft.com/office/drawing/2014/main" id="{A8539DB9-3193-446D-AAD0-3F53798A7C20}"/>
                 </a:ext>
               </a:extLst>
             </p:cNvPr>
@@ -15185,7 +16275,7 @@
             <p:cNvPr id="41" name="Straight Arrow Connector 40">
               <a:extLst>
                 <a:ext uri="{FF2B5EF4-FFF2-40B4-BE49-F238E27FC236}">
-                  <a16:creationId xmlns:a16="http://schemas.microsoft.com/office/drawing/2014/main" xmlns="" id="{AEF8D433-30C4-4661-9F69-97B852EC189C}"/>
+                  <a16:creationId xmlns="" xmlns:a16="http://schemas.microsoft.com/office/drawing/2014/main" id="{AEF8D433-30C4-4661-9F69-97B852EC189C}"/>
                 </a:ext>
               </a:extLst>
             </p:cNvPr>
@@ -15230,7 +16320,7 @@
             <p:cNvPr id="42" name="TextBox 41">
               <a:extLst>
                 <a:ext uri="{FF2B5EF4-FFF2-40B4-BE49-F238E27FC236}">
-                  <a16:creationId xmlns:a16="http://schemas.microsoft.com/office/drawing/2014/main" xmlns="" id="{40A89D73-78E9-43D5-9346-924EA4FB08C8}"/>
+                  <a16:creationId xmlns="" xmlns:a16="http://schemas.microsoft.com/office/drawing/2014/main" id="{40A89D73-78E9-43D5-9346-924EA4FB08C8}"/>
                 </a:ext>
               </a:extLst>
             </p:cNvPr>
@@ -15272,7 +16362,7 @@
             <p:cNvPr id="43" name="Oval 42">
               <a:extLst>
                 <a:ext uri="{FF2B5EF4-FFF2-40B4-BE49-F238E27FC236}">
-                  <a16:creationId xmlns:a16="http://schemas.microsoft.com/office/drawing/2014/main" xmlns="" id="{78555CA8-3ABD-481D-8773-85321E6D94BC}"/>
+                  <a16:creationId xmlns="" xmlns:a16="http://schemas.microsoft.com/office/drawing/2014/main" id="{78555CA8-3ABD-481D-8773-85321E6D94BC}"/>
                 </a:ext>
               </a:extLst>
             </p:cNvPr>
@@ -15328,7 +16418,7 @@
             <p:cNvPr id="44" name="Straight Arrow Connector 43">
               <a:extLst>
                 <a:ext uri="{FF2B5EF4-FFF2-40B4-BE49-F238E27FC236}">
-                  <a16:creationId xmlns:a16="http://schemas.microsoft.com/office/drawing/2014/main" xmlns="" id="{A47DAD0E-84A7-48D4-BBEA-C8FA08AF368E}"/>
+                  <a16:creationId xmlns="" xmlns:a16="http://schemas.microsoft.com/office/drawing/2014/main" id="{A47DAD0E-84A7-48D4-BBEA-C8FA08AF368E}"/>
                 </a:ext>
               </a:extLst>
             </p:cNvPr>
@@ -15374,7 +16464,7 @@
             <p:cNvPr id="45" name="Oval 44">
               <a:extLst>
                 <a:ext uri="{FF2B5EF4-FFF2-40B4-BE49-F238E27FC236}">
-                  <a16:creationId xmlns:a16="http://schemas.microsoft.com/office/drawing/2014/main" xmlns="" id="{78555CA8-3ABD-481D-8773-85321E6D94BC}"/>
+                  <a16:creationId xmlns="" xmlns:a16="http://schemas.microsoft.com/office/drawing/2014/main" id="{78555CA8-3ABD-481D-8773-85321E6D94BC}"/>
                 </a:ext>
               </a:extLst>
             </p:cNvPr>
@@ -15430,7 +16520,7 @@
             <p:cNvPr id="46" name="Straight Arrow Connector 45">
               <a:extLst>
                 <a:ext uri="{FF2B5EF4-FFF2-40B4-BE49-F238E27FC236}">
-                  <a16:creationId xmlns:a16="http://schemas.microsoft.com/office/drawing/2014/main" xmlns="" id="{A47DAD0E-84A7-48D4-BBEA-C8FA08AF368E}"/>
+                  <a16:creationId xmlns="" xmlns:a16="http://schemas.microsoft.com/office/drawing/2014/main" id="{A47DAD0E-84A7-48D4-BBEA-C8FA08AF368E}"/>
                 </a:ext>
               </a:extLst>
             </p:cNvPr>
@@ -15476,7 +16566,7 @@
             <p:cNvPr id="47" name="Oval 46">
               <a:extLst>
                 <a:ext uri="{FF2B5EF4-FFF2-40B4-BE49-F238E27FC236}">
-                  <a16:creationId xmlns:a16="http://schemas.microsoft.com/office/drawing/2014/main" xmlns="" id="{78555CA8-3ABD-481D-8773-85321E6D94BC}"/>
+                  <a16:creationId xmlns="" xmlns:a16="http://schemas.microsoft.com/office/drawing/2014/main" id="{78555CA8-3ABD-481D-8773-85321E6D94BC}"/>
                 </a:ext>
               </a:extLst>
             </p:cNvPr>
@@ -15532,7 +16622,7 @@
             <p:cNvPr id="48" name="Straight Arrow Connector 47">
               <a:extLst>
                 <a:ext uri="{FF2B5EF4-FFF2-40B4-BE49-F238E27FC236}">
-                  <a16:creationId xmlns:a16="http://schemas.microsoft.com/office/drawing/2014/main" xmlns="" id="{A47DAD0E-84A7-48D4-BBEA-C8FA08AF368E}"/>
+                  <a16:creationId xmlns="" xmlns:a16="http://schemas.microsoft.com/office/drawing/2014/main" id="{A47DAD0E-84A7-48D4-BBEA-C8FA08AF368E}"/>
                 </a:ext>
               </a:extLst>
             </p:cNvPr>
@@ -15578,7 +16668,7 @@
             <p:cNvPr id="49" name="Oval 48">
               <a:extLst>
                 <a:ext uri="{FF2B5EF4-FFF2-40B4-BE49-F238E27FC236}">
-                  <a16:creationId xmlns:a16="http://schemas.microsoft.com/office/drawing/2014/main" xmlns="" id="{78555CA8-3ABD-481D-8773-85321E6D94BC}"/>
+                  <a16:creationId xmlns="" xmlns:a16="http://schemas.microsoft.com/office/drawing/2014/main" id="{78555CA8-3ABD-481D-8773-85321E6D94BC}"/>
                 </a:ext>
               </a:extLst>
             </p:cNvPr>
@@ -15634,7 +16724,7 @@
             <p:cNvPr id="50" name="Straight Arrow Connector 49">
               <a:extLst>
                 <a:ext uri="{FF2B5EF4-FFF2-40B4-BE49-F238E27FC236}">
-                  <a16:creationId xmlns:a16="http://schemas.microsoft.com/office/drawing/2014/main" xmlns="" id="{A47DAD0E-84A7-48D4-BBEA-C8FA08AF368E}"/>
+                  <a16:creationId xmlns="" xmlns:a16="http://schemas.microsoft.com/office/drawing/2014/main" id="{A47DAD0E-84A7-48D4-BBEA-C8FA08AF368E}"/>
                 </a:ext>
               </a:extLst>
             </p:cNvPr>
@@ -15817,7 +16907,7 @@
             <p:cNvPr id="24" name="Oval 23">
               <a:extLst>
                 <a:ext uri="{FF2B5EF4-FFF2-40B4-BE49-F238E27FC236}">
-                  <a16:creationId xmlns:a16="http://schemas.microsoft.com/office/drawing/2014/main" xmlns="" id="{A8539DB9-3193-446D-AAD0-3F53798A7C20}"/>
+                  <a16:creationId xmlns="" xmlns:a16="http://schemas.microsoft.com/office/drawing/2014/main" id="{A8539DB9-3193-446D-AAD0-3F53798A7C20}"/>
                 </a:ext>
               </a:extLst>
             </p:cNvPr>
@@ -15873,7 +16963,7 @@
             <p:cNvPr id="26" name="Straight Arrow Connector 25">
               <a:extLst>
                 <a:ext uri="{FF2B5EF4-FFF2-40B4-BE49-F238E27FC236}">
-                  <a16:creationId xmlns:a16="http://schemas.microsoft.com/office/drawing/2014/main" xmlns="" id="{AEF8D433-30C4-4661-9F69-97B852EC189C}"/>
+                  <a16:creationId xmlns="" xmlns:a16="http://schemas.microsoft.com/office/drawing/2014/main" id="{AEF8D433-30C4-4661-9F69-97B852EC189C}"/>
                 </a:ext>
               </a:extLst>
             </p:cNvPr>
@@ -15918,7 +17008,7 @@
             <p:cNvPr id="27" name="TextBox 26">
               <a:extLst>
                 <a:ext uri="{FF2B5EF4-FFF2-40B4-BE49-F238E27FC236}">
-                  <a16:creationId xmlns:a16="http://schemas.microsoft.com/office/drawing/2014/main" xmlns="" id="{40A89D73-78E9-43D5-9346-924EA4FB08C8}"/>
+                  <a16:creationId xmlns="" xmlns:a16="http://schemas.microsoft.com/office/drawing/2014/main" id="{40A89D73-78E9-43D5-9346-924EA4FB08C8}"/>
                 </a:ext>
               </a:extLst>
             </p:cNvPr>
@@ -15960,7 +17050,7 @@
             <p:cNvPr id="28" name="Oval 27">
               <a:extLst>
                 <a:ext uri="{FF2B5EF4-FFF2-40B4-BE49-F238E27FC236}">
-                  <a16:creationId xmlns:a16="http://schemas.microsoft.com/office/drawing/2014/main" xmlns="" id="{78555CA8-3ABD-481D-8773-85321E6D94BC}"/>
+                  <a16:creationId xmlns="" xmlns:a16="http://schemas.microsoft.com/office/drawing/2014/main" id="{78555CA8-3ABD-481D-8773-85321E6D94BC}"/>
                 </a:ext>
               </a:extLst>
             </p:cNvPr>
@@ -16016,7 +17106,7 @@
             <p:cNvPr id="29" name="Straight Arrow Connector 28">
               <a:extLst>
                 <a:ext uri="{FF2B5EF4-FFF2-40B4-BE49-F238E27FC236}">
-                  <a16:creationId xmlns:a16="http://schemas.microsoft.com/office/drawing/2014/main" xmlns="" id="{A47DAD0E-84A7-48D4-BBEA-C8FA08AF368E}"/>
+                  <a16:creationId xmlns="" xmlns:a16="http://schemas.microsoft.com/office/drawing/2014/main" id="{A47DAD0E-84A7-48D4-BBEA-C8FA08AF368E}"/>
                 </a:ext>
               </a:extLst>
             </p:cNvPr>
@@ -16062,7 +17152,7 @@
             <p:cNvPr id="30" name="Oval 29">
               <a:extLst>
                 <a:ext uri="{FF2B5EF4-FFF2-40B4-BE49-F238E27FC236}">
-                  <a16:creationId xmlns:a16="http://schemas.microsoft.com/office/drawing/2014/main" xmlns="" id="{78555CA8-3ABD-481D-8773-85321E6D94BC}"/>
+                  <a16:creationId xmlns="" xmlns:a16="http://schemas.microsoft.com/office/drawing/2014/main" id="{78555CA8-3ABD-481D-8773-85321E6D94BC}"/>
                 </a:ext>
               </a:extLst>
             </p:cNvPr>
@@ -16118,7 +17208,7 @@
             <p:cNvPr id="31" name="Straight Arrow Connector 30">
               <a:extLst>
                 <a:ext uri="{FF2B5EF4-FFF2-40B4-BE49-F238E27FC236}">
-                  <a16:creationId xmlns:a16="http://schemas.microsoft.com/office/drawing/2014/main" xmlns="" id="{A47DAD0E-84A7-48D4-BBEA-C8FA08AF368E}"/>
+                  <a16:creationId xmlns="" xmlns:a16="http://schemas.microsoft.com/office/drawing/2014/main" id="{A47DAD0E-84A7-48D4-BBEA-C8FA08AF368E}"/>
                 </a:ext>
               </a:extLst>
             </p:cNvPr>
@@ -16164,7 +17254,7 @@
             <p:cNvPr id="32" name="Oval 31">
               <a:extLst>
                 <a:ext uri="{FF2B5EF4-FFF2-40B4-BE49-F238E27FC236}">
-                  <a16:creationId xmlns:a16="http://schemas.microsoft.com/office/drawing/2014/main" xmlns="" id="{78555CA8-3ABD-481D-8773-85321E6D94BC}"/>
+                  <a16:creationId xmlns="" xmlns:a16="http://schemas.microsoft.com/office/drawing/2014/main" id="{78555CA8-3ABD-481D-8773-85321E6D94BC}"/>
                 </a:ext>
               </a:extLst>
             </p:cNvPr>
@@ -16220,7 +17310,7 @@
             <p:cNvPr id="33" name="Straight Arrow Connector 32">
               <a:extLst>
                 <a:ext uri="{FF2B5EF4-FFF2-40B4-BE49-F238E27FC236}">
-                  <a16:creationId xmlns:a16="http://schemas.microsoft.com/office/drawing/2014/main" xmlns="" id="{A47DAD0E-84A7-48D4-BBEA-C8FA08AF368E}"/>
+                  <a16:creationId xmlns="" xmlns:a16="http://schemas.microsoft.com/office/drawing/2014/main" id="{A47DAD0E-84A7-48D4-BBEA-C8FA08AF368E}"/>
                 </a:ext>
               </a:extLst>
             </p:cNvPr>
@@ -16266,7 +17356,7 @@
             <p:cNvPr id="34" name="Oval 33">
               <a:extLst>
                 <a:ext uri="{FF2B5EF4-FFF2-40B4-BE49-F238E27FC236}">
-                  <a16:creationId xmlns:a16="http://schemas.microsoft.com/office/drawing/2014/main" xmlns="" id="{78555CA8-3ABD-481D-8773-85321E6D94BC}"/>
+                  <a16:creationId xmlns="" xmlns:a16="http://schemas.microsoft.com/office/drawing/2014/main" id="{78555CA8-3ABD-481D-8773-85321E6D94BC}"/>
                 </a:ext>
               </a:extLst>
             </p:cNvPr>
@@ -16322,7 +17412,7 @@
             <p:cNvPr id="35" name="Straight Arrow Connector 34">
               <a:extLst>
                 <a:ext uri="{FF2B5EF4-FFF2-40B4-BE49-F238E27FC236}">
-                  <a16:creationId xmlns:a16="http://schemas.microsoft.com/office/drawing/2014/main" xmlns="" id="{A47DAD0E-84A7-48D4-BBEA-C8FA08AF368E}"/>
+                  <a16:creationId xmlns="" xmlns:a16="http://schemas.microsoft.com/office/drawing/2014/main" id="{A47DAD0E-84A7-48D4-BBEA-C8FA08AF368E}"/>
                 </a:ext>
               </a:extLst>
             </p:cNvPr>
@@ -16368,7 +17458,7 @@
             <p:cNvPr id="36" name="Oval 35">
               <a:extLst>
                 <a:ext uri="{FF2B5EF4-FFF2-40B4-BE49-F238E27FC236}">
-                  <a16:creationId xmlns:a16="http://schemas.microsoft.com/office/drawing/2014/main" xmlns="" id="{78555CA8-3ABD-481D-8773-85321E6D94BC}"/>
+                  <a16:creationId xmlns="" xmlns:a16="http://schemas.microsoft.com/office/drawing/2014/main" id="{78555CA8-3ABD-481D-8773-85321E6D94BC}"/>
                 </a:ext>
               </a:extLst>
             </p:cNvPr>
@@ -16424,7 +17514,7 @@
             <p:cNvPr id="37" name="Straight Arrow Connector 36">
               <a:extLst>
                 <a:ext uri="{FF2B5EF4-FFF2-40B4-BE49-F238E27FC236}">
-                  <a16:creationId xmlns:a16="http://schemas.microsoft.com/office/drawing/2014/main" xmlns="" id="{A47DAD0E-84A7-48D4-BBEA-C8FA08AF368E}"/>
+                  <a16:creationId xmlns="" xmlns:a16="http://schemas.microsoft.com/office/drawing/2014/main" id="{A47DAD0E-84A7-48D4-BBEA-C8FA08AF368E}"/>
                 </a:ext>
               </a:extLst>
             </p:cNvPr>
@@ -16470,7 +17560,7 @@
             <p:cNvPr id="38" name="Straight Arrow Connector 37">
               <a:extLst>
                 <a:ext uri="{FF2B5EF4-FFF2-40B4-BE49-F238E27FC236}">
-                  <a16:creationId xmlns:a16="http://schemas.microsoft.com/office/drawing/2014/main" xmlns="" id="{A47DAD0E-84A7-48D4-BBEA-C8FA08AF368E}"/>
+                  <a16:creationId xmlns="" xmlns:a16="http://schemas.microsoft.com/office/drawing/2014/main" id="{A47DAD0E-84A7-48D4-BBEA-C8FA08AF368E}"/>
                 </a:ext>
               </a:extLst>
             </p:cNvPr>
@@ -16557,7 +17647,7 @@
           <p:cNvPr id="2" name="Title 1">
             <a:extLst>
               <a:ext uri="{FF2B5EF4-FFF2-40B4-BE49-F238E27FC236}">
-                <a16:creationId xmlns:a16="http://schemas.microsoft.com/office/drawing/2014/main" xmlns="" id="{C14F0455-9ED9-4652-8FD6-9C284BE2F092}"/>
+                <a16:creationId xmlns="" xmlns:a16="http://schemas.microsoft.com/office/drawing/2014/main" id="{C14F0455-9ED9-4652-8FD6-9C284BE2F092}"/>
               </a:ext>
             </a:extLst>
           </p:cNvPr>
@@ -16590,7 +17680,7 @@
           <p:cNvPr id="3" name="Text Placeholder 2">
             <a:extLst>
               <a:ext uri="{FF2B5EF4-FFF2-40B4-BE49-F238E27FC236}">
-                <a16:creationId xmlns:a16="http://schemas.microsoft.com/office/drawing/2014/main" xmlns="" id="{8136025E-6B8D-4575-9E2B-B0AAB8CAC233}"/>
+                <a16:creationId xmlns="" xmlns:a16="http://schemas.microsoft.com/office/drawing/2014/main" id="{8136025E-6B8D-4575-9E2B-B0AAB8CAC233}"/>
               </a:ext>
             </a:extLst>
           </p:cNvPr>
@@ -16747,7 +17837,7 @@
             <p:cNvPr id="24" name="Oval 23">
               <a:extLst>
                 <a:ext uri="{FF2B5EF4-FFF2-40B4-BE49-F238E27FC236}">
-                  <a16:creationId xmlns:a16="http://schemas.microsoft.com/office/drawing/2014/main" xmlns="" id="{A8539DB9-3193-446D-AAD0-3F53798A7C20}"/>
+                  <a16:creationId xmlns="" xmlns:a16="http://schemas.microsoft.com/office/drawing/2014/main" id="{A8539DB9-3193-446D-AAD0-3F53798A7C20}"/>
                 </a:ext>
               </a:extLst>
             </p:cNvPr>
@@ -16803,7 +17893,7 @@
             <p:cNvPr id="26" name="Straight Arrow Connector 25">
               <a:extLst>
                 <a:ext uri="{FF2B5EF4-FFF2-40B4-BE49-F238E27FC236}">
-                  <a16:creationId xmlns:a16="http://schemas.microsoft.com/office/drawing/2014/main" xmlns="" id="{AEF8D433-30C4-4661-9F69-97B852EC189C}"/>
+                  <a16:creationId xmlns="" xmlns:a16="http://schemas.microsoft.com/office/drawing/2014/main" id="{AEF8D433-30C4-4661-9F69-97B852EC189C}"/>
                 </a:ext>
               </a:extLst>
             </p:cNvPr>
@@ -16848,7 +17938,7 @@
             <p:cNvPr id="27" name="TextBox 26">
               <a:extLst>
                 <a:ext uri="{FF2B5EF4-FFF2-40B4-BE49-F238E27FC236}">
-                  <a16:creationId xmlns:a16="http://schemas.microsoft.com/office/drawing/2014/main" xmlns="" id="{40A89D73-78E9-43D5-9346-924EA4FB08C8}"/>
+                  <a16:creationId xmlns="" xmlns:a16="http://schemas.microsoft.com/office/drawing/2014/main" id="{40A89D73-78E9-43D5-9346-924EA4FB08C8}"/>
                 </a:ext>
               </a:extLst>
             </p:cNvPr>
@@ -16890,7 +17980,7 @@
             <p:cNvPr id="28" name="Oval 27">
               <a:extLst>
                 <a:ext uri="{FF2B5EF4-FFF2-40B4-BE49-F238E27FC236}">
-                  <a16:creationId xmlns:a16="http://schemas.microsoft.com/office/drawing/2014/main" xmlns="" id="{78555CA8-3ABD-481D-8773-85321E6D94BC}"/>
+                  <a16:creationId xmlns="" xmlns:a16="http://schemas.microsoft.com/office/drawing/2014/main" id="{78555CA8-3ABD-481D-8773-85321E6D94BC}"/>
                 </a:ext>
               </a:extLst>
             </p:cNvPr>
@@ -16946,7 +18036,7 @@
             <p:cNvPr id="29" name="Straight Arrow Connector 28">
               <a:extLst>
                 <a:ext uri="{FF2B5EF4-FFF2-40B4-BE49-F238E27FC236}">
-                  <a16:creationId xmlns:a16="http://schemas.microsoft.com/office/drawing/2014/main" xmlns="" id="{A47DAD0E-84A7-48D4-BBEA-C8FA08AF368E}"/>
+                  <a16:creationId xmlns="" xmlns:a16="http://schemas.microsoft.com/office/drawing/2014/main" id="{A47DAD0E-84A7-48D4-BBEA-C8FA08AF368E}"/>
                 </a:ext>
               </a:extLst>
             </p:cNvPr>
@@ -16992,7 +18082,7 @@
             <p:cNvPr id="30" name="Oval 29">
               <a:extLst>
                 <a:ext uri="{FF2B5EF4-FFF2-40B4-BE49-F238E27FC236}">
-                  <a16:creationId xmlns:a16="http://schemas.microsoft.com/office/drawing/2014/main" xmlns="" id="{78555CA8-3ABD-481D-8773-85321E6D94BC}"/>
+                  <a16:creationId xmlns="" xmlns:a16="http://schemas.microsoft.com/office/drawing/2014/main" id="{78555CA8-3ABD-481D-8773-85321E6D94BC}"/>
                 </a:ext>
               </a:extLst>
             </p:cNvPr>
@@ -17048,7 +18138,7 @@
             <p:cNvPr id="31" name="Straight Arrow Connector 30">
               <a:extLst>
                 <a:ext uri="{FF2B5EF4-FFF2-40B4-BE49-F238E27FC236}">
-                  <a16:creationId xmlns:a16="http://schemas.microsoft.com/office/drawing/2014/main" xmlns="" id="{A47DAD0E-84A7-48D4-BBEA-C8FA08AF368E}"/>
+                  <a16:creationId xmlns="" xmlns:a16="http://schemas.microsoft.com/office/drawing/2014/main" id="{A47DAD0E-84A7-48D4-BBEA-C8FA08AF368E}"/>
                 </a:ext>
               </a:extLst>
             </p:cNvPr>
@@ -17094,7 +18184,7 @@
             <p:cNvPr id="32" name="Oval 31">
               <a:extLst>
                 <a:ext uri="{FF2B5EF4-FFF2-40B4-BE49-F238E27FC236}">
-                  <a16:creationId xmlns:a16="http://schemas.microsoft.com/office/drawing/2014/main" xmlns="" id="{78555CA8-3ABD-481D-8773-85321E6D94BC}"/>
+                  <a16:creationId xmlns="" xmlns:a16="http://schemas.microsoft.com/office/drawing/2014/main" id="{78555CA8-3ABD-481D-8773-85321E6D94BC}"/>
                 </a:ext>
               </a:extLst>
             </p:cNvPr>
@@ -17150,7 +18240,7 @@
             <p:cNvPr id="33" name="Straight Arrow Connector 32">
               <a:extLst>
                 <a:ext uri="{FF2B5EF4-FFF2-40B4-BE49-F238E27FC236}">
-                  <a16:creationId xmlns:a16="http://schemas.microsoft.com/office/drawing/2014/main" xmlns="" id="{A47DAD0E-84A7-48D4-BBEA-C8FA08AF368E}"/>
+                  <a16:creationId xmlns="" xmlns:a16="http://schemas.microsoft.com/office/drawing/2014/main" id="{A47DAD0E-84A7-48D4-BBEA-C8FA08AF368E}"/>
                 </a:ext>
               </a:extLst>
             </p:cNvPr>
@@ -17196,7 +18286,7 @@
             <p:cNvPr id="34" name="Oval 33">
               <a:extLst>
                 <a:ext uri="{FF2B5EF4-FFF2-40B4-BE49-F238E27FC236}">
-                  <a16:creationId xmlns:a16="http://schemas.microsoft.com/office/drawing/2014/main" xmlns="" id="{78555CA8-3ABD-481D-8773-85321E6D94BC}"/>
+                  <a16:creationId xmlns="" xmlns:a16="http://schemas.microsoft.com/office/drawing/2014/main" id="{78555CA8-3ABD-481D-8773-85321E6D94BC}"/>
                 </a:ext>
               </a:extLst>
             </p:cNvPr>
@@ -17252,7 +18342,7 @@
             <p:cNvPr id="35" name="Straight Arrow Connector 34">
               <a:extLst>
                 <a:ext uri="{FF2B5EF4-FFF2-40B4-BE49-F238E27FC236}">
-                  <a16:creationId xmlns:a16="http://schemas.microsoft.com/office/drawing/2014/main" xmlns="" id="{A47DAD0E-84A7-48D4-BBEA-C8FA08AF368E}"/>
+                  <a16:creationId xmlns="" xmlns:a16="http://schemas.microsoft.com/office/drawing/2014/main" id="{A47DAD0E-84A7-48D4-BBEA-C8FA08AF368E}"/>
                 </a:ext>
               </a:extLst>
             </p:cNvPr>
@@ -17298,7 +18388,7 @@
             <p:cNvPr id="36" name="Oval 35">
               <a:extLst>
                 <a:ext uri="{FF2B5EF4-FFF2-40B4-BE49-F238E27FC236}">
-                  <a16:creationId xmlns:a16="http://schemas.microsoft.com/office/drawing/2014/main" xmlns="" id="{78555CA8-3ABD-481D-8773-85321E6D94BC}"/>
+                  <a16:creationId xmlns="" xmlns:a16="http://schemas.microsoft.com/office/drawing/2014/main" id="{78555CA8-3ABD-481D-8773-85321E6D94BC}"/>
                 </a:ext>
               </a:extLst>
             </p:cNvPr>
@@ -17354,7 +18444,7 @@
             <p:cNvPr id="37" name="Straight Arrow Connector 36">
               <a:extLst>
                 <a:ext uri="{FF2B5EF4-FFF2-40B4-BE49-F238E27FC236}">
-                  <a16:creationId xmlns:a16="http://schemas.microsoft.com/office/drawing/2014/main" xmlns="" id="{A47DAD0E-84A7-48D4-BBEA-C8FA08AF368E}"/>
+                  <a16:creationId xmlns="" xmlns:a16="http://schemas.microsoft.com/office/drawing/2014/main" id="{A47DAD0E-84A7-48D4-BBEA-C8FA08AF368E}"/>
                 </a:ext>
               </a:extLst>
             </p:cNvPr>
@@ -17400,7 +18490,7 @@
             <p:cNvPr id="38" name="Straight Arrow Connector 37">
               <a:extLst>
                 <a:ext uri="{FF2B5EF4-FFF2-40B4-BE49-F238E27FC236}">
-                  <a16:creationId xmlns:a16="http://schemas.microsoft.com/office/drawing/2014/main" xmlns="" id="{A47DAD0E-84A7-48D4-BBEA-C8FA08AF368E}"/>
+                  <a16:creationId xmlns="" xmlns:a16="http://schemas.microsoft.com/office/drawing/2014/main" id="{A47DAD0E-84A7-48D4-BBEA-C8FA08AF368E}"/>
                 </a:ext>
               </a:extLst>
             </p:cNvPr>
@@ -17461,7 +18551,7 @@
             <p:cNvPr id="40" name="Oval 39">
               <a:extLst>
                 <a:ext uri="{FF2B5EF4-FFF2-40B4-BE49-F238E27FC236}">
-                  <a16:creationId xmlns:a16="http://schemas.microsoft.com/office/drawing/2014/main" xmlns="" id="{A8539DB9-3193-446D-AAD0-3F53798A7C20}"/>
+                  <a16:creationId xmlns="" xmlns:a16="http://schemas.microsoft.com/office/drawing/2014/main" id="{A8539DB9-3193-446D-AAD0-3F53798A7C20}"/>
                 </a:ext>
               </a:extLst>
             </p:cNvPr>
@@ -17517,7 +18607,7 @@
             <p:cNvPr id="41" name="Straight Arrow Connector 40">
               <a:extLst>
                 <a:ext uri="{FF2B5EF4-FFF2-40B4-BE49-F238E27FC236}">
-                  <a16:creationId xmlns:a16="http://schemas.microsoft.com/office/drawing/2014/main" xmlns="" id="{AEF8D433-30C4-4661-9F69-97B852EC189C}"/>
+                  <a16:creationId xmlns="" xmlns:a16="http://schemas.microsoft.com/office/drawing/2014/main" id="{AEF8D433-30C4-4661-9F69-97B852EC189C}"/>
                 </a:ext>
               </a:extLst>
             </p:cNvPr>
@@ -17562,7 +18652,7 @@
             <p:cNvPr id="42" name="TextBox 41">
               <a:extLst>
                 <a:ext uri="{FF2B5EF4-FFF2-40B4-BE49-F238E27FC236}">
-                  <a16:creationId xmlns:a16="http://schemas.microsoft.com/office/drawing/2014/main" xmlns="" id="{40A89D73-78E9-43D5-9346-924EA4FB08C8}"/>
+                  <a16:creationId xmlns="" xmlns:a16="http://schemas.microsoft.com/office/drawing/2014/main" id="{40A89D73-78E9-43D5-9346-924EA4FB08C8}"/>
                 </a:ext>
               </a:extLst>
             </p:cNvPr>
@@ -17604,7 +18694,7 @@
             <p:cNvPr id="43" name="Oval 42">
               <a:extLst>
                 <a:ext uri="{FF2B5EF4-FFF2-40B4-BE49-F238E27FC236}">
-                  <a16:creationId xmlns:a16="http://schemas.microsoft.com/office/drawing/2014/main" xmlns="" id="{78555CA8-3ABD-481D-8773-85321E6D94BC}"/>
+                  <a16:creationId xmlns="" xmlns:a16="http://schemas.microsoft.com/office/drawing/2014/main" id="{78555CA8-3ABD-481D-8773-85321E6D94BC}"/>
                 </a:ext>
               </a:extLst>
             </p:cNvPr>
@@ -17660,7 +18750,7 @@
             <p:cNvPr id="44" name="Straight Arrow Connector 43">
               <a:extLst>
                 <a:ext uri="{FF2B5EF4-FFF2-40B4-BE49-F238E27FC236}">
-                  <a16:creationId xmlns:a16="http://schemas.microsoft.com/office/drawing/2014/main" xmlns="" id="{A47DAD0E-84A7-48D4-BBEA-C8FA08AF368E}"/>
+                  <a16:creationId xmlns="" xmlns:a16="http://schemas.microsoft.com/office/drawing/2014/main" id="{A47DAD0E-84A7-48D4-BBEA-C8FA08AF368E}"/>
                 </a:ext>
               </a:extLst>
             </p:cNvPr>
@@ -17706,7 +18796,7 @@
             <p:cNvPr id="45" name="Oval 44">
               <a:extLst>
                 <a:ext uri="{FF2B5EF4-FFF2-40B4-BE49-F238E27FC236}">
-                  <a16:creationId xmlns:a16="http://schemas.microsoft.com/office/drawing/2014/main" xmlns="" id="{78555CA8-3ABD-481D-8773-85321E6D94BC}"/>
+                  <a16:creationId xmlns="" xmlns:a16="http://schemas.microsoft.com/office/drawing/2014/main" id="{78555CA8-3ABD-481D-8773-85321E6D94BC}"/>
                 </a:ext>
               </a:extLst>
             </p:cNvPr>
@@ -17762,7 +18852,7 @@
             <p:cNvPr id="46" name="Straight Arrow Connector 45">
               <a:extLst>
                 <a:ext uri="{FF2B5EF4-FFF2-40B4-BE49-F238E27FC236}">
-                  <a16:creationId xmlns:a16="http://schemas.microsoft.com/office/drawing/2014/main" xmlns="" id="{A47DAD0E-84A7-48D4-BBEA-C8FA08AF368E}"/>
+                  <a16:creationId xmlns="" xmlns:a16="http://schemas.microsoft.com/office/drawing/2014/main" id="{A47DAD0E-84A7-48D4-BBEA-C8FA08AF368E}"/>
                 </a:ext>
               </a:extLst>
             </p:cNvPr>
@@ -17808,7 +18898,7 @@
             <p:cNvPr id="47" name="Oval 46">
               <a:extLst>
                 <a:ext uri="{FF2B5EF4-FFF2-40B4-BE49-F238E27FC236}">
-                  <a16:creationId xmlns:a16="http://schemas.microsoft.com/office/drawing/2014/main" xmlns="" id="{78555CA8-3ABD-481D-8773-85321E6D94BC}"/>
+                  <a16:creationId xmlns="" xmlns:a16="http://schemas.microsoft.com/office/drawing/2014/main" id="{78555CA8-3ABD-481D-8773-85321E6D94BC}"/>
                 </a:ext>
               </a:extLst>
             </p:cNvPr>
@@ -17864,7 +18954,7 @@
             <p:cNvPr id="48" name="Straight Arrow Connector 47">
               <a:extLst>
                 <a:ext uri="{FF2B5EF4-FFF2-40B4-BE49-F238E27FC236}">
-                  <a16:creationId xmlns:a16="http://schemas.microsoft.com/office/drawing/2014/main" xmlns="" id="{A47DAD0E-84A7-48D4-BBEA-C8FA08AF368E}"/>
+                  <a16:creationId xmlns="" xmlns:a16="http://schemas.microsoft.com/office/drawing/2014/main" id="{A47DAD0E-84A7-48D4-BBEA-C8FA08AF368E}"/>
                 </a:ext>
               </a:extLst>
             </p:cNvPr>
@@ -17910,7 +19000,7 @@
             <p:cNvPr id="49" name="Oval 48">
               <a:extLst>
                 <a:ext uri="{FF2B5EF4-FFF2-40B4-BE49-F238E27FC236}">
-                  <a16:creationId xmlns:a16="http://schemas.microsoft.com/office/drawing/2014/main" xmlns="" id="{78555CA8-3ABD-481D-8773-85321E6D94BC}"/>
+                  <a16:creationId xmlns="" xmlns:a16="http://schemas.microsoft.com/office/drawing/2014/main" id="{78555CA8-3ABD-481D-8773-85321E6D94BC}"/>
                 </a:ext>
               </a:extLst>
             </p:cNvPr>
@@ -17966,7 +19056,7 @@
             <p:cNvPr id="50" name="Straight Arrow Connector 49">
               <a:extLst>
                 <a:ext uri="{FF2B5EF4-FFF2-40B4-BE49-F238E27FC236}">
-                  <a16:creationId xmlns:a16="http://schemas.microsoft.com/office/drawing/2014/main" xmlns="" id="{A47DAD0E-84A7-48D4-BBEA-C8FA08AF368E}"/>
+                  <a16:creationId xmlns="" xmlns:a16="http://schemas.microsoft.com/office/drawing/2014/main" id="{A47DAD0E-84A7-48D4-BBEA-C8FA08AF368E}"/>
                 </a:ext>
               </a:extLst>
             </p:cNvPr>
@@ -18149,7 +19239,7 @@
             <p:cNvPr id="51" name="Oval 50">
               <a:extLst>
                 <a:ext uri="{FF2B5EF4-FFF2-40B4-BE49-F238E27FC236}">
-                  <a16:creationId xmlns:a16="http://schemas.microsoft.com/office/drawing/2014/main" xmlns="" id="{A8539DB9-3193-446D-AAD0-3F53798A7C20}"/>
+                  <a16:creationId xmlns="" xmlns:a16="http://schemas.microsoft.com/office/drawing/2014/main" id="{A8539DB9-3193-446D-AAD0-3F53798A7C20}"/>
                 </a:ext>
               </a:extLst>
             </p:cNvPr>
@@ -18205,7 +19295,7 @@
             <p:cNvPr id="52" name="Straight Arrow Connector 51">
               <a:extLst>
                 <a:ext uri="{FF2B5EF4-FFF2-40B4-BE49-F238E27FC236}">
-                  <a16:creationId xmlns:a16="http://schemas.microsoft.com/office/drawing/2014/main" xmlns="" id="{AEF8D433-30C4-4661-9F69-97B852EC189C}"/>
+                  <a16:creationId xmlns="" xmlns:a16="http://schemas.microsoft.com/office/drawing/2014/main" id="{AEF8D433-30C4-4661-9F69-97B852EC189C}"/>
                 </a:ext>
               </a:extLst>
             </p:cNvPr>
@@ -18250,7 +19340,7 @@
             <p:cNvPr id="53" name="TextBox 52">
               <a:extLst>
                 <a:ext uri="{FF2B5EF4-FFF2-40B4-BE49-F238E27FC236}">
-                  <a16:creationId xmlns:a16="http://schemas.microsoft.com/office/drawing/2014/main" xmlns="" id="{40A89D73-78E9-43D5-9346-924EA4FB08C8}"/>
+                  <a16:creationId xmlns="" xmlns:a16="http://schemas.microsoft.com/office/drawing/2014/main" id="{40A89D73-78E9-43D5-9346-924EA4FB08C8}"/>
                 </a:ext>
               </a:extLst>
             </p:cNvPr>
@@ -18292,7 +19382,7 @@
             <p:cNvPr id="54" name="Oval 53">
               <a:extLst>
                 <a:ext uri="{FF2B5EF4-FFF2-40B4-BE49-F238E27FC236}">
-                  <a16:creationId xmlns:a16="http://schemas.microsoft.com/office/drawing/2014/main" xmlns="" id="{78555CA8-3ABD-481D-8773-85321E6D94BC}"/>
+                  <a16:creationId xmlns="" xmlns:a16="http://schemas.microsoft.com/office/drawing/2014/main" id="{78555CA8-3ABD-481D-8773-85321E6D94BC}"/>
                 </a:ext>
               </a:extLst>
             </p:cNvPr>
@@ -18348,7 +19438,7 @@
             <p:cNvPr id="55" name="Straight Arrow Connector 54">
               <a:extLst>
                 <a:ext uri="{FF2B5EF4-FFF2-40B4-BE49-F238E27FC236}">
-                  <a16:creationId xmlns:a16="http://schemas.microsoft.com/office/drawing/2014/main" xmlns="" id="{A47DAD0E-84A7-48D4-BBEA-C8FA08AF368E}"/>
+                  <a16:creationId xmlns="" xmlns:a16="http://schemas.microsoft.com/office/drawing/2014/main" id="{A47DAD0E-84A7-48D4-BBEA-C8FA08AF368E}"/>
                 </a:ext>
               </a:extLst>
             </p:cNvPr>
@@ -18394,7 +19484,7 @@
             <p:cNvPr id="56" name="Oval 55">
               <a:extLst>
                 <a:ext uri="{FF2B5EF4-FFF2-40B4-BE49-F238E27FC236}">
-                  <a16:creationId xmlns:a16="http://schemas.microsoft.com/office/drawing/2014/main" xmlns="" id="{78555CA8-3ABD-481D-8773-85321E6D94BC}"/>
+                  <a16:creationId xmlns="" xmlns:a16="http://schemas.microsoft.com/office/drawing/2014/main" id="{78555CA8-3ABD-481D-8773-85321E6D94BC}"/>
                 </a:ext>
               </a:extLst>
             </p:cNvPr>
@@ -18450,7 +19540,7 @@
             <p:cNvPr id="57" name="Straight Arrow Connector 56">
               <a:extLst>
                 <a:ext uri="{FF2B5EF4-FFF2-40B4-BE49-F238E27FC236}">
-                  <a16:creationId xmlns:a16="http://schemas.microsoft.com/office/drawing/2014/main" xmlns="" id="{A47DAD0E-84A7-48D4-BBEA-C8FA08AF368E}"/>
+                  <a16:creationId xmlns="" xmlns:a16="http://schemas.microsoft.com/office/drawing/2014/main" id="{A47DAD0E-84A7-48D4-BBEA-C8FA08AF368E}"/>
                 </a:ext>
               </a:extLst>
             </p:cNvPr>
@@ -18496,7 +19586,7 @@
             <p:cNvPr id="58" name="Oval 57">
               <a:extLst>
                 <a:ext uri="{FF2B5EF4-FFF2-40B4-BE49-F238E27FC236}">
-                  <a16:creationId xmlns:a16="http://schemas.microsoft.com/office/drawing/2014/main" xmlns="" id="{78555CA8-3ABD-481D-8773-85321E6D94BC}"/>
+                  <a16:creationId xmlns="" xmlns:a16="http://schemas.microsoft.com/office/drawing/2014/main" id="{78555CA8-3ABD-481D-8773-85321E6D94BC}"/>
                 </a:ext>
               </a:extLst>
             </p:cNvPr>
@@ -18552,7 +19642,7 @@
             <p:cNvPr id="59" name="Straight Arrow Connector 58">
               <a:extLst>
                 <a:ext uri="{FF2B5EF4-FFF2-40B4-BE49-F238E27FC236}">
-                  <a16:creationId xmlns:a16="http://schemas.microsoft.com/office/drawing/2014/main" xmlns="" id="{A47DAD0E-84A7-48D4-BBEA-C8FA08AF368E}"/>
+                  <a16:creationId xmlns="" xmlns:a16="http://schemas.microsoft.com/office/drawing/2014/main" id="{A47DAD0E-84A7-48D4-BBEA-C8FA08AF368E}"/>
                 </a:ext>
               </a:extLst>
             </p:cNvPr>
@@ -18598,7 +19688,7 @@
             <p:cNvPr id="60" name="Oval 59">
               <a:extLst>
                 <a:ext uri="{FF2B5EF4-FFF2-40B4-BE49-F238E27FC236}">
-                  <a16:creationId xmlns:a16="http://schemas.microsoft.com/office/drawing/2014/main" xmlns="" id="{78555CA8-3ABD-481D-8773-85321E6D94BC}"/>
+                  <a16:creationId xmlns="" xmlns:a16="http://schemas.microsoft.com/office/drawing/2014/main" id="{78555CA8-3ABD-481D-8773-85321E6D94BC}"/>
                 </a:ext>
               </a:extLst>
             </p:cNvPr>
@@ -18654,7 +19744,7 @@
             <p:cNvPr id="61" name="Straight Arrow Connector 60">
               <a:extLst>
                 <a:ext uri="{FF2B5EF4-FFF2-40B4-BE49-F238E27FC236}">
-                  <a16:creationId xmlns:a16="http://schemas.microsoft.com/office/drawing/2014/main" xmlns="" id="{A47DAD0E-84A7-48D4-BBEA-C8FA08AF368E}"/>
+                  <a16:creationId xmlns="" xmlns:a16="http://schemas.microsoft.com/office/drawing/2014/main" id="{A47DAD0E-84A7-48D4-BBEA-C8FA08AF368E}"/>
                 </a:ext>
               </a:extLst>
             </p:cNvPr>
@@ -18741,7 +19831,7 @@
           <p:cNvPr id="2" name="Title 1">
             <a:extLst>
               <a:ext uri="{FF2B5EF4-FFF2-40B4-BE49-F238E27FC236}">
-                <a16:creationId xmlns:a16="http://schemas.microsoft.com/office/drawing/2014/main" xmlns="" id="{C14F0455-9ED9-4652-8FD6-9C284BE2F092}"/>
+                <a16:creationId xmlns="" xmlns:a16="http://schemas.microsoft.com/office/drawing/2014/main" id="{C14F0455-9ED9-4652-8FD6-9C284BE2F092}"/>
               </a:ext>
             </a:extLst>
           </p:cNvPr>
@@ -18774,7 +19864,7 @@
           <p:cNvPr id="3" name="Text Placeholder 2">
             <a:extLst>
               <a:ext uri="{FF2B5EF4-FFF2-40B4-BE49-F238E27FC236}">
-                <a16:creationId xmlns:a16="http://schemas.microsoft.com/office/drawing/2014/main" xmlns="" id="{8136025E-6B8D-4575-9E2B-B0AAB8CAC233}"/>
+                <a16:creationId xmlns="" xmlns:a16="http://schemas.microsoft.com/office/drawing/2014/main" id="{8136025E-6B8D-4575-9E2B-B0AAB8CAC233}"/>
               </a:ext>
             </a:extLst>
           </p:cNvPr>
@@ -18935,7 +20025,7 @@
             <p:cNvPr id="51" name="Oval 50">
               <a:extLst>
                 <a:ext uri="{FF2B5EF4-FFF2-40B4-BE49-F238E27FC236}">
-                  <a16:creationId xmlns:a16="http://schemas.microsoft.com/office/drawing/2014/main" xmlns="" id="{A8539DB9-3193-446D-AAD0-3F53798A7C20}"/>
+                  <a16:creationId xmlns="" xmlns:a16="http://schemas.microsoft.com/office/drawing/2014/main" id="{A8539DB9-3193-446D-AAD0-3F53798A7C20}"/>
                 </a:ext>
               </a:extLst>
             </p:cNvPr>
@@ -18991,7 +20081,7 @@
             <p:cNvPr id="52" name="Straight Arrow Connector 51">
               <a:extLst>
                 <a:ext uri="{FF2B5EF4-FFF2-40B4-BE49-F238E27FC236}">
-                  <a16:creationId xmlns:a16="http://schemas.microsoft.com/office/drawing/2014/main" xmlns="" id="{AEF8D433-30C4-4661-9F69-97B852EC189C}"/>
+                  <a16:creationId xmlns="" xmlns:a16="http://schemas.microsoft.com/office/drawing/2014/main" id="{AEF8D433-30C4-4661-9F69-97B852EC189C}"/>
                 </a:ext>
               </a:extLst>
             </p:cNvPr>
@@ -19036,7 +20126,7 @@
             <p:cNvPr id="53" name="TextBox 52">
               <a:extLst>
                 <a:ext uri="{FF2B5EF4-FFF2-40B4-BE49-F238E27FC236}">
-                  <a16:creationId xmlns:a16="http://schemas.microsoft.com/office/drawing/2014/main" xmlns="" id="{40A89D73-78E9-43D5-9346-924EA4FB08C8}"/>
+                  <a16:creationId xmlns="" xmlns:a16="http://schemas.microsoft.com/office/drawing/2014/main" id="{40A89D73-78E9-43D5-9346-924EA4FB08C8}"/>
                 </a:ext>
               </a:extLst>
             </p:cNvPr>
@@ -19078,7 +20168,7 @@
             <p:cNvPr id="54" name="Oval 53">
               <a:extLst>
                 <a:ext uri="{FF2B5EF4-FFF2-40B4-BE49-F238E27FC236}">
-                  <a16:creationId xmlns:a16="http://schemas.microsoft.com/office/drawing/2014/main" xmlns="" id="{78555CA8-3ABD-481D-8773-85321E6D94BC}"/>
+                  <a16:creationId xmlns="" xmlns:a16="http://schemas.microsoft.com/office/drawing/2014/main" id="{78555CA8-3ABD-481D-8773-85321E6D94BC}"/>
                 </a:ext>
               </a:extLst>
             </p:cNvPr>
@@ -19134,7 +20224,7 @@
             <p:cNvPr id="55" name="Straight Arrow Connector 54">
               <a:extLst>
                 <a:ext uri="{FF2B5EF4-FFF2-40B4-BE49-F238E27FC236}">
-                  <a16:creationId xmlns:a16="http://schemas.microsoft.com/office/drawing/2014/main" xmlns="" id="{A47DAD0E-84A7-48D4-BBEA-C8FA08AF368E}"/>
+                  <a16:creationId xmlns="" xmlns:a16="http://schemas.microsoft.com/office/drawing/2014/main" id="{A47DAD0E-84A7-48D4-BBEA-C8FA08AF368E}"/>
                 </a:ext>
               </a:extLst>
             </p:cNvPr>
@@ -19180,7 +20270,7 @@
             <p:cNvPr id="56" name="Oval 55">
               <a:extLst>
                 <a:ext uri="{FF2B5EF4-FFF2-40B4-BE49-F238E27FC236}">
-                  <a16:creationId xmlns:a16="http://schemas.microsoft.com/office/drawing/2014/main" xmlns="" id="{78555CA8-3ABD-481D-8773-85321E6D94BC}"/>
+                  <a16:creationId xmlns="" xmlns:a16="http://schemas.microsoft.com/office/drawing/2014/main" id="{78555CA8-3ABD-481D-8773-85321E6D94BC}"/>
                 </a:ext>
               </a:extLst>
             </p:cNvPr>
@@ -19236,7 +20326,7 @@
             <p:cNvPr id="57" name="Straight Arrow Connector 56">
               <a:extLst>
                 <a:ext uri="{FF2B5EF4-FFF2-40B4-BE49-F238E27FC236}">
-                  <a16:creationId xmlns:a16="http://schemas.microsoft.com/office/drawing/2014/main" xmlns="" id="{A47DAD0E-84A7-48D4-BBEA-C8FA08AF368E}"/>
+                  <a16:creationId xmlns="" xmlns:a16="http://schemas.microsoft.com/office/drawing/2014/main" id="{A47DAD0E-84A7-48D4-BBEA-C8FA08AF368E}"/>
                 </a:ext>
               </a:extLst>
             </p:cNvPr>
@@ -19282,7 +20372,7 @@
             <p:cNvPr id="58" name="Oval 57">
               <a:extLst>
                 <a:ext uri="{FF2B5EF4-FFF2-40B4-BE49-F238E27FC236}">
-                  <a16:creationId xmlns:a16="http://schemas.microsoft.com/office/drawing/2014/main" xmlns="" id="{78555CA8-3ABD-481D-8773-85321E6D94BC}"/>
+                  <a16:creationId xmlns="" xmlns:a16="http://schemas.microsoft.com/office/drawing/2014/main" id="{78555CA8-3ABD-481D-8773-85321E6D94BC}"/>
                 </a:ext>
               </a:extLst>
             </p:cNvPr>
@@ -19338,7 +20428,7 @@
             <p:cNvPr id="59" name="Straight Arrow Connector 58">
               <a:extLst>
                 <a:ext uri="{FF2B5EF4-FFF2-40B4-BE49-F238E27FC236}">
-                  <a16:creationId xmlns:a16="http://schemas.microsoft.com/office/drawing/2014/main" xmlns="" id="{A47DAD0E-84A7-48D4-BBEA-C8FA08AF368E}"/>
+                  <a16:creationId xmlns="" xmlns:a16="http://schemas.microsoft.com/office/drawing/2014/main" id="{A47DAD0E-84A7-48D4-BBEA-C8FA08AF368E}"/>
                 </a:ext>
               </a:extLst>
             </p:cNvPr>
@@ -19384,7 +20474,7 @@
             <p:cNvPr id="60" name="Oval 59">
               <a:extLst>
                 <a:ext uri="{FF2B5EF4-FFF2-40B4-BE49-F238E27FC236}">
-                  <a16:creationId xmlns:a16="http://schemas.microsoft.com/office/drawing/2014/main" xmlns="" id="{78555CA8-3ABD-481D-8773-85321E6D94BC}"/>
+                  <a16:creationId xmlns="" xmlns:a16="http://schemas.microsoft.com/office/drawing/2014/main" id="{78555CA8-3ABD-481D-8773-85321E6D94BC}"/>
                 </a:ext>
               </a:extLst>
             </p:cNvPr>
@@ -19440,7 +20530,7 @@
             <p:cNvPr id="61" name="Straight Arrow Connector 60">
               <a:extLst>
                 <a:ext uri="{FF2B5EF4-FFF2-40B4-BE49-F238E27FC236}">
-                  <a16:creationId xmlns:a16="http://schemas.microsoft.com/office/drawing/2014/main" xmlns="" id="{A47DAD0E-84A7-48D4-BBEA-C8FA08AF368E}"/>
+                  <a16:creationId xmlns="" xmlns:a16="http://schemas.microsoft.com/office/drawing/2014/main" id="{A47DAD0E-84A7-48D4-BBEA-C8FA08AF368E}"/>
                 </a:ext>
               </a:extLst>
             </p:cNvPr>
@@ -19613,7 +20703,7 @@
           <p:cNvPr id="6" name="Oval 5">
             <a:extLst>
               <a:ext uri="{FF2B5EF4-FFF2-40B4-BE49-F238E27FC236}">
-                <a16:creationId xmlns:a16="http://schemas.microsoft.com/office/drawing/2014/main" xmlns="" id="{A8539DB9-3193-446D-AAD0-3F53798A7C20}"/>
+                <a16:creationId xmlns="" xmlns:a16="http://schemas.microsoft.com/office/drawing/2014/main" id="{A8539DB9-3193-446D-AAD0-3F53798A7C20}"/>
               </a:ext>
             </a:extLst>
           </p:cNvPr>
@@ -19669,7 +20759,7 @@
           <p:cNvPr id="7" name="Straight Arrow Connector 6">
             <a:extLst>
               <a:ext uri="{FF2B5EF4-FFF2-40B4-BE49-F238E27FC236}">
-                <a16:creationId xmlns:a16="http://schemas.microsoft.com/office/drawing/2014/main" xmlns="" id="{AEF8D433-30C4-4661-9F69-97B852EC189C}"/>
+                <a16:creationId xmlns="" xmlns:a16="http://schemas.microsoft.com/office/drawing/2014/main" id="{AEF8D433-30C4-4661-9F69-97B852EC189C}"/>
               </a:ext>
             </a:extLst>
           </p:cNvPr>
@@ -19714,7 +20804,7 @@
           <p:cNvPr id="8" name="TextBox 7">
             <a:extLst>
               <a:ext uri="{FF2B5EF4-FFF2-40B4-BE49-F238E27FC236}">
-                <a16:creationId xmlns:a16="http://schemas.microsoft.com/office/drawing/2014/main" xmlns="" id="{40A89D73-78E9-43D5-9346-924EA4FB08C8}"/>
+                <a16:creationId xmlns="" xmlns:a16="http://schemas.microsoft.com/office/drawing/2014/main" id="{40A89D73-78E9-43D5-9346-924EA4FB08C8}"/>
               </a:ext>
             </a:extLst>
           </p:cNvPr>
@@ -19756,7 +20846,7 @@
           <p:cNvPr id="9" name="Oval 8">
             <a:extLst>
               <a:ext uri="{FF2B5EF4-FFF2-40B4-BE49-F238E27FC236}">
-                <a16:creationId xmlns:a16="http://schemas.microsoft.com/office/drawing/2014/main" xmlns="" id="{78555CA8-3ABD-481D-8773-85321E6D94BC}"/>
+                <a16:creationId xmlns="" xmlns:a16="http://schemas.microsoft.com/office/drawing/2014/main" id="{78555CA8-3ABD-481D-8773-85321E6D94BC}"/>
               </a:ext>
             </a:extLst>
           </p:cNvPr>
@@ -19812,7 +20902,7 @@
           <p:cNvPr id="10" name="Straight Arrow Connector 9">
             <a:extLst>
               <a:ext uri="{FF2B5EF4-FFF2-40B4-BE49-F238E27FC236}">
-                <a16:creationId xmlns:a16="http://schemas.microsoft.com/office/drawing/2014/main" xmlns="" id="{A47DAD0E-84A7-48D4-BBEA-C8FA08AF368E}"/>
+                <a16:creationId xmlns="" xmlns:a16="http://schemas.microsoft.com/office/drawing/2014/main" id="{A47DAD0E-84A7-48D4-BBEA-C8FA08AF368E}"/>
               </a:ext>
             </a:extLst>
           </p:cNvPr>
@@ -19858,7 +20948,7 @@
           <p:cNvPr id="11" name="Oval 10">
             <a:extLst>
               <a:ext uri="{FF2B5EF4-FFF2-40B4-BE49-F238E27FC236}">
-                <a16:creationId xmlns:a16="http://schemas.microsoft.com/office/drawing/2014/main" xmlns="" id="{78555CA8-3ABD-481D-8773-85321E6D94BC}"/>
+                <a16:creationId xmlns="" xmlns:a16="http://schemas.microsoft.com/office/drawing/2014/main" id="{78555CA8-3ABD-481D-8773-85321E6D94BC}"/>
               </a:ext>
             </a:extLst>
           </p:cNvPr>
@@ -19914,7 +21004,7 @@
           <p:cNvPr id="12" name="Straight Arrow Connector 11">
             <a:extLst>
               <a:ext uri="{FF2B5EF4-FFF2-40B4-BE49-F238E27FC236}">
-                <a16:creationId xmlns:a16="http://schemas.microsoft.com/office/drawing/2014/main" xmlns="" id="{A47DAD0E-84A7-48D4-BBEA-C8FA08AF368E}"/>
+                <a16:creationId xmlns="" xmlns:a16="http://schemas.microsoft.com/office/drawing/2014/main" id="{A47DAD0E-84A7-48D4-BBEA-C8FA08AF368E}"/>
               </a:ext>
             </a:extLst>
           </p:cNvPr>
@@ -19960,7 +21050,7 @@
           <p:cNvPr id="13" name="Oval 12">
             <a:extLst>
               <a:ext uri="{FF2B5EF4-FFF2-40B4-BE49-F238E27FC236}">
-                <a16:creationId xmlns:a16="http://schemas.microsoft.com/office/drawing/2014/main" xmlns="" id="{78555CA8-3ABD-481D-8773-85321E6D94BC}"/>
+                <a16:creationId xmlns="" xmlns:a16="http://schemas.microsoft.com/office/drawing/2014/main" id="{78555CA8-3ABD-481D-8773-85321E6D94BC}"/>
               </a:ext>
             </a:extLst>
           </p:cNvPr>
@@ -20016,7 +21106,7 @@
           <p:cNvPr id="14" name="Straight Arrow Connector 13">
             <a:extLst>
               <a:ext uri="{FF2B5EF4-FFF2-40B4-BE49-F238E27FC236}">
-                <a16:creationId xmlns:a16="http://schemas.microsoft.com/office/drawing/2014/main" xmlns="" id="{A47DAD0E-84A7-48D4-BBEA-C8FA08AF368E}"/>
+                <a16:creationId xmlns="" xmlns:a16="http://schemas.microsoft.com/office/drawing/2014/main" id="{A47DAD0E-84A7-48D4-BBEA-C8FA08AF368E}"/>
               </a:ext>
             </a:extLst>
           </p:cNvPr>
@@ -20062,7 +21152,7 @@
           <p:cNvPr id="15" name="Oval 14">
             <a:extLst>
               <a:ext uri="{FF2B5EF4-FFF2-40B4-BE49-F238E27FC236}">
-                <a16:creationId xmlns:a16="http://schemas.microsoft.com/office/drawing/2014/main" xmlns="" id="{78555CA8-3ABD-481D-8773-85321E6D94BC}"/>
+                <a16:creationId xmlns="" xmlns:a16="http://schemas.microsoft.com/office/drawing/2014/main" id="{78555CA8-3ABD-481D-8773-85321E6D94BC}"/>
               </a:ext>
             </a:extLst>
           </p:cNvPr>
@@ -20118,7 +21208,7 @@
           <p:cNvPr id="16" name="Straight Arrow Connector 15">
             <a:extLst>
               <a:ext uri="{FF2B5EF4-FFF2-40B4-BE49-F238E27FC236}">
-                <a16:creationId xmlns:a16="http://schemas.microsoft.com/office/drawing/2014/main" xmlns="" id="{A47DAD0E-84A7-48D4-BBEA-C8FA08AF368E}"/>
+                <a16:creationId xmlns="" xmlns:a16="http://schemas.microsoft.com/office/drawing/2014/main" id="{A47DAD0E-84A7-48D4-BBEA-C8FA08AF368E}"/>
               </a:ext>
             </a:extLst>
           </p:cNvPr>
@@ -20164,7 +21254,7 @@
           <p:cNvPr id="17" name="Arrow: Down 32">
             <a:extLst>
               <a:ext uri="{FF2B5EF4-FFF2-40B4-BE49-F238E27FC236}">
-                <a16:creationId xmlns:a16="http://schemas.microsoft.com/office/drawing/2014/main" xmlns="" id="{9B21E7A7-41FF-4722-B424-D3F89378BEB0}"/>
+                <a16:creationId xmlns="" xmlns:a16="http://schemas.microsoft.com/office/drawing/2014/main" id="{9B21E7A7-41FF-4722-B424-D3F89378BEB0}"/>
               </a:ext>
             </a:extLst>
           </p:cNvPr>
@@ -20238,7 +21328,7 @@
           <p:cNvPr id="18" name="Arrow: Down 33">
             <a:extLst>
               <a:ext uri="{FF2B5EF4-FFF2-40B4-BE49-F238E27FC236}">
-                <a16:creationId xmlns:a16="http://schemas.microsoft.com/office/drawing/2014/main" xmlns="" id="{1AED9871-5657-4FA9-8E6F-74E2BB2236B3}"/>
+                <a16:creationId xmlns="" xmlns:a16="http://schemas.microsoft.com/office/drawing/2014/main" id="{1AED9871-5657-4FA9-8E6F-74E2BB2236B3}"/>
               </a:ext>
             </a:extLst>
           </p:cNvPr>
@@ -20418,7 +21508,7 @@
           <p:cNvPr id="2" name="Title 1">
             <a:extLst>
               <a:ext uri="{FF2B5EF4-FFF2-40B4-BE49-F238E27FC236}">
-                <a16:creationId xmlns:a16="http://schemas.microsoft.com/office/drawing/2014/main" xmlns="" id="{C14F0455-9ED9-4652-8FD6-9C284BE2F092}"/>
+                <a16:creationId xmlns="" xmlns:a16="http://schemas.microsoft.com/office/drawing/2014/main" id="{C14F0455-9ED9-4652-8FD6-9C284BE2F092}"/>
               </a:ext>
             </a:extLst>
           </p:cNvPr>
@@ -20451,7 +21541,7 @@
           <p:cNvPr id="3" name="Text Placeholder 2">
             <a:extLst>
               <a:ext uri="{FF2B5EF4-FFF2-40B4-BE49-F238E27FC236}">
-                <a16:creationId xmlns:a16="http://schemas.microsoft.com/office/drawing/2014/main" xmlns="" id="{8136025E-6B8D-4575-9E2B-B0AAB8CAC233}"/>
+                <a16:creationId xmlns="" xmlns:a16="http://schemas.microsoft.com/office/drawing/2014/main" id="{8136025E-6B8D-4575-9E2B-B0AAB8CAC233}"/>
               </a:ext>
             </a:extLst>
           </p:cNvPr>
@@ -20516,7 +21606,7 @@
           <p:cNvPr id="2" name="Title 1">
             <a:extLst>
               <a:ext uri="{FF2B5EF4-FFF2-40B4-BE49-F238E27FC236}">
-                <a16:creationId xmlns:a16="http://schemas.microsoft.com/office/drawing/2014/main" xmlns="" id="{C14F0455-9ED9-4652-8FD6-9C284BE2F092}"/>
+                <a16:creationId xmlns="" xmlns:a16="http://schemas.microsoft.com/office/drawing/2014/main" id="{C14F0455-9ED9-4652-8FD6-9C284BE2F092}"/>
               </a:ext>
             </a:extLst>
           </p:cNvPr>
@@ -20549,7 +21639,7 @@
           <p:cNvPr id="3" name="Text Placeholder 2">
             <a:extLst>
               <a:ext uri="{FF2B5EF4-FFF2-40B4-BE49-F238E27FC236}">
-                <a16:creationId xmlns:a16="http://schemas.microsoft.com/office/drawing/2014/main" xmlns="" id="{8136025E-6B8D-4575-9E2B-B0AAB8CAC233}"/>
+                <a16:creationId xmlns="" xmlns:a16="http://schemas.microsoft.com/office/drawing/2014/main" id="{8136025E-6B8D-4575-9E2B-B0AAB8CAC233}"/>
               </a:ext>
             </a:extLst>
           </p:cNvPr>
@@ -20682,7 +21772,7 @@
           <p:cNvPr id="2" name="Title 1">
             <a:extLst>
               <a:ext uri="{FF2B5EF4-FFF2-40B4-BE49-F238E27FC236}">
-                <a16:creationId xmlns:a16="http://schemas.microsoft.com/office/drawing/2014/main" xmlns="" id="{C14F0455-9ED9-4652-8FD6-9C284BE2F092}"/>
+                <a16:creationId xmlns="" xmlns:a16="http://schemas.microsoft.com/office/drawing/2014/main" id="{C14F0455-9ED9-4652-8FD6-9C284BE2F092}"/>
               </a:ext>
             </a:extLst>
           </p:cNvPr>
@@ -20722,7 +21812,7 @@
           <p:cNvPr id="3" name="Text Placeholder 2">
             <a:extLst>
               <a:ext uri="{FF2B5EF4-FFF2-40B4-BE49-F238E27FC236}">
-                <a16:creationId xmlns:a16="http://schemas.microsoft.com/office/drawing/2014/main" xmlns="" id="{8136025E-6B8D-4575-9E2B-B0AAB8CAC233}"/>
+                <a16:creationId xmlns="" xmlns:a16="http://schemas.microsoft.com/office/drawing/2014/main" id="{8136025E-6B8D-4575-9E2B-B0AAB8CAC233}"/>
               </a:ext>
             </a:extLst>
           </p:cNvPr>
@@ -20787,7 +21877,7 @@
           <p:cNvPr id="3" name="Title 2">
             <a:extLst>
               <a:ext uri="{FF2B5EF4-FFF2-40B4-BE49-F238E27FC236}">
-                <a16:creationId xmlns:a16="http://schemas.microsoft.com/office/drawing/2014/main" xmlns="" id="{A8704E41-3486-46BD-8AA7-B6B5D28F95A5}"/>
+                <a16:creationId xmlns="" xmlns:a16="http://schemas.microsoft.com/office/drawing/2014/main" id="{A8704E41-3486-46BD-8AA7-B6B5D28F95A5}"/>
               </a:ext>
             </a:extLst>
           </p:cNvPr>
@@ -20826,7 +21916,7 @@
           <p:cNvPr id="4" name="Slide Number Placeholder 3">
             <a:extLst>
               <a:ext uri="{FF2B5EF4-FFF2-40B4-BE49-F238E27FC236}">
-                <a16:creationId xmlns:a16="http://schemas.microsoft.com/office/drawing/2014/main" xmlns="" id="{02CD92EA-E9CB-4F4C-B1B9-840F11B55DC5}"/>
+                <a16:creationId xmlns="" xmlns:a16="http://schemas.microsoft.com/office/drawing/2014/main" id="{02CD92EA-E9CB-4F4C-B1B9-840F11B55DC5}"/>
               </a:ext>
             </a:extLst>
           </p:cNvPr>
@@ -20910,7 +22000,7 @@
           <p:cNvPr id="8" name="Picture 7">
             <a:extLst>
               <a:ext uri="{FF2B5EF4-FFF2-40B4-BE49-F238E27FC236}">
-                <a16:creationId xmlns:a16="http://schemas.microsoft.com/office/drawing/2014/main" xmlns="" id="{F11A34E2-CF14-4FAC-9913-4CAC796E46FA}"/>
+                <a16:creationId xmlns="" xmlns:a16="http://schemas.microsoft.com/office/drawing/2014/main" id="{F11A34E2-CF14-4FAC-9913-4CAC796E46FA}"/>
               </a:ext>
             </a:extLst>
           </p:cNvPr>
@@ -20920,11 +22010,11 @@
           <p:nvPr/>
         </p:nvPicPr>
         <p:blipFill>
-          <a:blip r:embed="rId2">
+          <a:blip r:embed="rId3">
             <a:extLst>
               <a:ext uri="{BEBA8EAE-BF5A-486C-A8C5-ECC9F3942E4B}">
                 <a14:imgProps xmlns:a14="http://schemas.microsoft.com/office/drawing/2010/main">
-                  <a14:imgLayer r:embed="rId3">
+                  <a14:imgLayer r:embed="rId4">
                     <a14:imgEffect>
                       <a14:backgroundRemoval t="10000" b="90000" l="10000" r="90000"/>
                     </a14:imgEffect>
@@ -20992,7 +22082,7 @@
           <p:cNvPr id="3" name="Title 2">
             <a:extLst>
               <a:ext uri="{FF2B5EF4-FFF2-40B4-BE49-F238E27FC236}">
-                <a16:creationId xmlns:a16="http://schemas.microsoft.com/office/drawing/2014/main" xmlns="" id="{A8704E41-3486-46BD-8AA7-B6B5D28F95A5}"/>
+                <a16:creationId xmlns="" xmlns:a16="http://schemas.microsoft.com/office/drawing/2014/main" id="{A8704E41-3486-46BD-8AA7-B6B5D28F95A5}"/>
               </a:ext>
             </a:extLst>
           </p:cNvPr>
@@ -21031,7 +22121,7 @@
           <p:cNvPr id="4" name="Slide Number Placeholder 3">
             <a:extLst>
               <a:ext uri="{FF2B5EF4-FFF2-40B4-BE49-F238E27FC236}">
-                <a16:creationId xmlns:a16="http://schemas.microsoft.com/office/drawing/2014/main" xmlns="" id="{02CD92EA-E9CB-4F4C-B1B9-840F11B55DC5}"/>
+                <a16:creationId xmlns="" xmlns:a16="http://schemas.microsoft.com/office/drawing/2014/main" id="{02CD92EA-E9CB-4F4C-B1B9-840F11B55DC5}"/>
               </a:ext>
             </a:extLst>
           </p:cNvPr>
@@ -21107,7 +22197,7 @@
           <p:cNvPr id="8" name="Picture 7">
             <a:extLst>
               <a:ext uri="{FF2B5EF4-FFF2-40B4-BE49-F238E27FC236}">
-                <a16:creationId xmlns:a16="http://schemas.microsoft.com/office/drawing/2014/main" xmlns="" id="{C62C63E2-C97A-4E3E-9C28-351D24FBB5BD}"/>
+                <a16:creationId xmlns="" xmlns:a16="http://schemas.microsoft.com/office/drawing/2014/main" id="{C62C63E2-C97A-4E3E-9C28-351D24FBB5BD}"/>
               </a:ext>
             </a:extLst>
           </p:cNvPr>
@@ -21117,11 +22207,11 @@
           <p:nvPr/>
         </p:nvPicPr>
         <p:blipFill>
-          <a:blip r:embed="rId2">
+          <a:blip r:embed="rId3">
             <a:extLst>
               <a:ext uri="{BEBA8EAE-BF5A-486C-A8C5-ECC9F3942E4B}">
                 <a14:imgProps xmlns:a14="http://schemas.microsoft.com/office/drawing/2010/main">
-                  <a14:imgLayer r:embed="rId3">
+                  <a14:imgLayer r:embed="rId4">
                     <a14:imgEffect>
                       <a14:backgroundRemoval t="10000" b="90000" l="10000" r="90000"/>
                     </a14:imgEffect>
@@ -21271,7 +22361,7 @@
           <p:cNvPr id="19" name="Oval 18">
             <a:extLst>
               <a:ext uri="{FF2B5EF4-FFF2-40B4-BE49-F238E27FC236}">
-                <a16:creationId xmlns:a16="http://schemas.microsoft.com/office/drawing/2014/main" xmlns="" id="{A8539DB9-3193-446D-AAD0-3F53798A7C20}"/>
+                <a16:creationId xmlns="" xmlns:a16="http://schemas.microsoft.com/office/drawing/2014/main" id="{A8539DB9-3193-446D-AAD0-3F53798A7C20}"/>
               </a:ext>
             </a:extLst>
           </p:cNvPr>
@@ -21327,7 +22417,7 @@
           <p:cNvPr id="20" name="Straight Arrow Connector 19">
             <a:extLst>
               <a:ext uri="{FF2B5EF4-FFF2-40B4-BE49-F238E27FC236}">
-                <a16:creationId xmlns:a16="http://schemas.microsoft.com/office/drawing/2014/main" xmlns="" id="{AEF8D433-30C4-4661-9F69-97B852EC189C}"/>
+                <a16:creationId xmlns="" xmlns:a16="http://schemas.microsoft.com/office/drawing/2014/main" id="{AEF8D433-30C4-4661-9F69-97B852EC189C}"/>
               </a:ext>
             </a:extLst>
           </p:cNvPr>
@@ -21372,7 +22462,7 @@
           <p:cNvPr id="21" name="TextBox 20">
             <a:extLst>
               <a:ext uri="{FF2B5EF4-FFF2-40B4-BE49-F238E27FC236}">
-                <a16:creationId xmlns:a16="http://schemas.microsoft.com/office/drawing/2014/main" xmlns="" id="{40A89D73-78E9-43D5-9346-924EA4FB08C8}"/>
+                <a16:creationId xmlns="" xmlns:a16="http://schemas.microsoft.com/office/drawing/2014/main" id="{40A89D73-78E9-43D5-9346-924EA4FB08C8}"/>
               </a:ext>
             </a:extLst>
           </p:cNvPr>
@@ -21414,7 +22504,7 @@
           <p:cNvPr id="22" name="Oval 21">
             <a:extLst>
               <a:ext uri="{FF2B5EF4-FFF2-40B4-BE49-F238E27FC236}">
-                <a16:creationId xmlns:a16="http://schemas.microsoft.com/office/drawing/2014/main" xmlns="" id="{78555CA8-3ABD-481D-8773-85321E6D94BC}"/>
+                <a16:creationId xmlns="" xmlns:a16="http://schemas.microsoft.com/office/drawing/2014/main" id="{78555CA8-3ABD-481D-8773-85321E6D94BC}"/>
               </a:ext>
             </a:extLst>
           </p:cNvPr>
@@ -21475,7 +22565,7 @@
           <p:cNvPr id="23" name="Straight Arrow Connector 22">
             <a:extLst>
               <a:ext uri="{FF2B5EF4-FFF2-40B4-BE49-F238E27FC236}">
-                <a16:creationId xmlns:a16="http://schemas.microsoft.com/office/drawing/2014/main" xmlns="" id="{A47DAD0E-84A7-48D4-BBEA-C8FA08AF368E}"/>
+                <a16:creationId xmlns="" xmlns:a16="http://schemas.microsoft.com/office/drawing/2014/main" id="{A47DAD0E-84A7-48D4-BBEA-C8FA08AF368E}"/>
               </a:ext>
             </a:extLst>
           </p:cNvPr>
@@ -21523,7 +22613,7 @@
           <p:cNvPr id="24" name="Oval 23">
             <a:extLst>
               <a:ext uri="{FF2B5EF4-FFF2-40B4-BE49-F238E27FC236}">
-                <a16:creationId xmlns:a16="http://schemas.microsoft.com/office/drawing/2014/main" xmlns="" id="{78555CA8-3ABD-481D-8773-85321E6D94BC}"/>
+                <a16:creationId xmlns="" xmlns:a16="http://schemas.microsoft.com/office/drawing/2014/main" id="{78555CA8-3ABD-481D-8773-85321E6D94BC}"/>
               </a:ext>
             </a:extLst>
           </p:cNvPr>
@@ -21579,7 +22669,7 @@
           <p:cNvPr id="25" name="Straight Arrow Connector 24">
             <a:extLst>
               <a:ext uri="{FF2B5EF4-FFF2-40B4-BE49-F238E27FC236}">
-                <a16:creationId xmlns:a16="http://schemas.microsoft.com/office/drawing/2014/main" xmlns="" id="{A47DAD0E-84A7-48D4-BBEA-C8FA08AF368E}"/>
+                <a16:creationId xmlns="" xmlns:a16="http://schemas.microsoft.com/office/drawing/2014/main" id="{A47DAD0E-84A7-48D4-BBEA-C8FA08AF368E}"/>
               </a:ext>
             </a:extLst>
           </p:cNvPr>
@@ -21625,7 +22715,7 @@
           <p:cNvPr id="26" name="Oval 25">
             <a:extLst>
               <a:ext uri="{FF2B5EF4-FFF2-40B4-BE49-F238E27FC236}">
-                <a16:creationId xmlns:a16="http://schemas.microsoft.com/office/drawing/2014/main" xmlns="" id="{78555CA8-3ABD-481D-8773-85321E6D94BC}"/>
+                <a16:creationId xmlns="" xmlns:a16="http://schemas.microsoft.com/office/drawing/2014/main" id="{78555CA8-3ABD-481D-8773-85321E6D94BC}"/>
               </a:ext>
             </a:extLst>
           </p:cNvPr>
@@ -21681,7 +22771,7 @@
           <p:cNvPr id="27" name="Straight Arrow Connector 26">
             <a:extLst>
               <a:ext uri="{FF2B5EF4-FFF2-40B4-BE49-F238E27FC236}">
-                <a16:creationId xmlns:a16="http://schemas.microsoft.com/office/drawing/2014/main" xmlns="" id="{A47DAD0E-84A7-48D4-BBEA-C8FA08AF368E}"/>
+                <a16:creationId xmlns="" xmlns:a16="http://schemas.microsoft.com/office/drawing/2014/main" id="{A47DAD0E-84A7-48D4-BBEA-C8FA08AF368E}"/>
               </a:ext>
             </a:extLst>
           </p:cNvPr>
@@ -21727,7 +22817,7 @@
           <p:cNvPr id="28" name="Oval 27">
             <a:extLst>
               <a:ext uri="{FF2B5EF4-FFF2-40B4-BE49-F238E27FC236}">
-                <a16:creationId xmlns:a16="http://schemas.microsoft.com/office/drawing/2014/main" xmlns="" id="{78555CA8-3ABD-481D-8773-85321E6D94BC}"/>
+                <a16:creationId xmlns="" xmlns:a16="http://schemas.microsoft.com/office/drawing/2014/main" id="{78555CA8-3ABD-481D-8773-85321E6D94BC}"/>
               </a:ext>
             </a:extLst>
           </p:cNvPr>
@@ -21783,7 +22873,7 @@
           <p:cNvPr id="29" name="Straight Arrow Connector 28">
             <a:extLst>
               <a:ext uri="{FF2B5EF4-FFF2-40B4-BE49-F238E27FC236}">
-                <a16:creationId xmlns:a16="http://schemas.microsoft.com/office/drawing/2014/main" xmlns="" id="{A47DAD0E-84A7-48D4-BBEA-C8FA08AF368E}"/>
+                <a16:creationId xmlns="" xmlns:a16="http://schemas.microsoft.com/office/drawing/2014/main" id="{A47DAD0E-84A7-48D4-BBEA-C8FA08AF368E}"/>
               </a:ext>
             </a:extLst>
           </p:cNvPr>
@@ -21829,7 +22919,7 @@
           <p:cNvPr id="30" name="Oval 29">
             <a:extLst>
               <a:ext uri="{FF2B5EF4-FFF2-40B4-BE49-F238E27FC236}">
-                <a16:creationId xmlns:a16="http://schemas.microsoft.com/office/drawing/2014/main" xmlns="" id="{78555CA8-3ABD-481D-8773-85321E6D94BC}"/>
+                <a16:creationId xmlns="" xmlns:a16="http://schemas.microsoft.com/office/drawing/2014/main" id="{78555CA8-3ABD-481D-8773-85321E6D94BC}"/>
               </a:ext>
             </a:extLst>
           </p:cNvPr>
@@ -21885,7 +22975,7 @@
           <p:cNvPr id="31" name="Straight Arrow Connector 30">
             <a:extLst>
               <a:ext uri="{FF2B5EF4-FFF2-40B4-BE49-F238E27FC236}">
-                <a16:creationId xmlns:a16="http://schemas.microsoft.com/office/drawing/2014/main" xmlns="" id="{A47DAD0E-84A7-48D4-BBEA-C8FA08AF368E}"/>
+                <a16:creationId xmlns="" xmlns:a16="http://schemas.microsoft.com/office/drawing/2014/main" id="{A47DAD0E-84A7-48D4-BBEA-C8FA08AF368E}"/>
               </a:ext>
             </a:extLst>
           </p:cNvPr>
@@ -21931,7 +23021,7 @@
           <p:cNvPr id="32" name="Arrow: Down 32">
             <a:extLst>
               <a:ext uri="{FF2B5EF4-FFF2-40B4-BE49-F238E27FC236}">
-                <a16:creationId xmlns:a16="http://schemas.microsoft.com/office/drawing/2014/main" xmlns="" id="{9B21E7A7-41FF-4722-B424-D3F89378BEB0}"/>
+                <a16:creationId xmlns="" xmlns:a16="http://schemas.microsoft.com/office/drawing/2014/main" id="{9B21E7A7-41FF-4722-B424-D3F89378BEB0}"/>
               </a:ext>
             </a:extLst>
           </p:cNvPr>
@@ -22005,7 +23095,7 @@
           <p:cNvPr id="33" name="Arrow: Down 33">
             <a:extLst>
               <a:ext uri="{FF2B5EF4-FFF2-40B4-BE49-F238E27FC236}">
-                <a16:creationId xmlns:a16="http://schemas.microsoft.com/office/drawing/2014/main" xmlns="" id="{1AED9871-5657-4FA9-8E6F-74E2BB2236B3}"/>
+                <a16:creationId xmlns="" xmlns:a16="http://schemas.microsoft.com/office/drawing/2014/main" id="{1AED9871-5657-4FA9-8E6F-74E2BB2236B3}"/>
               </a:ext>
             </a:extLst>
           </p:cNvPr>
@@ -22077,7 +23167,7 @@
           <p:cNvPr id="34" name="Straight Arrow Connector 33">
             <a:extLst>
               <a:ext uri="{FF2B5EF4-FFF2-40B4-BE49-F238E27FC236}">
-                <a16:creationId xmlns:a16="http://schemas.microsoft.com/office/drawing/2014/main" xmlns="" id="{A47DAD0E-84A7-48D4-BBEA-C8FA08AF368E}"/>
+                <a16:creationId xmlns="" xmlns:a16="http://schemas.microsoft.com/office/drawing/2014/main" id="{A47DAD0E-84A7-48D4-BBEA-C8FA08AF368E}"/>
               </a:ext>
             </a:extLst>
           </p:cNvPr>
@@ -22125,7 +23215,7 @@
           <p:cNvPr id="35" name="Arrow: Down 33">
             <a:extLst>
               <a:ext uri="{FF2B5EF4-FFF2-40B4-BE49-F238E27FC236}">
-                <a16:creationId xmlns:a16="http://schemas.microsoft.com/office/drawing/2014/main" xmlns="" id="{1AED9871-5657-4FA9-8E6F-74E2BB2236B3}"/>
+                <a16:creationId xmlns="" xmlns:a16="http://schemas.microsoft.com/office/drawing/2014/main" id="{1AED9871-5657-4FA9-8E6F-74E2BB2236B3}"/>
               </a:ext>
             </a:extLst>
           </p:cNvPr>
@@ -22514,7 +23604,7 @@
           <p:cNvPr id="53" name="Oval 52">
             <a:extLst>
               <a:ext uri="{FF2B5EF4-FFF2-40B4-BE49-F238E27FC236}">
-                <a16:creationId xmlns:a16="http://schemas.microsoft.com/office/drawing/2014/main" xmlns="" id="{A8539DB9-3193-446D-AAD0-3F53798A7C20}"/>
+                <a16:creationId xmlns="" xmlns:a16="http://schemas.microsoft.com/office/drawing/2014/main" id="{A8539DB9-3193-446D-AAD0-3F53798A7C20}"/>
               </a:ext>
             </a:extLst>
           </p:cNvPr>
@@ -22570,7 +23660,7 @@
           <p:cNvPr id="54" name="Straight Arrow Connector 53">
             <a:extLst>
               <a:ext uri="{FF2B5EF4-FFF2-40B4-BE49-F238E27FC236}">
-                <a16:creationId xmlns:a16="http://schemas.microsoft.com/office/drawing/2014/main" xmlns="" id="{AEF8D433-30C4-4661-9F69-97B852EC189C}"/>
+                <a16:creationId xmlns="" xmlns:a16="http://schemas.microsoft.com/office/drawing/2014/main" id="{AEF8D433-30C4-4661-9F69-97B852EC189C}"/>
               </a:ext>
             </a:extLst>
           </p:cNvPr>
@@ -22615,7 +23705,7 @@
           <p:cNvPr id="55" name="TextBox 54">
             <a:extLst>
               <a:ext uri="{FF2B5EF4-FFF2-40B4-BE49-F238E27FC236}">
-                <a16:creationId xmlns:a16="http://schemas.microsoft.com/office/drawing/2014/main" xmlns="" id="{40A89D73-78E9-43D5-9346-924EA4FB08C8}"/>
+                <a16:creationId xmlns="" xmlns:a16="http://schemas.microsoft.com/office/drawing/2014/main" id="{40A89D73-78E9-43D5-9346-924EA4FB08C8}"/>
               </a:ext>
             </a:extLst>
           </p:cNvPr>
@@ -22657,7 +23747,7 @@
           <p:cNvPr id="56" name="Oval 55">
             <a:extLst>
               <a:ext uri="{FF2B5EF4-FFF2-40B4-BE49-F238E27FC236}">
-                <a16:creationId xmlns:a16="http://schemas.microsoft.com/office/drawing/2014/main" xmlns="" id="{78555CA8-3ABD-481D-8773-85321E6D94BC}"/>
+                <a16:creationId xmlns="" xmlns:a16="http://schemas.microsoft.com/office/drawing/2014/main" id="{78555CA8-3ABD-481D-8773-85321E6D94BC}"/>
               </a:ext>
             </a:extLst>
           </p:cNvPr>
@@ -22713,7 +23803,7 @@
           <p:cNvPr id="57" name="Straight Arrow Connector 56">
             <a:extLst>
               <a:ext uri="{FF2B5EF4-FFF2-40B4-BE49-F238E27FC236}">
-                <a16:creationId xmlns:a16="http://schemas.microsoft.com/office/drawing/2014/main" xmlns="" id="{A47DAD0E-84A7-48D4-BBEA-C8FA08AF368E}"/>
+                <a16:creationId xmlns="" xmlns:a16="http://schemas.microsoft.com/office/drawing/2014/main" id="{A47DAD0E-84A7-48D4-BBEA-C8FA08AF368E}"/>
               </a:ext>
             </a:extLst>
           </p:cNvPr>
@@ -22759,7 +23849,7 @@
           <p:cNvPr id="58" name="Oval 57">
             <a:extLst>
               <a:ext uri="{FF2B5EF4-FFF2-40B4-BE49-F238E27FC236}">
-                <a16:creationId xmlns:a16="http://schemas.microsoft.com/office/drawing/2014/main" xmlns="" id="{78555CA8-3ABD-481D-8773-85321E6D94BC}"/>
+                <a16:creationId xmlns="" xmlns:a16="http://schemas.microsoft.com/office/drawing/2014/main" id="{78555CA8-3ABD-481D-8773-85321E6D94BC}"/>
               </a:ext>
             </a:extLst>
           </p:cNvPr>
@@ -22815,7 +23905,7 @@
           <p:cNvPr id="59" name="Straight Arrow Connector 58">
             <a:extLst>
               <a:ext uri="{FF2B5EF4-FFF2-40B4-BE49-F238E27FC236}">
-                <a16:creationId xmlns:a16="http://schemas.microsoft.com/office/drawing/2014/main" xmlns="" id="{A47DAD0E-84A7-48D4-BBEA-C8FA08AF368E}"/>
+                <a16:creationId xmlns="" xmlns:a16="http://schemas.microsoft.com/office/drawing/2014/main" id="{A47DAD0E-84A7-48D4-BBEA-C8FA08AF368E}"/>
               </a:ext>
             </a:extLst>
           </p:cNvPr>
@@ -22861,7 +23951,7 @@
           <p:cNvPr id="60" name="Oval 59">
             <a:extLst>
               <a:ext uri="{FF2B5EF4-FFF2-40B4-BE49-F238E27FC236}">
-                <a16:creationId xmlns:a16="http://schemas.microsoft.com/office/drawing/2014/main" xmlns="" id="{78555CA8-3ABD-481D-8773-85321E6D94BC}"/>
+                <a16:creationId xmlns="" xmlns:a16="http://schemas.microsoft.com/office/drawing/2014/main" id="{78555CA8-3ABD-481D-8773-85321E6D94BC}"/>
               </a:ext>
             </a:extLst>
           </p:cNvPr>
@@ -22917,7 +24007,7 @@
           <p:cNvPr id="61" name="Straight Arrow Connector 60">
             <a:extLst>
               <a:ext uri="{FF2B5EF4-FFF2-40B4-BE49-F238E27FC236}">
-                <a16:creationId xmlns:a16="http://schemas.microsoft.com/office/drawing/2014/main" xmlns="" id="{A47DAD0E-84A7-48D4-BBEA-C8FA08AF368E}"/>
+                <a16:creationId xmlns="" xmlns:a16="http://schemas.microsoft.com/office/drawing/2014/main" id="{A47DAD0E-84A7-48D4-BBEA-C8FA08AF368E}"/>
               </a:ext>
             </a:extLst>
           </p:cNvPr>
@@ -22963,7 +24053,7 @@
           <p:cNvPr id="62" name="Oval 61">
             <a:extLst>
               <a:ext uri="{FF2B5EF4-FFF2-40B4-BE49-F238E27FC236}">
-                <a16:creationId xmlns:a16="http://schemas.microsoft.com/office/drawing/2014/main" xmlns="" id="{78555CA8-3ABD-481D-8773-85321E6D94BC}"/>
+                <a16:creationId xmlns="" xmlns:a16="http://schemas.microsoft.com/office/drawing/2014/main" id="{78555CA8-3ABD-481D-8773-85321E6D94BC}"/>
               </a:ext>
             </a:extLst>
           </p:cNvPr>
@@ -23019,7 +24109,7 @@
           <p:cNvPr id="63" name="Straight Arrow Connector 62">
             <a:extLst>
               <a:ext uri="{FF2B5EF4-FFF2-40B4-BE49-F238E27FC236}">
-                <a16:creationId xmlns:a16="http://schemas.microsoft.com/office/drawing/2014/main" xmlns="" id="{A47DAD0E-84A7-48D4-BBEA-C8FA08AF368E}"/>
+                <a16:creationId xmlns="" xmlns:a16="http://schemas.microsoft.com/office/drawing/2014/main" id="{A47DAD0E-84A7-48D4-BBEA-C8FA08AF368E}"/>
               </a:ext>
             </a:extLst>
           </p:cNvPr>
@@ -23065,7 +24155,7 @@
           <p:cNvPr id="64" name="Arrow: Down 32">
             <a:extLst>
               <a:ext uri="{FF2B5EF4-FFF2-40B4-BE49-F238E27FC236}">
-                <a16:creationId xmlns:a16="http://schemas.microsoft.com/office/drawing/2014/main" xmlns="" id="{9B21E7A7-41FF-4722-B424-D3F89378BEB0}"/>
+                <a16:creationId xmlns="" xmlns:a16="http://schemas.microsoft.com/office/drawing/2014/main" id="{9B21E7A7-41FF-4722-B424-D3F89378BEB0}"/>
               </a:ext>
             </a:extLst>
           </p:cNvPr>
@@ -23139,7 +24229,7 @@
           <p:cNvPr id="65" name="Arrow: Down 33">
             <a:extLst>
               <a:ext uri="{FF2B5EF4-FFF2-40B4-BE49-F238E27FC236}">
-                <a16:creationId xmlns:a16="http://schemas.microsoft.com/office/drawing/2014/main" xmlns="" id="{1AED9871-5657-4FA9-8E6F-74E2BB2236B3}"/>
+                <a16:creationId xmlns="" xmlns:a16="http://schemas.microsoft.com/office/drawing/2014/main" id="{1AED9871-5657-4FA9-8E6F-74E2BB2236B3}"/>
               </a:ext>
             </a:extLst>
           </p:cNvPr>
@@ -23211,7 +24301,7 @@
           <p:cNvPr id="66" name="Oval 65">
             <a:extLst>
               <a:ext uri="{FF2B5EF4-FFF2-40B4-BE49-F238E27FC236}">
-                <a16:creationId xmlns:a16="http://schemas.microsoft.com/office/drawing/2014/main" xmlns="" id="{78555CA8-3ABD-481D-8773-85321E6D94BC}"/>
+                <a16:creationId xmlns="" xmlns:a16="http://schemas.microsoft.com/office/drawing/2014/main" id="{78555CA8-3ABD-481D-8773-85321E6D94BC}"/>
               </a:ext>
             </a:extLst>
           </p:cNvPr>
@@ -23267,7 +24357,7 @@
           <p:cNvPr id="67" name="Straight Arrow Connector 66">
             <a:extLst>
               <a:ext uri="{FF2B5EF4-FFF2-40B4-BE49-F238E27FC236}">
-                <a16:creationId xmlns:a16="http://schemas.microsoft.com/office/drawing/2014/main" xmlns="" id="{A47DAD0E-84A7-48D4-BBEA-C8FA08AF368E}"/>
+                <a16:creationId xmlns="" xmlns:a16="http://schemas.microsoft.com/office/drawing/2014/main" id="{A47DAD0E-84A7-48D4-BBEA-C8FA08AF368E}"/>
               </a:ext>
             </a:extLst>
           </p:cNvPr>
@@ -23313,7 +24403,7 @@
           <p:cNvPr id="68" name="Oval 67">
             <a:extLst>
               <a:ext uri="{FF2B5EF4-FFF2-40B4-BE49-F238E27FC236}">
-                <a16:creationId xmlns:a16="http://schemas.microsoft.com/office/drawing/2014/main" xmlns="" id="{78555CA8-3ABD-481D-8773-85321E6D94BC}"/>
+                <a16:creationId xmlns="" xmlns:a16="http://schemas.microsoft.com/office/drawing/2014/main" id="{78555CA8-3ABD-481D-8773-85321E6D94BC}"/>
               </a:ext>
             </a:extLst>
           </p:cNvPr>
@@ -23369,7 +24459,7 @@
           <p:cNvPr id="69" name="Straight Arrow Connector 68">
             <a:extLst>
               <a:ext uri="{FF2B5EF4-FFF2-40B4-BE49-F238E27FC236}">
-                <a16:creationId xmlns:a16="http://schemas.microsoft.com/office/drawing/2014/main" xmlns="" id="{A47DAD0E-84A7-48D4-BBEA-C8FA08AF368E}"/>
+                <a16:creationId xmlns="" xmlns:a16="http://schemas.microsoft.com/office/drawing/2014/main" id="{A47DAD0E-84A7-48D4-BBEA-C8FA08AF368E}"/>
               </a:ext>
             </a:extLst>
           </p:cNvPr>
@@ -23415,7 +24505,7 @@
           <p:cNvPr id="70" name="Oval 69">
             <a:extLst>
               <a:ext uri="{FF2B5EF4-FFF2-40B4-BE49-F238E27FC236}">
-                <a16:creationId xmlns:a16="http://schemas.microsoft.com/office/drawing/2014/main" xmlns="" id="{70018B8E-C8EA-4592-B666-4DD6915C2DAF}"/>
+                <a16:creationId xmlns="" xmlns:a16="http://schemas.microsoft.com/office/drawing/2014/main" id="{70018B8E-C8EA-4592-B666-4DD6915C2DAF}"/>
               </a:ext>
             </a:extLst>
           </p:cNvPr>
@@ -23473,7 +24563,7 @@
           <p:cNvPr id="71" name="Arrow: Down 33">
             <a:extLst>
               <a:ext uri="{FF2B5EF4-FFF2-40B4-BE49-F238E27FC236}">
-                <a16:creationId xmlns:a16="http://schemas.microsoft.com/office/drawing/2014/main" xmlns="" id="{1AED9871-5657-4FA9-8E6F-74E2BB2236B3}"/>
+                <a16:creationId xmlns="" xmlns:a16="http://schemas.microsoft.com/office/drawing/2014/main" id="{1AED9871-5657-4FA9-8E6F-74E2BB2236B3}"/>
               </a:ext>
             </a:extLst>
           </p:cNvPr>
@@ -24260,7 +25350,7 @@
           <p:cNvPr id="53" name="Oval 52">
             <a:extLst>
               <a:ext uri="{FF2B5EF4-FFF2-40B4-BE49-F238E27FC236}">
-                <a16:creationId xmlns:a16="http://schemas.microsoft.com/office/drawing/2014/main" xmlns="" id="{A8539DB9-3193-446D-AAD0-3F53798A7C20}"/>
+                <a16:creationId xmlns="" xmlns:a16="http://schemas.microsoft.com/office/drawing/2014/main" id="{A8539DB9-3193-446D-AAD0-3F53798A7C20}"/>
               </a:ext>
             </a:extLst>
           </p:cNvPr>
@@ -24316,7 +25406,7 @@
           <p:cNvPr id="54" name="Straight Arrow Connector 53">
             <a:extLst>
               <a:ext uri="{FF2B5EF4-FFF2-40B4-BE49-F238E27FC236}">
-                <a16:creationId xmlns:a16="http://schemas.microsoft.com/office/drawing/2014/main" xmlns="" id="{AEF8D433-30C4-4661-9F69-97B852EC189C}"/>
+                <a16:creationId xmlns="" xmlns:a16="http://schemas.microsoft.com/office/drawing/2014/main" id="{AEF8D433-30C4-4661-9F69-97B852EC189C}"/>
               </a:ext>
             </a:extLst>
           </p:cNvPr>
@@ -24361,7 +25451,7 @@
           <p:cNvPr id="55" name="TextBox 54">
             <a:extLst>
               <a:ext uri="{FF2B5EF4-FFF2-40B4-BE49-F238E27FC236}">
-                <a16:creationId xmlns:a16="http://schemas.microsoft.com/office/drawing/2014/main" xmlns="" id="{40A89D73-78E9-43D5-9346-924EA4FB08C8}"/>
+                <a16:creationId xmlns="" xmlns:a16="http://schemas.microsoft.com/office/drawing/2014/main" id="{40A89D73-78E9-43D5-9346-924EA4FB08C8}"/>
               </a:ext>
             </a:extLst>
           </p:cNvPr>
@@ -24403,7 +25493,7 @@
           <p:cNvPr id="56" name="Oval 55">
             <a:extLst>
               <a:ext uri="{FF2B5EF4-FFF2-40B4-BE49-F238E27FC236}">
-                <a16:creationId xmlns:a16="http://schemas.microsoft.com/office/drawing/2014/main" xmlns="" id="{78555CA8-3ABD-481D-8773-85321E6D94BC}"/>
+                <a16:creationId xmlns="" xmlns:a16="http://schemas.microsoft.com/office/drawing/2014/main" id="{78555CA8-3ABD-481D-8773-85321E6D94BC}"/>
               </a:ext>
             </a:extLst>
           </p:cNvPr>
@@ -24459,7 +25549,7 @@
           <p:cNvPr id="57" name="Straight Arrow Connector 56">
             <a:extLst>
               <a:ext uri="{FF2B5EF4-FFF2-40B4-BE49-F238E27FC236}">
-                <a16:creationId xmlns:a16="http://schemas.microsoft.com/office/drawing/2014/main" xmlns="" id="{A47DAD0E-84A7-48D4-BBEA-C8FA08AF368E}"/>
+                <a16:creationId xmlns="" xmlns:a16="http://schemas.microsoft.com/office/drawing/2014/main" id="{A47DAD0E-84A7-48D4-BBEA-C8FA08AF368E}"/>
               </a:ext>
             </a:extLst>
           </p:cNvPr>
@@ -24505,7 +25595,7 @@
           <p:cNvPr id="58" name="Oval 57">
             <a:extLst>
               <a:ext uri="{FF2B5EF4-FFF2-40B4-BE49-F238E27FC236}">
-                <a16:creationId xmlns:a16="http://schemas.microsoft.com/office/drawing/2014/main" xmlns="" id="{78555CA8-3ABD-481D-8773-85321E6D94BC}"/>
+                <a16:creationId xmlns="" xmlns:a16="http://schemas.microsoft.com/office/drawing/2014/main" id="{78555CA8-3ABD-481D-8773-85321E6D94BC}"/>
               </a:ext>
             </a:extLst>
           </p:cNvPr>
@@ -24561,7 +25651,7 @@
           <p:cNvPr id="59" name="Straight Arrow Connector 58">
             <a:extLst>
               <a:ext uri="{FF2B5EF4-FFF2-40B4-BE49-F238E27FC236}">
-                <a16:creationId xmlns:a16="http://schemas.microsoft.com/office/drawing/2014/main" xmlns="" id="{A47DAD0E-84A7-48D4-BBEA-C8FA08AF368E}"/>
+                <a16:creationId xmlns="" xmlns:a16="http://schemas.microsoft.com/office/drawing/2014/main" id="{A47DAD0E-84A7-48D4-BBEA-C8FA08AF368E}"/>
               </a:ext>
             </a:extLst>
           </p:cNvPr>
@@ -24607,7 +25697,7 @@
           <p:cNvPr id="64" name="Arrow: Down 32">
             <a:extLst>
               <a:ext uri="{FF2B5EF4-FFF2-40B4-BE49-F238E27FC236}">
-                <a16:creationId xmlns:a16="http://schemas.microsoft.com/office/drawing/2014/main" xmlns="" id="{9B21E7A7-41FF-4722-B424-D3F89378BEB0}"/>
+                <a16:creationId xmlns="" xmlns:a16="http://schemas.microsoft.com/office/drawing/2014/main" id="{9B21E7A7-41FF-4722-B424-D3F89378BEB0}"/>
               </a:ext>
             </a:extLst>
           </p:cNvPr>
@@ -24681,7 +25771,7 @@
           <p:cNvPr id="66" name="Oval 65">
             <a:extLst>
               <a:ext uri="{FF2B5EF4-FFF2-40B4-BE49-F238E27FC236}">
-                <a16:creationId xmlns:a16="http://schemas.microsoft.com/office/drawing/2014/main" xmlns="" id="{78555CA8-3ABD-481D-8773-85321E6D94BC}"/>
+                <a16:creationId xmlns="" xmlns:a16="http://schemas.microsoft.com/office/drawing/2014/main" id="{78555CA8-3ABD-481D-8773-85321E6D94BC}"/>
               </a:ext>
             </a:extLst>
           </p:cNvPr>
@@ -24737,7 +25827,7 @@
           <p:cNvPr id="67" name="Straight Arrow Connector 66">
             <a:extLst>
               <a:ext uri="{FF2B5EF4-FFF2-40B4-BE49-F238E27FC236}">
-                <a16:creationId xmlns:a16="http://schemas.microsoft.com/office/drawing/2014/main" xmlns="" id="{A47DAD0E-84A7-48D4-BBEA-C8FA08AF368E}"/>
+                <a16:creationId xmlns="" xmlns:a16="http://schemas.microsoft.com/office/drawing/2014/main" id="{A47DAD0E-84A7-48D4-BBEA-C8FA08AF368E}"/>
               </a:ext>
             </a:extLst>
           </p:cNvPr>
@@ -24783,7 +25873,7 @@
           <p:cNvPr id="68" name="Oval 67">
             <a:extLst>
               <a:ext uri="{FF2B5EF4-FFF2-40B4-BE49-F238E27FC236}">
-                <a16:creationId xmlns:a16="http://schemas.microsoft.com/office/drawing/2014/main" xmlns="" id="{78555CA8-3ABD-481D-8773-85321E6D94BC}"/>
+                <a16:creationId xmlns="" xmlns:a16="http://schemas.microsoft.com/office/drawing/2014/main" id="{78555CA8-3ABD-481D-8773-85321E6D94BC}"/>
               </a:ext>
             </a:extLst>
           </p:cNvPr>
@@ -24839,7 +25929,7 @@
           <p:cNvPr id="69" name="Straight Arrow Connector 68">
             <a:extLst>
               <a:ext uri="{FF2B5EF4-FFF2-40B4-BE49-F238E27FC236}">
-                <a16:creationId xmlns:a16="http://schemas.microsoft.com/office/drawing/2014/main" xmlns="" id="{A47DAD0E-84A7-48D4-BBEA-C8FA08AF368E}"/>
+                <a16:creationId xmlns="" xmlns:a16="http://schemas.microsoft.com/office/drawing/2014/main" id="{A47DAD0E-84A7-48D4-BBEA-C8FA08AF368E}"/>
               </a:ext>
             </a:extLst>
           </p:cNvPr>
@@ -24885,7 +25975,7 @@
           <p:cNvPr id="71" name="Arrow: Down 33">
             <a:extLst>
               <a:ext uri="{FF2B5EF4-FFF2-40B4-BE49-F238E27FC236}">
-                <a16:creationId xmlns:a16="http://schemas.microsoft.com/office/drawing/2014/main" xmlns="" id="{1AED9871-5657-4FA9-8E6F-74E2BB2236B3}"/>
+                <a16:creationId xmlns="" xmlns:a16="http://schemas.microsoft.com/office/drawing/2014/main" id="{1AED9871-5657-4FA9-8E6F-74E2BB2236B3}"/>
               </a:ext>
             </a:extLst>
           </p:cNvPr>
@@ -25245,7 +26335,7 @@
           <p:cNvPr id="53" name="Oval 52">
             <a:extLst>
               <a:ext uri="{FF2B5EF4-FFF2-40B4-BE49-F238E27FC236}">
-                <a16:creationId xmlns:a16="http://schemas.microsoft.com/office/drawing/2014/main" xmlns="" id="{A8539DB9-3193-446D-AAD0-3F53798A7C20}"/>
+                <a16:creationId xmlns="" xmlns:a16="http://schemas.microsoft.com/office/drawing/2014/main" id="{A8539DB9-3193-446D-AAD0-3F53798A7C20}"/>
               </a:ext>
             </a:extLst>
           </p:cNvPr>
@@ -25301,7 +26391,7 @@
           <p:cNvPr id="54" name="Straight Arrow Connector 53">
             <a:extLst>
               <a:ext uri="{FF2B5EF4-FFF2-40B4-BE49-F238E27FC236}">
-                <a16:creationId xmlns:a16="http://schemas.microsoft.com/office/drawing/2014/main" xmlns="" id="{AEF8D433-30C4-4661-9F69-97B852EC189C}"/>
+                <a16:creationId xmlns="" xmlns:a16="http://schemas.microsoft.com/office/drawing/2014/main" id="{AEF8D433-30C4-4661-9F69-97B852EC189C}"/>
               </a:ext>
             </a:extLst>
           </p:cNvPr>
@@ -25346,7 +26436,7 @@
           <p:cNvPr id="55" name="TextBox 54">
             <a:extLst>
               <a:ext uri="{FF2B5EF4-FFF2-40B4-BE49-F238E27FC236}">
-                <a16:creationId xmlns:a16="http://schemas.microsoft.com/office/drawing/2014/main" xmlns="" id="{40A89D73-78E9-43D5-9346-924EA4FB08C8}"/>
+                <a16:creationId xmlns="" xmlns:a16="http://schemas.microsoft.com/office/drawing/2014/main" id="{40A89D73-78E9-43D5-9346-924EA4FB08C8}"/>
               </a:ext>
             </a:extLst>
           </p:cNvPr>
@@ -25388,7 +26478,7 @@
           <p:cNvPr id="56" name="Oval 55">
             <a:extLst>
               <a:ext uri="{FF2B5EF4-FFF2-40B4-BE49-F238E27FC236}">
-                <a16:creationId xmlns:a16="http://schemas.microsoft.com/office/drawing/2014/main" xmlns="" id="{78555CA8-3ABD-481D-8773-85321E6D94BC}"/>
+                <a16:creationId xmlns="" xmlns:a16="http://schemas.microsoft.com/office/drawing/2014/main" id="{78555CA8-3ABD-481D-8773-85321E6D94BC}"/>
               </a:ext>
             </a:extLst>
           </p:cNvPr>
@@ -25444,7 +26534,7 @@
           <p:cNvPr id="57" name="Straight Arrow Connector 56">
             <a:extLst>
               <a:ext uri="{FF2B5EF4-FFF2-40B4-BE49-F238E27FC236}">
-                <a16:creationId xmlns:a16="http://schemas.microsoft.com/office/drawing/2014/main" xmlns="" id="{A47DAD0E-84A7-48D4-BBEA-C8FA08AF368E}"/>
+                <a16:creationId xmlns="" xmlns:a16="http://schemas.microsoft.com/office/drawing/2014/main" id="{A47DAD0E-84A7-48D4-BBEA-C8FA08AF368E}"/>
               </a:ext>
             </a:extLst>
           </p:cNvPr>
@@ -25490,7 +26580,7 @@
           <p:cNvPr id="58" name="Oval 57">
             <a:extLst>
               <a:ext uri="{FF2B5EF4-FFF2-40B4-BE49-F238E27FC236}">
-                <a16:creationId xmlns:a16="http://schemas.microsoft.com/office/drawing/2014/main" xmlns="" id="{78555CA8-3ABD-481D-8773-85321E6D94BC}"/>
+                <a16:creationId xmlns="" xmlns:a16="http://schemas.microsoft.com/office/drawing/2014/main" id="{78555CA8-3ABD-481D-8773-85321E6D94BC}"/>
               </a:ext>
             </a:extLst>
           </p:cNvPr>
@@ -25546,7 +26636,7 @@
           <p:cNvPr id="59" name="Straight Arrow Connector 58">
             <a:extLst>
               <a:ext uri="{FF2B5EF4-FFF2-40B4-BE49-F238E27FC236}">
-                <a16:creationId xmlns:a16="http://schemas.microsoft.com/office/drawing/2014/main" xmlns="" id="{A47DAD0E-84A7-48D4-BBEA-C8FA08AF368E}"/>
+                <a16:creationId xmlns="" xmlns:a16="http://schemas.microsoft.com/office/drawing/2014/main" id="{A47DAD0E-84A7-48D4-BBEA-C8FA08AF368E}"/>
               </a:ext>
             </a:extLst>
           </p:cNvPr>
@@ -25592,7 +26682,7 @@
           <p:cNvPr id="64" name="Arrow: Down 32">
             <a:extLst>
               <a:ext uri="{FF2B5EF4-FFF2-40B4-BE49-F238E27FC236}">
-                <a16:creationId xmlns:a16="http://schemas.microsoft.com/office/drawing/2014/main" xmlns="" id="{9B21E7A7-41FF-4722-B424-D3F89378BEB0}"/>
+                <a16:creationId xmlns="" xmlns:a16="http://schemas.microsoft.com/office/drawing/2014/main" id="{9B21E7A7-41FF-4722-B424-D3F89378BEB0}"/>
               </a:ext>
             </a:extLst>
           </p:cNvPr>
@@ -25663,7 +26753,7 @@
           <p:cNvPr id="66" name="Oval 65">
             <a:extLst>
               <a:ext uri="{FF2B5EF4-FFF2-40B4-BE49-F238E27FC236}">
-                <a16:creationId xmlns:a16="http://schemas.microsoft.com/office/drawing/2014/main" xmlns="" id="{78555CA8-3ABD-481D-8773-85321E6D94BC}"/>
+                <a16:creationId xmlns="" xmlns:a16="http://schemas.microsoft.com/office/drawing/2014/main" id="{78555CA8-3ABD-481D-8773-85321E6D94BC}"/>
               </a:ext>
             </a:extLst>
           </p:cNvPr>
@@ -25719,7 +26809,7 @@
           <p:cNvPr id="67" name="Straight Arrow Connector 66">
             <a:extLst>
               <a:ext uri="{FF2B5EF4-FFF2-40B4-BE49-F238E27FC236}">
-                <a16:creationId xmlns:a16="http://schemas.microsoft.com/office/drawing/2014/main" xmlns="" id="{A47DAD0E-84A7-48D4-BBEA-C8FA08AF368E}"/>
+                <a16:creationId xmlns="" xmlns:a16="http://schemas.microsoft.com/office/drawing/2014/main" id="{A47DAD0E-84A7-48D4-BBEA-C8FA08AF368E}"/>
               </a:ext>
             </a:extLst>
           </p:cNvPr>
@@ -25765,7 +26855,7 @@
           <p:cNvPr id="68" name="Oval 67">
             <a:extLst>
               <a:ext uri="{FF2B5EF4-FFF2-40B4-BE49-F238E27FC236}">
-                <a16:creationId xmlns:a16="http://schemas.microsoft.com/office/drawing/2014/main" xmlns="" id="{78555CA8-3ABD-481D-8773-85321E6D94BC}"/>
+                <a16:creationId xmlns="" xmlns:a16="http://schemas.microsoft.com/office/drawing/2014/main" id="{78555CA8-3ABD-481D-8773-85321E6D94BC}"/>
               </a:ext>
             </a:extLst>
           </p:cNvPr>
@@ -25821,7 +26911,7 @@
           <p:cNvPr id="69" name="Straight Arrow Connector 68">
             <a:extLst>
               <a:ext uri="{FF2B5EF4-FFF2-40B4-BE49-F238E27FC236}">
-                <a16:creationId xmlns:a16="http://schemas.microsoft.com/office/drawing/2014/main" xmlns="" id="{A47DAD0E-84A7-48D4-BBEA-C8FA08AF368E}"/>
+                <a16:creationId xmlns="" xmlns:a16="http://schemas.microsoft.com/office/drawing/2014/main" id="{A47DAD0E-84A7-48D4-BBEA-C8FA08AF368E}"/>
               </a:ext>
             </a:extLst>
           </p:cNvPr>
@@ -25867,7 +26957,7 @@
           <p:cNvPr id="71" name="Arrow: Down 33">
             <a:extLst>
               <a:ext uri="{FF2B5EF4-FFF2-40B4-BE49-F238E27FC236}">
-                <a16:creationId xmlns:a16="http://schemas.microsoft.com/office/drawing/2014/main" xmlns="" id="{1AED9871-5657-4FA9-8E6F-74E2BB2236B3}"/>
+                <a16:creationId xmlns="" xmlns:a16="http://schemas.microsoft.com/office/drawing/2014/main" id="{1AED9871-5657-4FA9-8E6F-74E2BB2236B3}"/>
               </a:ext>
             </a:extLst>
           </p:cNvPr>
@@ -25942,7 +27032,7 @@
           <p:cNvPr id="24" name="Arrow: Down 32">
             <a:extLst>
               <a:ext uri="{FF2B5EF4-FFF2-40B4-BE49-F238E27FC236}">
-                <a16:creationId xmlns:a16="http://schemas.microsoft.com/office/drawing/2014/main" xmlns="" id="{9B21E7A7-41FF-4722-B424-D3F89378BEB0}"/>
+                <a16:creationId xmlns="" xmlns:a16="http://schemas.microsoft.com/office/drawing/2014/main" id="{9B21E7A7-41FF-4722-B424-D3F89378BEB0}"/>
               </a:ext>
             </a:extLst>
           </p:cNvPr>
@@ -26372,7 +27462,7 @@
           <p:cNvPr id="53" name="Oval 52">
             <a:extLst>
               <a:ext uri="{FF2B5EF4-FFF2-40B4-BE49-F238E27FC236}">
-                <a16:creationId xmlns:a16="http://schemas.microsoft.com/office/drawing/2014/main" xmlns="" id="{A8539DB9-3193-446D-AAD0-3F53798A7C20}"/>
+                <a16:creationId xmlns="" xmlns:a16="http://schemas.microsoft.com/office/drawing/2014/main" id="{A8539DB9-3193-446D-AAD0-3F53798A7C20}"/>
               </a:ext>
             </a:extLst>
           </p:cNvPr>
@@ -26428,7 +27518,7 @@
           <p:cNvPr id="54" name="Straight Arrow Connector 53">
             <a:extLst>
               <a:ext uri="{FF2B5EF4-FFF2-40B4-BE49-F238E27FC236}">
-                <a16:creationId xmlns:a16="http://schemas.microsoft.com/office/drawing/2014/main" xmlns="" id="{AEF8D433-30C4-4661-9F69-97B852EC189C}"/>
+                <a16:creationId xmlns="" xmlns:a16="http://schemas.microsoft.com/office/drawing/2014/main" id="{AEF8D433-30C4-4661-9F69-97B852EC189C}"/>
               </a:ext>
             </a:extLst>
           </p:cNvPr>
@@ -26473,7 +27563,7 @@
           <p:cNvPr id="55" name="TextBox 54">
             <a:extLst>
               <a:ext uri="{FF2B5EF4-FFF2-40B4-BE49-F238E27FC236}">
-                <a16:creationId xmlns:a16="http://schemas.microsoft.com/office/drawing/2014/main" xmlns="" id="{40A89D73-78E9-43D5-9346-924EA4FB08C8}"/>
+                <a16:creationId xmlns="" xmlns:a16="http://schemas.microsoft.com/office/drawing/2014/main" id="{40A89D73-78E9-43D5-9346-924EA4FB08C8}"/>
               </a:ext>
             </a:extLst>
           </p:cNvPr>
@@ -26515,7 +27605,7 @@
           <p:cNvPr id="56" name="Oval 55">
             <a:extLst>
               <a:ext uri="{FF2B5EF4-FFF2-40B4-BE49-F238E27FC236}">
-                <a16:creationId xmlns:a16="http://schemas.microsoft.com/office/drawing/2014/main" xmlns="" id="{78555CA8-3ABD-481D-8773-85321E6D94BC}"/>
+                <a16:creationId xmlns="" xmlns:a16="http://schemas.microsoft.com/office/drawing/2014/main" id="{78555CA8-3ABD-481D-8773-85321E6D94BC}"/>
               </a:ext>
             </a:extLst>
           </p:cNvPr>
@@ -26571,7 +27661,7 @@
           <p:cNvPr id="57" name="Straight Arrow Connector 56">
             <a:extLst>
               <a:ext uri="{FF2B5EF4-FFF2-40B4-BE49-F238E27FC236}">
-                <a16:creationId xmlns:a16="http://schemas.microsoft.com/office/drawing/2014/main" xmlns="" id="{A47DAD0E-84A7-48D4-BBEA-C8FA08AF368E}"/>
+                <a16:creationId xmlns="" xmlns:a16="http://schemas.microsoft.com/office/drawing/2014/main" id="{A47DAD0E-84A7-48D4-BBEA-C8FA08AF368E}"/>
               </a:ext>
             </a:extLst>
           </p:cNvPr>
@@ -26617,7 +27707,7 @@
           <p:cNvPr id="58" name="Oval 57">
             <a:extLst>
               <a:ext uri="{FF2B5EF4-FFF2-40B4-BE49-F238E27FC236}">
-                <a16:creationId xmlns:a16="http://schemas.microsoft.com/office/drawing/2014/main" xmlns="" id="{78555CA8-3ABD-481D-8773-85321E6D94BC}"/>
+                <a16:creationId xmlns="" xmlns:a16="http://schemas.microsoft.com/office/drawing/2014/main" id="{78555CA8-3ABD-481D-8773-85321E6D94BC}"/>
               </a:ext>
             </a:extLst>
           </p:cNvPr>
@@ -26673,7 +27763,7 @@
           <p:cNvPr id="59" name="Straight Arrow Connector 58">
             <a:extLst>
               <a:ext uri="{FF2B5EF4-FFF2-40B4-BE49-F238E27FC236}">
-                <a16:creationId xmlns:a16="http://schemas.microsoft.com/office/drawing/2014/main" xmlns="" id="{A47DAD0E-84A7-48D4-BBEA-C8FA08AF368E}"/>
+                <a16:creationId xmlns="" xmlns:a16="http://schemas.microsoft.com/office/drawing/2014/main" id="{A47DAD0E-84A7-48D4-BBEA-C8FA08AF368E}"/>
               </a:ext>
             </a:extLst>
           </p:cNvPr>
@@ -26719,7 +27809,7 @@
           <p:cNvPr id="66" name="Oval 65">
             <a:extLst>
               <a:ext uri="{FF2B5EF4-FFF2-40B4-BE49-F238E27FC236}">
-                <a16:creationId xmlns:a16="http://schemas.microsoft.com/office/drawing/2014/main" xmlns="" id="{78555CA8-3ABD-481D-8773-85321E6D94BC}"/>
+                <a16:creationId xmlns="" xmlns:a16="http://schemas.microsoft.com/office/drawing/2014/main" id="{78555CA8-3ABD-481D-8773-85321E6D94BC}"/>
               </a:ext>
             </a:extLst>
           </p:cNvPr>
@@ -26775,7 +27865,7 @@
           <p:cNvPr id="67" name="Straight Arrow Connector 66">
             <a:extLst>
               <a:ext uri="{FF2B5EF4-FFF2-40B4-BE49-F238E27FC236}">
-                <a16:creationId xmlns:a16="http://schemas.microsoft.com/office/drawing/2014/main" xmlns="" id="{A47DAD0E-84A7-48D4-BBEA-C8FA08AF368E}"/>
+                <a16:creationId xmlns="" xmlns:a16="http://schemas.microsoft.com/office/drawing/2014/main" id="{A47DAD0E-84A7-48D4-BBEA-C8FA08AF368E}"/>
               </a:ext>
             </a:extLst>
           </p:cNvPr>
@@ -26821,7 +27911,7 @@
           <p:cNvPr id="68" name="Oval 67">
             <a:extLst>
               <a:ext uri="{FF2B5EF4-FFF2-40B4-BE49-F238E27FC236}">
-                <a16:creationId xmlns:a16="http://schemas.microsoft.com/office/drawing/2014/main" xmlns="" id="{78555CA8-3ABD-481D-8773-85321E6D94BC}"/>
+                <a16:creationId xmlns="" xmlns:a16="http://schemas.microsoft.com/office/drawing/2014/main" id="{78555CA8-3ABD-481D-8773-85321E6D94BC}"/>
               </a:ext>
             </a:extLst>
           </p:cNvPr>
@@ -26877,7 +27967,7 @@
           <p:cNvPr id="69" name="Straight Arrow Connector 68">
             <a:extLst>
               <a:ext uri="{FF2B5EF4-FFF2-40B4-BE49-F238E27FC236}">
-                <a16:creationId xmlns:a16="http://schemas.microsoft.com/office/drawing/2014/main" xmlns="" id="{A47DAD0E-84A7-48D4-BBEA-C8FA08AF368E}"/>
+                <a16:creationId xmlns="" xmlns:a16="http://schemas.microsoft.com/office/drawing/2014/main" id="{A47DAD0E-84A7-48D4-BBEA-C8FA08AF368E}"/>
               </a:ext>
             </a:extLst>
           </p:cNvPr>
@@ -26923,7 +28013,7 @@
           <p:cNvPr id="71" name="Arrow: Down 33">
             <a:extLst>
               <a:ext uri="{FF2B5EF4-FFF2-40B4-BE49-F238E27FC236}">
-                <a16:creationId xmlns:a16="http://schemas.microsoft.com/office/drawing/2014/main" xmlns="" id="{1AED9871-5657-4FA9-8E6F-74E2BB2236B3}"/>
+                <a16:creationId xmlns="" xmlns:a16="http://schemas.microsoft.com/office/drawing/2014/main" id="{1AED9871-5657-4FA9-8E6F-74E2BB2236B3}"/>
               </a:ext>
             </a:extLst>
           </p:cNvPr>
@@ -26998,7 +28088,7 @@
           <p:cNvPr id="24" name="Arrow: Down 32">
             <a:extLst>
               <a:ext uri="{FF2B5EF4-FFF2-40B4-BE49-F238E27FC236}">
-                <a16:creationId xmlns:a16="http://schemas.microsoft.com/office/drawing/2014/main" xmlns="" id="{9B21E7A7-41FF-4722-B424-D3F89378BEB0}"/>
+                <a16:creationId xmlns="" xmlns:a16="http://schemas.microsoft.com/office/drawing/2014/main" id="{9B21E7A7-41FF-4722-B424-D3F89378BEB0}"/>
               </a:ext>
             </a:extLst>
           </p:cNvPr>
@@ -27191,7 +28281,7 @@
           <p:cNvPr id="53" name="Oval 52">
             <a:extLst>
               <a:ext uri="{FF2B5EF4-FFF2-40B4-BE49-F238E27FC236}">
-                <a16:creationId xmlns:a16="http://schemas.microsoft.com/office/drawing/2014/main" xmlns="" id="{A8539DB9-3193-446D-AAD0-3F53798A7C20}"/>
+                <a16:creationId xmlns="" xmlns:a16="http://schemas.microsoft.com/office/drawing/2014/main" id="{A8539DB9-3193-446D-AAD0-3F53798A7C20}"/>
               </a:ext>
             </a:extLst>
           </p:cNvPr>
@@ -27247,7 +28337,7 @@
           <p:cNvPr id="54" name="Straight Arrow Connector 53">
             <a:extLst>
               <a:ext uri="{FF2B5EF4-FFF2-40B4-BE49-F238E27FC236}">
-                <a16:creationId xmlns:a16="http://schemas.microsoft.com/office/drawing/2014/main" xmlns="" id="{AEF8D433-30C4-4661-9F69-97B852EC189C}"/>
+                <a16:creationId xmlns="" xmlns:a16="http://schemas.microsoft.com/office/drawing/2014/main" id="{AEF8D433-30C4-4661-9F69-97B852EC189C}"/>
               </a:ext>
             </a:extLst>
           </p:cNvPr>
@@ -27292,7 +28382,7 @@
           <p:cNvPr id="55" name="TextBox 54">
             <a:extLst>
               <a:ext uri="{FF2B5EF4-FFF2-40B4-BE49-F238E27FC236}">
-                <a16:creationId xmlns:a16="http://schemas.microsoft.com/office/drawing/2014/main" xmlns="" id="{40A89D73-78E9-43D5-9346-924EA4FB08C8}"/>
+                <a16:creationId xmlns="" xmlns:a16="http://schemas.microsoft.com/office/drawing/2014/main" id="{40A89D73-78E9-43D5-9346-924EA4FB08C8}"/>
               </a:ext>
             </a:extLst>
           </p:cNvPr>
@@ -27334,7 +28424,7 @@
           <p:cNvPr id="56" name="Oval 55">
             <a:extLst>
               <a:ext uri="{FF2B5EF4-FFF2-40B4-BE49-F238E27FC236}">
-                <a16:creationId xmlns:a16="http://schemas.microsoft.com/office/drawing/2014/main" xmlns="" id="{78555CA8-3ABD-481D-8773-85321E6D94BC}"/>
+                <a16:creationId xmlns="" xmlns:a16="http://schemas.microsoft.com/office/drawing/2014/main" id="{78555CA8-3ABD-481D-8773-85321E6D94BC}"/>
               </a:ext>
             </a:extLst>
           </p:cNvPr>
@@ -27390,7 +28480,7 @@
           <p:cNvPr id="57" name="Straight Arrow Connector 56">
             <a:extLst>
               <a:ext uri="{FF2B5EF4-FFF2-40B4-BE49-F238E27FC236}">
-                <a16:creationId xmlns:a16="http://schemas.microsoft.com/office/drawing/2014/main" xmlns="" id="{A47DAD0E-84A7-48D4-BBEA-C8FA08AF368E}"/>
+                <a16:creationId xmlns="" xmlns:a16="http://schemas.microsoft.com/office/drawing/2014/main" id="{A47DAD0E-84A7-48D4-BBEA-C8FA08AF368E}"/>
               </a:ext>
             </a:extLst>
           </p:cNvPr>
@@ -27436,7 +28526,7 @@
           <p:cNvPr id="58" name="Oval 57">
             <a:extLst>
               <a:ext uri="{FF2B5EF4-FFF2-40B4-BE49-F238E27FC236}">
-                <a16:creationId xmlns:a16="http://schemas.microsoft.com/office/drawing/2014/main" xmlns="" id="{78555CA8-3ABD-481D-8773-85321E6D94BC}"/>
+                <a16:creationId xmlns="" xmlns:a16="http://schemas.microsoft.com/office/drawing/2014/main" id="{78555CA8-3ABD-481D-8773-85321E6D94BC}"/>
               </a:ext>
             </a:extLst>
           </p:cNvPr>
@@ -27492,7 +28582,7 @@
           <p:cNvPr id="59" name="Straight Arrow Connector 58">
             <a:extLst>
               <a:ext uri="{FF2B5EF4-FFF2-40B4-BE49-F238E27FC236}">
-                <a16:creationId xmlns:a16="http://schemas.microsoft.com/office/drawing/2014/main" xmlns="" id="{A47DAD0E-84A7-48D4-BBEA-C8FA08AF368E}"/>
+                <a16:creationId xmlns="" xmlns:a16="http://schemas.microsoft.com/office/drawing/2014/main" id="{A47DAD0E-84A7-48D4-BBEA-C8FA08AF368E}"/>
               </a:ext>
             </a:extLst>
           </p:cNvPr>
@@ -27538,7 +28628,7 @@
           <p:cNvPr id="60" name="Oval 59">
             <a:extLst>
               <a:ext uri="{FF2B5EF4-FFF2-40B4-BE49-F238E27FC236}">
-                <a16:creationId xmlns:a16="http://schemas.microsoft.com/office/drawing/2014/main" xmlns="" id="{78555CA8-3ABD-481D-8773-85321E6D94BC}"/>
+                <a16:creationId xmlns="" xmlns:a16="http://schemas.microsoft.com/office/drawing/2014/main" id="{78555CA8-3ABD-481D-8773-85321E6D94BC}"/>
               </a:ext>
             </a:extLst>
           </p:cNvPr>
@@ -27594,7 +28684,7 @@
           <p:cNvPr id="61" name="Straight Arrow Connector 60">
             <a:extLst>
               <a:ext uri="{FF2B5EF4-FFF2-40B4-BE49-F238E27FC236}">
-                <a16:creationId xmlns:a16="http://schemas.microsoft.com/office/drawing/2014/main" xmlns="" id="{A47DAD0E-84A7-48D4-BBEA-C8FA08AF368E}"/>
+                <a16:creationId xmlns="" xmlns:a16="http://schemas.microsoft.com/office/drawing/2014/main" id="{A47DAD0E-84A7-48D4-BBEA-C8FA08AF368E}"/>
               </a:ext>
             </a:extLst>
           </p:cNvPr>
@@ -27640,7 +28730,7 @@
           <p:cNvPr id="62" name="Oval 61">
             <a:extLst>
               <a:ext uri="{FF2B5EF4-FFF2-40B4-BE49-F238E27FC236}">
-                <a16:creationId xmlns:a16="http://schemas.microsoft.com/office/drawing/2014/main" xmlns="" id="{78555CA8-3ABD-481D-8773-85321E6D94BC}"/>
+                <a16:creationId xmlns="" xmlns:a16="http://schemas.microsoft.com/office/drawing/2014/main" id="{78555CA8-3ABD-481D-8773-85321E6D94BC}"/>
               </a:ext>
             </a:extLst>
           </p:cNvPr>
@@ -27696,7 +28786,7 @@
           <p:cNvPr id="63" name="Straight Arrow Connector 62">
             <a:extLst>
               <a:ext uri="{FF2B5EF4-FFF2-40B4-BE49-F238E27FC236}">
-                <a16:creationId xmlns:a16="http://schemas.microsoft.com/office/drawing/2014/main" xmlns="" id="{A47DAD0E-84A7-48D4-BBEA-C8FA08AF368E}"/>
+                <a16:creationId xmlns="" xmlns:a16="http://schemas.microsoft.com/office/drawing/2014/main" id="{A47DAD0E-84A7-48D4-BBEA-C8FA08AF368E}"/>
               </a:ext>
             </a:extLst>
           </p:cNvPr>
@@ -27742,7 +28832,7 @@
           <p:cNvPr id="65" name="Arrow: Down 33">
             <a:extLst>
               <a:ext uri="{FF2B5EF4-FFF2-40B4-BE49-F238E27FC236}">
-                <a16:creationId xmlns:a16="http://schemas.microsoft.com/office/drawing/2014/main" xmlns="" id="{1AED9871-5657-4FA9-8E6F-74E2BB2236B3}"/>
+                <a16:creationId xmlns="" xmlns:a16="http://schemas.microsoft.com/office/drawing/2014/main" id="{1AED9871-5657-4FA9-8E6F-74E2BB2236B3}"/>
               </a:ext>
             </a:extLst>
           </p:cNvPr>
@@ -27814,7 +28904,7 @@
           <p:cNvPr id="66" name="Oval 65">
             <a:extLst>
               <a:ext uri="{FF2B5EF4-FFF2-40B4-BE49-F238E27FC236}">
-                <a16:creationId xmlns:a16="http://schemas.microsoft.com/office/drawing/2014/main" xmlns="" id="{78555CA8-3ABD-481D-8773-85321E6D94BC}"/>
+                <a16:creationId xmlns="" xmlns:a16="http://schemas.microsoft.com/office/drawing/2014/main" id="{78555CA8-3ABD-481D-8773-85321E6D94BC}"/>
               </a:ext>
             </a:extLst>
           </p:cNvPr>
@@ -27870,7 +28960,7 @@
           <p:cNvPr id="67" name="Straight Arrow Connector 66">
             <a:extLst>
               <a:ext uri="{FF2B5EF4-FFF2-40B4-BE49-F238E27FC236}">
-                <a16:creationId xmlns:a16="http://schemas.microsoft.com/office/drawing/2014/main" xmlns="" id="{A47DAD0E-84A7-48D4-BBEA-C8FA08AF368E}"/>
+                <a16:creationId xmlns="" xmlns:a16="http://schemas.microsoft.com/office/drawing/2014/main" id="{A47DAD0E-84A7-48D4-BBEA-C8FA08AF368E}"/>
               </a:ext>
             </a:extLst>
           </p:cNvPr>
@@ -27916,7 +29006,7 @@
           <p:cNvPr id="68" name="Oval 67">
             <a:extLst>
               <a:ext uri="{FF2B5EF4-FFF2-40B4-BE49-F238E27FC236}">
-                <a16:creationId xmlns:a16="http://schemas.microsoft.com/office/drawing/2014/main" xmlns="" id="{78555CA8-3ABD-481D-8773-85321E6D94BC}"/>
+                <a16:creationId xmlns="" xmlns:a16="http://schemas.microsoft.com/office/drawing/2014/main" id="{78555CA8-3ABD-481D-8773-85321E6D94BC}"/>
               </a:ext>
             </a:extLst>
           </p:cNvPr>
@@ -27972,7 +29062,7 @@
           <p:cNvPr id="69" name="Straight Arrow Connector 68">
             <a:extLst>
               <a:ext uri="{FF2B5EF4-FFF2-40B4-BE49-F238E27FC236}">
-                <a16:creationId xmlns:a16="http://schemas.microsoft.com/office/drawing/2014/main" xmlns="" id="{A47DAD0E-84A7-48D4-BBEA-C8FA08AF368E}"/>
+                <a16:creationId xmlns="" xmlns:a16="http://schemas.microsoft.com/office/drawing/2014/main" id="{A47DAD0E-84A7-48D4-BBEA-C8FA08AF368E}"/>
               </a:ext>
             </a:extLst>
           </p:cNvPr>
@@ -28018,7 +29108,7 @@
           <p:cNvPr id="71" name="Arrow: Down 33">
             <a:extLst>
               <a:ext uri="{FF2B5EF4-FFF2-40B4-BE49-F238E27FC236}">
-                <a16:creationId xmlns:a16="http://schemas.microsoft.com/office/drawing/2014/main" xmlns="" id="{1AED9871-5657-4FA9-8E6F-74E2BB2236B3}"/>
+                <a16:creationId xmlns="" xmlns:a16="http://schemas.microsoft.com/office/drawing/2014/main" id="{1AED9871-5657-4FA9-8E6F-74E2BB2236B3}"/>
               </a:ext>
             </a:extLst>
           </p:cNvPr>
@@ -28629,7 +29719,7 @@
           <p:cNvPr id="53" name="Oval 52">
             <a:extLst>
               <a:ext uri="{FF2B5EF4-FFF2-40B4-BE49-F238E27FC236}">
-                <a16:creationId xmlns:a16="http://schemas.microsoft.com/office/drawing/2014/main" xmlns="" id="{A8539DB9-3193-446D-AAD0-3F53798A7C20}"/>
+                <a16:creationId xmlns="" xmlns:a16="http://schemas.microsoft.com/office/drawing/2014/main" id="{A8539DB9-3193-446D-AAD0-3F53798A7C20}"/>
               </a:ext>
             </a:extLst>
           </p:cNvPr>
@@ -28685,7 +29775,7 @@
           <p:cNvPr id="54" name="Straight Arrow Connector 53">
             <a:extLst>
               <a:ext uri="{FF2B5EF4-FFF2-40B4-BE49-F238E27FC236}">
-                <a16:creationId xmlns:a16="http://schemas.microsoft.com/office/drawing/2014/main" xmlns="" id="{AEF8D433-30C4-4661-9F69-97B852EC189C}"/>
+                <a16:creationId xmlns="" xmlns:a16="http://schemas.microsoft.com/office/drawing/2014/main" id="{AEF8D433-30C4-4661-9F69-97B852EC189C}"/>
               </a:ext>
             </a:extLst>
           </p:cNvPr>
@@ -28730,7 +29820,7 @@
           <p:cNvPr id="55" name="TextBox 54">
             <a:extLst>
               <a:ext uri="{FF2B5EF4-FFF2-40B4-BE49-F238E27FC236}">
-                <a16:creationId xmlns:a16="http://schemas.microsoft.com/office/drawing/2014/main" xmlns="" id="{40A89D73-78E9-43D5-9346-924EA4FB08C8}"/>
+                <a16:creationId xmlns="" xmlns:a16="http://schemas.microsoft.com/office/drawing/2014/main" id="{40A89D73-78E9-43D5-9346-924EA4FB08C8}"/>
               </a:ext>
             </a:extLst>
           </p:cNvPr>
@@ -28772,7 +29862,7 @@
           <p:cNvPr id="56" name="Oval 55">
             <a:extLst>
               <a:ext uri="{FF2B5EF4-FFF2-40B4-BE49-F238E27FC236}">
-                <a16:creationId xmlns:a16="http://schemas.microsoft.com/office/drawing/2014/main" xmlns="" id="{78555CA8-3ABD-481D-8773-85321E6D94BC}"/>
+                <a16:creationId xmlns="" xmlns:a16="http://schemas.microsoft.com/office/drawing/2014/main" id="{78555CA8-3ABD-481D-8773-85321E6D94BC}"/>
               </a:ext>
             </a:extLst>
           </p:cNvPr>
@@ -28828,7 +29918,7 @@
           <p:cNvPr id="57" name="Straight Arrow Connector 56">
             <a:extLst>
               <a:ext uri="{FF2B5EF4-FFF2-40B4-BE49-F238E27FC236}">
-                <a16:creationId xmlns:a16="http://schemas.microsoft.com/office/drawing/2014/main" xmlns="" id="{A47DAD0E-84A7-48D4-BBEA-C8FA08AF368E}"/>
+                <a16:creationId xmlns="" xmlns:a16="http://schemas.microsoft.com/office/drawing/2014/main" id="{A47DAD0E-84A7-48D4-BBEA-C8FA08AF368E}"/>
               </a:ext>
             </a:extLst>
           </p:cNvPr>
@@ -28874,7 +29964,7 @@
           <p:cNvPr id="58" name="Oval 57">
             <a:extLst>
               <a:ext uri="{FF2B5EF4-FFF2-40B4-BE49-F238E27FC236}">
-                <a16:creationId xmlns:a16="http://schemas.microsoft.com/office/drawing/2014/main" xmlns="" id="{78555CA8-3ABD-481D-8773-85321E6D94BC}"/>
+                <a16:creationId xmlns="" xmlns:a16="http://schemas.microsoft.com/office/drawing/2014/main" id="{78555CA8-3ABD-481D-8773-85321E6D94BC}"/>
               </a:ext>
             </a:extLst>
           </p:cNvPr>
@@ -28930,7 +30020,7 @@
           <p:cNvPr id="59" name="Straight Arrow Connector 58">
             <a:extLst>
               <a:ext uri="{FF2B5EF4-FFF2-40B4-BE49-F238E27FC236}">
-                <a16:creationId xmlns:a16="http://schemas.microsoft.com/office/drawing/2014/main" xmlns="" id="{A47DAD0E-84A7-48D4-BBEA-C8FA08AF368E}"/>
+                <a16:creationId xmlns="" xmlns:a16="http://schemas.microsoft.com/office/drawing/2014/main" id="{A47DAD0E-84A7-48D4-BBEA-C8FA08AF368E}"/>
               </a:ext>
             </a:extLst>
           </p:cNvPr>
@@ -28976,7 +30066,7 @@
           <p:cNvPr id="60" name="Oval 59">
             <a:extLst>
               <a:ext uri="{FF2B5EF4-FFF2-40B4-BE49-F238E27FC236}">
-                <a16:creationId xmlns:a16="http://schemas.microsoft.com/office/drawing/2014/main" xmlns="" id="{78555CA8-3ABD-481D-8773-85321E6D94BC}"/>
+                <a16:creationId xmlns="" xmlns:a16="http://schemas.microsoft.com/office/drawing/2014/main" id="{78555CA8-3ABD-481D-8773-85321E6D94BC}"/>
               </a:ext>
             </a:extLst>
           </p:cNvPr>
@@ -29032,7 +30122,7 @@
           <p:cNvPr id="61" name="Straight Arrow Connector 60">
             <a:extLst>
               <a:ext uri="{FF2B5EF4-FFF2-40B4-BE49-F238E27FC236}">
-                <a16:creationId xmlns:a16="http://schemas.microsoft.com/office/drawing/2014/main" xmlns="" id="{A47DAD0E-84A7-48D4-BBEA-C8FA08AF368E}"/>
+                <a16:creationId xmlns="" xmlns:a16="http://schemas.microsoft.com/office/drawing/2014/main" id="{A47DAD0E-84A7-48D4-BBEA-C8FA08AF368E}"/>
               </a:ext>
             </a:extLst>
           </p:cNvPr>
@@ -29078,7 +30168,7 @@
           <p:cNvPr id="62" name="Oval 61">
             <a:extLst>
               <a:ext uri="{FF2B5EF4-FFF2-40B4-BE49-F238E27FC236}">
-                <a16:creationId xmlns:a16="http://schemas.microsoft.com/office/drawing/2014/main" xmlns="" id="{78555CA8-3ABD-481D-8773-85321E6D94BC}"/>
+                <a16:creationId xmlns="" xmlns:a16="http://schemas.microsoft.com/office/drawing/2014/main" id="{78555CA8-3ABD-481D-8773-85321E6D94BC}"/>
               </a:ext>
             </a:extLst>
           </p:cNvPr>
@@ -29134,7 +30224,7 @@
           <p:cNvPr id="63" name="Straight Arrow Connector 62">
             <a:extLst>
               <a:ext uri="{FF2B5EF4-FFF2-40B4-BE49-F238E27FC236}">
-                <a16:creationId xmlns:a16="http://schemas.microsoft.com/office/drawing/2014/main" xmlns="" id="{A47DAD0E-84A7-48D4-BBEA-C8FA08AF368E}"/>
+                <a16:creationId xmlns="" xmlns:a16="http://schemas.microsoft.com/office/drawing/2014/main" id="{A47DAD0E-84A7-48D4-BBEA-C8FA08AF368E}"/>
               </a:ext>
             </a:extLst>
           </p:cNvPr>
@@ -29180,7 +30270,7 @@
           <p:cNvPr id="65" name="Arrow: Down 33">
             <a:extLst>
               <a:ext uri="{FF2B5EF4-FFF2-40B4-BE49-F238E27FC236}">
-                <a16:creationId xmlns:a16="http://schemas.microsoft.com/office/drawing/2014/main" xmlns="" id="{1AED9871-5657-4FA9-8E6F-74E2BB2236B3}"/>
+                <a16:creationId xmlns="" xmlns:a16="http://schemas.microsoft.com/office/drawing/2014/main" id="{1AED9871-5657-4FA9-8E6F-74E2BB2236B3}"/>
               </a:ext>
             </a:extLst>
           </p:cNvPr>
@@ -29252,7 +30342,7 @@
           <p:cNvPr id="22" name="Oval 21">
             <a:extLst>
               <a:ext uri="{FF2B5EF4-FFF2-40B4-BE49-F238E27FC236}">
-                <a16:creationId xmlns:a16="http://schemas.microsoft.com/office/drawing/2014/main" xmlns="" id="{70018B8E-C8EA-4592-B666-4DD6915C2DAF}"/>
+                <a16:creationId xmlns="" xmlns:a16="http://schemas.microsoft.com/office/drawing/2014/main" id="{70018B8E-C8EA-4592-B666-4DD6915C2DAF}"/>
               </a:ext>
             </a:extLst>
           </p:cNvPr>
@@ -29310,7 +30400,7 @@
           <p:cNvPr id="25" name="Oval 24">
             <a:extLst>
               <a:ext uri="{FF2B5EF4-FFF2-40B4-BE49-F238E27FC236}">
-                <a16:creationId xmlns:a16="http://schemas.microsoft.com/office/drawing/2014/main" xmlns="" id="{70018B8E-C8EA-4592-B666-4DD6915C2DAF}"/>
+                <a16:creationId xmlns="" xmlns:a16="http://schemas.microsoft.com/office/drawing/2014/main" id="{70018B8E-C8EA-4592-B666-4DD6915C2DAF}"/>
               </a:ext>
             </a:extLst>
           </p:cNvPr>
@@ -30948,18 +32038,18 @@
 </file>
 
 <file path=customXml/item1.xml><?xml version="1.0" encoding="utf-8"?>
+<p:properties xmlns:p="http://schemas.microsoft.com/office/2006/metadata/properties" xmlns:xsi="http://www.w3.org/2001/XMLSchema-instance" xmlns:pc="http://schemas.microsoft.com/office/infopath/2007/PartnerControls">
+  <documentManagement/>
+</p:properties>
+</file>
+
+<file path=customXml/item2.xml><?xml version="1.0" encoding="utf-8"?>
 <?mso-contentType ?>
 <FormTemplates xmlns="http://schemas.microsoft.com/sharepoint/v3/contenttype/forms">
   <Display>DocumentLibraryForm</Display>
   <Edit>DocumentLibraryForm</Edit>
   <New>DocumentLibraryForm</New>
 </FormTemplates>
-</file>
-
-<file path=customXml/item2.xml><?xml version="1.0" encoding="utf-8"?>
-<p:properties xmlns:p="http://schemas.microsoft.com/office/2006/metadata/properties" xmlns:xsi="http://www.w3.org/2001/XMLSchema-instance" xmlns:pc="http://schemas.microsoft.com/office/infopath/2007/PartnerControls">
-  <documentManagement/>
-</p:properties>
 </file>
 
 <file path=customXml/item3.xml><?xml version="1.0" encoding="utf-8"?>
@@ -31111,14 +32201,6 @@
 </file>
 
 <file path=customXml/itemProps1.xml><?xml version="1.0" encoding="utf-8"?>
-<ds:datastoreItem xmlns:ds="http://schemas.openxmlformats.org/officeDocument/2006/customXml" ds:itemID="{32028EF8-D63B-42F2-9729-538DFDBCE111}">
-  <ds:schemaRefs>
-    <ds:schemaRef ds:uri="http://schemas.microsoft.com/sharepoint/v3/contenttype/forms"/>
-  </ds:schemaRefs>
-</ds:datastoreItem>
-</file>
-
-<file path=customXml/itemProps2.xml><?xml version="1.0" encoding="utf-8"?>
 <ds:datastoreItem xmlns:ds="http://schemas.openxmlformats.org/officeDocument/2006/customXml" ds:itemID="{A9495F4B-BFDC-466D-9B0E-24D55C97E4DD}">
   <ds:schemaRefs>
     <ds:schemaRef ds:uri="http://schemas.microsoft.com/office/2006/documentManagement/types"/>
@@ -31130,6 +32212,14 @@
     <ds:schemaRef ds:uri="6e6f0a11-ea51-4914-9041-4a6fcd55b979"/>
     <ds:schemaRef ds:uri="http://www.w3.org/XML/1998/namespace"/>
     <ds:schemaRef ds:uri="http://purl.org/dc/elements/1.1/"/>
+  </ds:schemaRefs>
+</ds:datastoreItem>
+</file>
+
+<file path=customXml/itemProps2.xml><?xml version="1.0" encoding="utf-8"?>
+<ds:datastoreItem xmlns:ds="http://schemas.openxmlformats.org/officeDocument/2006/customXml" ds:itemID="{32028EF8-D63B-42F2-9729-538DFDBCE111}">
+  <ds:schemaRefs>
+    <ds:schemaRef ds:uri="http://schemas.microsoft.com/sharepoint/v3/contenttype/forms"/>
   </ds:schemaRefs>
 </ds:datastoreItem>
 </file>
